--- a/Slides/Lesson 0.1 Goals of this Course.pptx
+++ b/Slides/Lesson 0.1 Goals of this Course.pptx
@@ -18,12 +18,12 @@
     <p:sldId id="280" r:id="rId9"/>
     <p:sldId id="283" r:id="rId10"/>
     <p:sldId id="259" r:id="rId11"/>
-    <p:sldId id="271" r:id="rId12"/>
-    <p:sldId id="267" r:id="rId13"/>
+    <p:sldId id="267" r:id="rId12"/>
+    <p:sldId id="271" r:id="rId13"/>
     <p:sldId id="265" r:id="rId14"/>
     <p:sldId id="270" r:id="rId15"/>
     <p:sldId id="282" r:id="rId16"/>
-    <p:sldId id="281" r:id="rId17"/>
+    <p:sldId id="284" r:id="rId17"/>
     <p:sldId id="273" r:id="rId18"/>
   </p:sldIdLst>
   <p:sldSz cx="9144000" cy="6858000" type="screen4x3"/>
@@ -142,6 +142,4639 @@
 </p:presentation>
 </file>
 
+<file path=ppt/diagrams/colors1.xml><?xml version="1.0" encoding="utf-8"?>
+<dgm:colorsDef xmlns:dgm="http://schemas.openxmlformats.org/drawingml/2006/diagram" xmlns:a="http://schemas.openxmlformats.org/drawingml/2006/main" uniqueId="urn:microsoft.com/office/officeart/2005/8/colors/accent1_2">
+  <dgm:title val=""/>
+  <dgm:desc val=""/>
+  <dgm:catLst>
+    <dgm:cat type="accent1" pri="11200"/>
+  </dgm:catLst>
+  <dgm:styleLbl name="node0">
+    <dgm:fillClrLst meth="repeat">
+      <a:schemeClr val="accent1"/>
+    </dgm:fillClrLst>
+    <dgm:linClrLst meth="repeat">
+      <a:schemeClr val="lt1"/>
+    </dgm:linClrLst>
+    <dgm:effectClrLst/>
+    <dgm:txLinClrLst/>
+    <dgm:txFillClrLst/>
+    <dgm:txEffectClrLst/>
+  </dgm:styleLbl>
+  <dgm:styleLbl name="alignNode1">
+    <dgm:fillClrLst meth="repeat">
+      <a:schemeClr val="accent1"/>
+    </dgm:fillClrLst>
+    <dgm:linClrLst meth="repeat">
+      <a:schemeClr val="accent1"/>
+    </dgm:linClrLst>
+    <dgm:effectClrLst/>
+    <dgm:txLinClrLst/>
+    <dgm:txFillClrLst/>
+    <dgm:txEffectClrLst/>
+  </dgm:styleLbl>
+  <dgm:styleLbl name="node1">
+    <dgm:fillClrLst meth="repeat">
+      <a:schemeClr val="accent1"/>
+    </dgm:fillClrLst>
+    <dgm:linClrLst meth="repeat">
+      <a:schemeClr val="lt1"/>
+    </dgm:linClrLst>
+    <dgm:effectClrLst/>
+    <dgm:txLinClrLst/>
+    <dgm:txFillClrLst/>
+    <dgm:txEffectClrLst/>
+  </dgm:styleLbl>
+  <dgm:styleLbl name="lnNode1">
+    <dgm:fillClrLst meth="repeat">
+      <a:schemeClr val="accent1"/>
+    </dgm:fillClrLst>
+    <dgm:linClrLst meth="repeat">
+      <a:schemeClr val="lt1"/>
+    </dgm:linClrLst>
+    <dgm:effectClrLst/>
+    <dgm:txLinClrLst/>
+    <dgm:txFillClrLst/>
+    <dgm:txEffectClrLst/>
+  </dgm:styleLbl>
+  <dgm:styleLbl name="vennNode1">
+    <dgm:fillClrLst meth="repeat">
+      <a:schemeClr val="accent1">
+        <a:alpha val="50000"/>
+      </a:schemeClr>
+    </dgm:fillClrLst>
+    <dgm:linClrLst meth="repeat">
+      <a:schemeClr val="lt1"/>
+    </dgm:linClrLst>
+    <dgm:effectClrLst/>
+    <dgm:txLinClrLst/>
+    <dgm:txFillClrLst/>
+    <dgm:txEffectClrLst/>
+  </dgm:styleLbl>
+  <dgm:styleLbl name="node2">
+    <dgm:fillClrLst meth="repeat">
+      <a:schemeClr val="accent1"/>
+    </dgm:fillClrLst>
+    <dgm:linClrLst meth="repeat">
+      <a:schemeClr val="lt1"/>
+    </dgm:linClrLst>
+    <dgm:effectClrLst/>
+    <dgm:txLinClrLst/>
+    <dgm:txFillClrLst/>
+    <dgm:txEffectClrLst/>
+  </dgm:styleLbl>
+  <dgm:styleLbl name="node3">
+    <dgm:fillClrLst meth="repeat">
+      <a:schemeClr val="accent1"/>
+    </dgm:fillClrLst>
+    <dgm:linClrLst meth="repeat">
+      <a:schemeClr val="lt1"/>
+    </dgm:linClrLst>
+    <dgm:effectClrLst/>
+    <dgm:txLinClrLst/>
+    <dgm:txFillClrLst/>
+    <dgm:txEffectClrLst/>
+  </dgm:styleLbl>
+  <dgm:styleLbl name="node4">
+    <dgm:fillClrLst meth="repeat">
+      <a:schemeClr val="accent1"/>
+    </dgm:fillClrLst>
+    <dgm:linClrLst meth="repeat">
+      <a:schemeClr val="lt1"/>
+    </dgm:linClrLst>
+    <dgm:effectClrLst/>
+    <dgm:txLinClrLst/>
+    <dgm:txFillClrLst/>
+    <dgm:txEffectClrLst/>
+  </dgm:styleLbl>
+  <dgm:styleLbl name="fgImgPlace1">
+    <dgm:fillClrLst meth="repeat">
+      <a:schemeClr val="accent1">
+        <a:tint val="50000"/>
+      </a:schemeClr>
+    </dgm:fillClrLst>
+    <dgm:linClrLst meth="repeat">
+      <a:schemeClr val="lt1"/>
+    </dgm:linClrLst>
+    <dgm:effectClrLst/>
+    <dgm:txLinClrLst/>
+    <dgm:txFillClrLst meth="repeat">
+      <a:schemeClr val="lt1"/>
+    </dgm:txFillClrLst>
+    <dgm:txEffectClrLst/>
+  </dgm:styleLbl>
+  <dgm:styleLbl name="alignImgPlace1">
+    <dgm:fillClrLst meth="repeat">
+      <a:schemeClr val="accent1">
+        <a:tint val="50000"/>
+      </a:schemeClr>
+    </dgm:fillClrLst>
+    <dgm:linClrLst meth="repeat">
+      <a:schemeClr val="lt1"/>
+    </dgm:linClrLst>
+    <dgm:effectClrLst/>
+    <dgm:txLinClrLst/>
+    <dgm:txFillClrLst meth="repeat">
+      <a:schemeClr val="lt1"/>
+    </dgm:txFillClrLst>
+    <dgm:txEffectClrLst/>
+  </dgm:styleLbl>
+  <dgm:styleLbl name="bgImgPlace1">
+    <dgm:fillClrLst meth="repeat">
+      <a:schemeClr val="accent1">
+        <a:tint val="50000"/>
+      </a:schemeClr>
+    </dgm:fillClrLst>
+    <dgm:linClrLst meth="repeat">
+      <a:schemeClr val="lt1"/>
+    </dgm:linClrLst>
+    <dgm:effectClrLst/>
+    <dgm:txLinClrLst/>
+    <dgm:txFillClrLst meth="repeat">
+      <a:schemeClr val="lt1"/>
+    </dgm:txFillClrLst>
+    <dgm:txEffectClrLst/>
+  </dgm:styleLbl>
+  <dgm:styleLbl name="sibTrans2D1">
+    <dgm:fillClrLst meth="repeat">
+      <a:schemeClr val="accent1">
+        <a:tint val="60000"/>
+      </a:schemeClr>
+    </dgm:fillClrLst>
+    <dgm:linClrLst meth="repeat">
+      <a:schemeClr val="accent1">
+        <a:tint val="60000"/>
+      </a:schemeClr>
+    </dgm:linClrLst>
+    <dgm:effectClrLst/>
+    <dgm:txLinClrLst/>
+    <dgm:txFillClrLst/>
+    <dgm:txEffectClrLst/>
+  </dgm:styleLbl>
+  <dgm:styleLbl name="fgSibTrans2D1">
+    <dgm:fillClrLst meth="repeat">
+      <a:schemeClr val="accent1">
+        <a:tint val="60000"/>
+      </a:schemeClr>
+    </dgm:fillClrLst>
+    <dgm:linClrLst meth="repeat">
+      <a:schemeClr val="accent1">
+        <a:tint val="60000"/>
+      </a:schemeClr>
+    </dgm:linClrLst>
+    <dgm:effectClrLst/>
+    <dgm:txLinClrLst/>
+    <dgm:txFillClrLst/>
+    <dgm:txEffectClrLst/>
+  </dgm:styleLbl>
+  <dgm:styleLbl name="bgSibTrans2D1">
+    <dgm:fillClrLst meth="repeat">
+      <a:schemeClr val="accent1">
+        <a:tint val="60000"/>
+      </a:schemeClr>
+    </dgm:fillClrLst>
+    <dgm:linClrLst meth="repeat">
+      <a:schemeClr val="accent1">
+        <a:tint val="60000"/>
+      </a:schemeClr>
+    </dgm:linClrLst>
+    <dgm:effectClrLst/>
+    <dgm:txLinClrLst/>
+    <dgm:txFillClrLst/>
+    <dgm:txEffectClrLst/>
+  </dgm:styleLbl>
+  <dgm:styleLbl name="sibTrans1D1">
+    <dgm:fillClrLst meth="repeat">
+      <a:schemeClr val="accent1"/>
+    </dgm:fillClrLst>
+    <dgm:linClrLst meth="repeat">
+      <a:schemeClr val="accent1"/>
+    </dgm:linClrLst>
+    <dgm:effectClrLst/>
+    <dgm:txLinClrLst/>
+    <dgm:txFillClrLst meth="repeat">
+      <a:schemeClr val="tx1"/>
+    </dgm:txFillClrLst>
+    <dgm:txEffectClrLst/>
+  </dgm:styleLbl>
+  <dgm:styleLbl name="callout">
+    <dgm:fillClrLst meth="repeat">
+      <a:schemeClr val="accent1"/>
+    </dgm:fillClrLst>
+    <dgm:linClrLst meth="repeat">
+      <a:schemeClr val="accent1">
+        <a:tint val="50000"/>
+      </a:schemeClr>
+    </dgm:linClrLst>
+    <dgm:effectClrLst/>
+    <dgm:txLinClrLst/>
+    <dgm:txFillClrLst meth="repeat">
+      <a:schemeClr val="tx1"/>
+    </dgm:txFillClrLst>
+    <dgm:txEffectClrLst/>
+  </dgm:styleLbl>
+  <dgm:styleLbl name="asst0">
+    <dgm:fillClrLst meth="repeat">
+      <a:schemeClr val="accent1"/>
+    </dgm:fillClrLst>
+    <dgm:linClrLst meth="repeat">
+      <a:schemeClr val="lt1"/>
+    </dgm:linClrLst>
+    <dgm:effectClrLst/>
+    <dgm:txLinClrLst/>
+    <dgm:txFillClrLst/>
+    <dgm:txEffectClrLst/>
+  </dgm:styleLbl>
+  <dgm:styleLbl name="asst1">
+    <dgm:fillClrLst meth="repeat">
+      <a:schemeClr val="accent1"/>
+    </dgm:fillClrLst>
+    <dgm:linClrLst meth="repeat">
+      <a:schemeClr val="lt1"/>
+    </dgm:linClrLst>
+    <dgm:effectClrLst/>
+    <dgm:txLinClrLst/>
+    <dgm:txFillClrLst/>
+    <dgm:txEffectClrLst/>
+  </dgm:styleLbl>
+  <dgm:styleLbl name="asst2">
+    <dgm:fillClrLst meth="repeat">
+      <a:schemeClr val="accent1"/>
+    </dgm:fillClrLst>
+    <dgm:linClrLst meth="repeat">
+      <a:schemeClr val="lt1"/>
+    </dgm:linClrLst>
+    <dgm:effectClrLst/>
+    <dgm:txLinClrLst/>
+    <dgm:txFillClrLst/>
+    <dgm:txEffectClrLst/>
+  </dgm:styleLbl>
+  <dgm:styleLbl name="asst3">
+    <dgm:fillClrLst meth="repeat">
+      <a:schemeClr val="accent1"/>
+    </dgm:fillClrLst>
+    <dgm:linClrLst meth="repeat">
+      <a:schemeClr val="lt1"/>
+    </dgm:linClrLst>
+    <dgm:effectClrLst/>
+    <dgm:txLinClrLst/>
+    <dgm:txFillClrLst/>
+    <dgm:txEffectClrLst/>
+  </dgm:styleLbl>
+  <dgm:styleLbl name="asst4">
+    <dgm:fillClrLst meth="repeat">
+      <a:schemeClr val="accent1"/>
+    </dgm:fillClrLst>
+    <dgm:linClrLst meth="repeat">
+      <a:schemeClr val="lt1"/>
+    </dgm:linClrLst>
+    <dgm:effectClrLst/>
+    <dgm:txLinClrLst/>
+    <dgm:txFillClrLst/>
+    <dgm:txEffectClrLst/>
+  </dgm:styleLbl>
+  <dgm:styleLbl name="parChTrans2D1">
+    <dgm:fillClrLst meth="repeat">
+      <a:schemeClr val="accent1">
+        <a:tint val="60000"/>
+      </a:schemeClr>
+    </dgm:fillClrLst>
+    <dgm:linClrLst meth="repeat">
+      <a:schemeClr val="accent1">
+        <a:tint val="60000"/>
+      </a:schemeClr>
+    </dgm:linClrLst>
+    <dgm:effectClrLst/>
+    <dgm:txLinClrLst/>
+    <dgm:txFillClrLst meth="repeat">
+      <a:schemeClr val="lt1"/>
+    </dgm:txFillClrLst>
+    <dgm:txEffectClrLst/>
+  </dgm:styleLbl>
+  <dgm:styleLbl name="parChTrans2D2">
+    <dgm:fillClrLst meth="repeat">
+      <a:schemeClr val="accent1"/>
+    </dgm:fillClrLst>
+    <dgm:linClrLst meth="repeat">
+      <a:schemeClr val="accent1"/>
+    </dgm:linClrLst>
+    <dgm:effectClrLst/>
+    <dgm:txLinClrLst/>
+    <dgm:txFillClrLst meth="repeat">
+      <a:schemeClr val="lt1"/>
+    </dgm:txFillClrLst>
+    <dgm:txEffectClrLst/>
+  </dgm:styleLbl>
+  <dgm:styleLbl name="parChTrans2D3">
+    <dgm:fillClrLst meth="repeat">
+      <a:schemeClr val="accent1"/>
+    </dgm:fillClrLst>
+    <dgm:linClrLst meth="repeat">
+      <a:schemeClr val="accent1"/>
+    </dgm:linClrLst>
+    <dgm:effectClrLst/>
+    <dgm:txLinClrLst/>
+    <dgm:txFillClrLst meth="repeat">
+      <a:schemeClr val="lt1"/>
+    </dgm:txFillClrLst>
+    <dgm:txEffectClrLst/>
+  </dgm:styleLbl>
+  <dgm:styleLbl name="parChTrans2D4">
+    <dgm:fillClrLst meth="repeat">
+      <a:schemeClr val="accent1"/>
+    </dgm:fillClrLst>
+    <dgm:linClrLst meth="repeat">
+      <a:schemeClr val="accent1"/>
+    </dgm:linClrLst>
+    <dgm:effectClrLst/>
+    <dgm:txLinClrLst/>
+    <dgm:txFillClrLst meth="repeat">
+      <a:schemeClr val="lt1"/>
+    </dgm:txFillClrLst>
+    <dgm:txEffectClrLst/>
+  </dgm:styleLbl>
+  <dgm:styleLbl name="parChTrans1D1">
+    <dgm:fillClrLst meth="repeat">
+      <a:schemeClr val="accent1"/>
+    </dgm:fillClrLst>
+    <dgm:linClrLst meth="repeat">
+      <a:schemeClr val="accent1">
+        <a:shade val="60000"/>
+      </a:schemeClr>
+    </dgm:linClrLst>
+    <dgm:effectClrLst/>
+    <dgm:txLinClrLst/>
+    <dgm:txFillClrLst meth="repeat">
+      <a:schemeClr val="tx1"/>
+    </dgm:txFillClrLst>
+    <dgm:txEffectClrLst/>
+  </dgm:styleLbl>
+  <dgm:styleLbl name="parChTrans1D2">
+    <dgm:fillClrLst meth="repeat">
+      <a:schemeClr val="accent1"/>
+    </dgm:fillClrLst>
+    <dgm:linClrLst meth="repeat">
+      <a:schemeClr val="accent1">
+        <a:shade val="60000"/>
+      </a:schemeClr>
+    </dgm:linClrLst>
+    <dgm:effectClrLst/>
+    <dgm:txLinClrLst/>
+    <dgm:txFillClrLst meth="repeat">
+      <a:schemeClr val="tx1"/>
+    </dgm:txFillClrLst>
+    <dgm:txEffectClrLst/>
+  </dgm:styleLbl>
+  <dgm:styleLbl name="parChTrans1D3">
+    <dgm:fillClrLst meth="repeat">
+      <a:schemeClr val="accent1"/>
+    </dgm:fillClrLst>
+    <dgm:linClrLst meth="repeat">
+      <a:schemeClr val="accent1">
+        <a:shade val="80000"/>
+      </a:schemeClr>
+    </dgm:linClrLst>
+    <dgm:effectClrLst/>
+    <dgm:txLinClrLst/>
+    <dgm:txFillClrLst meth="repeat">
+      <a:schemeClr val="tx1"/>
+    </dgm:txFillClrLst>
+    <dgm:txEffectClrLst/>
+  </dgm:styleLbl>
+  <dgm:styleLbl name="parChTrans1D4">
+    <dgm:fillClrLst meth="repeat">
+      <a:schemeClr val="accent1"/>
+    </dgm:fillClrLst>
+    <dgm:linClrLst meth="repeat">
+      <a:schemeClr val="accent1">
+        <a:shade val="80000"/>
+      </a:schemeClr>
+    </dgm:linClrLst>
+    <dgm:effectClrLst/>
+    <dgm:txLinClrLst/>
+    <dgm:txFillClrLst meth="repeat">
+      <a:schemeClr val="tx1"/>
+    </dgm:txFillClrLst>
+    <dgm:txEffectClrLst/>
+  </dgm:styleLbl>
+  <dgm:styleLbl name="fgAcc1">
+    <dgm:fillClrLst meth="repeat">
+      <a:schemeClr val="lt1">
+        <a:alpha val="90000"/>
+      </a:schemeClr>
+    </dgm:fillClrLst>
+    <dgm:linClrLst meth="repeat">
+      <a:schemeClr val="accent1"/>
+    </dgm:linClrLst>
+    <dgm:effectClrLst/>
+    <dgm:txLinClrLst/>
+    <dgm:txFillClrLst meth="repeat">
+      <a:schemeClr val="dk1"/>
+    </dgm:txFillClrLst>
+    <dgm:txEffectClrLst/>
+  </dgm:styleLbl>
+  <dgm:styleLbl name="conFgAcc1">
+    <dgm:fillClrLst meth="repeat">
+      <a:schemeClr val="lt1">
+        <a:alpha val="90000"/>
+      </a:schemeClr>
+    </dgm:fillClrLst>
+    <dgm:linClrLst meth="repeat">
+      <a:schemeClr val="accent1"/>
+    </dgm:linClrLst>
+    <dgm:effectClrLst/>
+    <dgm:txLinClrLst/>
+    <dgm:txFillClrLst meth="repeat">
+      <a:schemeClr val="dk1"/>
+    </dgm:txFillClrLst>
+    <dgm:txEffectClrLst/>
+  </dgm:styleLbl>
+  <dgm:styleLbl name="alignAcc1">
+    <dgm:fillClrLst meth="repeat">
+      <a:schemeClr val="lt1">
+        <a:alpha val="90000"/>
+      </a:schemeClr>
+    </dgm:fillClrLst>
+    <dgm:linClrLst meth="repeat">
+      <a:schemeClr val="accent1"/>
+    </dgm:linClrLst>
+    <dgm:effectClrLst/>
+    <dgm:txLinClrLst/>
+    <dgm:txFillClrLst meth="repeat">
+      <a:schemeClr val="dk1"/>
+    </dgm:txFillClrLst>
+    <dgm:txEffectClrLst/>
+  </dgm:styleLbl>
+  <dgm:styleLbl name="trAlignAcc1">
+    <dgm:fillClrLst meth="repeat">
+      <a:schemeClr val="lt1">
+        <a:alpha val="40000"/>
+      </a:schemeClr>
+    </dgm:fillClrLst>
+    <dgm:linClrLst meth="repeat">
+      <a:schemeClr val="accent1"/>
+    </dgm:linClrLst>
+    <dgm:effectClrLst/>
+    <dgm:txLinClrLst/>
+    <dgm:txFillClrLst meth="repeat">
+      <a:schemeClr val="dk1"/>
+    </dgm:txFillClrLst>
+    <dgm:txEffectClrLst/>
+  </dgm:styleLbl>
+  <dgm:styleLbl name="bgAcc1">
+    <dgm:fillClrLst meth="repeat">
+      <a:schemeClr val="lt1">
+        <a:alpha val="90000"/>
+      </a:schemeClr>
+    </dgm:fillClrLst>
+    <dgm:linClrLst meth="repeat">
+      <a:schemeClr val="accent1"/>
+    </dgm:linClrLst>
+    <dgm:effectClrLst/>
+    <dgm:txLinClrLst/>
+    <dgm:txFillClrLst meth="repeat">
+      <a:schemeClr val="dk1"/>
+    </dgm:txFillClrLst>
+    <dgm:txEffectClrLst/>
+  </dgm:styleLbl>
+  <dgm:styleLbl name="solidFgAcc1">
+    <dgm:fillClrLst meth="repeat">
+      <a:schemeClr val="lt1"/>
+    </dgm:fillClrLst>
+    <dgm:linClrLst meth="repeat">
+      <a:schemeClr val="accent1"/>
+    </dgm:linClrLst>
+    <dgm:effectClrLst/>
+    <dgm:txLinClrLst/>
+    <dgm:txFillClrLst meth="repeat">
+      <a:schemeClr val="dk1"/>
+    </dgm:txFillClrLst>
+    <dgm:txEffectClrLst/>
+  </dgm:styleLbl>
+  <dgm:styleLbl name="solidAlignAcc1">
+    <dgm:fillClrLst meth="repeat">
+      <a:schemeClr val="lt1"/>
+    </dgm:fillClrLst>
+    <dgm:linClrLst meth="repeat">
+      <a:schemeClr val="accent1"/>
+    </dgm:linClrLst>
+    <dgm:effectClrLst/>
+    <dgm:txLinClrLst/>
+    <dgm:txFillClrLst meth="repeat">
+      <a:schemeClr val="dk1"/>
+    </dgm:txFillClrLst>
+    <dgm:txEffectClrLst/>
+  </dgm:styleLbl>
+  <dgm:styleLbl name="solidBgAcc1">
+    <dgm:fillClrLst meth="repeat">
+      <a:schemeClr val="lt1"/>
+    </dgm:fillClrLst>
+    <dgm:linClrLst meth="repeat">
+      <a:schemeClr val="accent1"/>
+    </dgm:linClrLst>
+    <dgm:effectClrLst/>
+    <dgm:txLinClrLst/>
+    <dgm:txFillClrLst meth="repeat">
+      <a:schemeClr val="dk1"/>
+    </dgm:txFillClrLst>
+    <dgm:txEffectClrLst/>
+  </dgm:styleLbl>
+  <dgm:styleLbl name="fgAccFollowNode1">
+    <dgm:fillClrLst meth="repeat">
+      <a:schemeClr val="accent1">
+        <a:alpha val="90000"/>
+        <a:tint val="40000"/>
+      </a:schemeClr>
+    </dgm:fillClrLst>
+    <dgm:linClrLst meth="repeat">
+      <a:schemeClr val="accent1">
+        <a:alpha val="90000"/>
+        <a:tint val="40000"/>
+      </a:schemeClr>
+    </dgm:linClrLst>
+    <dgm:effectClrLst/>
+    <dgm:txLinClrLst/>
+    <dgm:txFillClrLst meth="repeat">
+      <a:schemeClr val="dk1"/>
+    </dgm:txFillClrLst>
+    <dgm:txEffectClrLst/>
+  </dgm:styleLbl>
+  <dgm:styleLbl name="alignAccFollowNode1">
+    <dgm:fillClrLst meth="repeat">
+      <a:schemeClr val="accent1">
+        <a:alpha val="90000"/>
+        <a:tint val="40000"/>
+      </a:schemeClr>
+    </dgm:fillClrLst>
+    <dgm:linClrLst meth="repeat">
+      <a:schemeClr val="accent1">
+        <a:alpha val="90000"/>
+        <a:tint val="40000"/>
+      </a:schemeClr>
+    </dgm:linClrLst>
+    <dgm:effectClrLst/>
+    <dgm:txLinClrLst/>
+    <dgm:txFillClrLst meth="repeat">
+      <a:schemeClr val="dk1"/>
+    </dgm:txFillClrLst>
+    <dgm:txEffectClrLst/>
+  </dgm:styleLbl>
+  <dgm:styleLbl name="bgAccFollowNode1">
+    <dgm:fillClrLst meth="repeat">
+      <a:schemeClr val="accent1">
+        <a:alpha val="90000"/>
+        <a:tint val="40000"/>
+      </a:schemeClr>
+    </dgm:fillClrLst>
+    <dgm:linClrLst meth="repeat">
+      <a:schemeClr val="accent1">
+        <a:alpha val="90000"/>
+        <a:tint val="40000"/>
+      </a:schemeClr>
+    </dgm:linClrLst>
+    <dgm:effectClrLst/>
+    <dgm:txLinClrLst/>
+    <dgm:txFillClrLst meth="repeat">
+      <a:schemeClr val="dk1"/>
+    </dgm:txFillClrLst>
+    <dgm:txEffectClrLst/>
+  </dgm:styleLbl>
+  <dgm:styleLbl name="fgAcc0">
+    <dgm:fillClrLst meth="repeat">
+      <a:schemeClr val="lt1">
+        <a:alpha val="90000"/>
+      </a:schemeClr>
+    </dgm:fillClrLst>
+    <dgm:linClrLst meth="repeat">
+      <a:schemeClr val="accent1"/>
+    </dgm:linClrLst>
+    <dgm:effectClrLst/>
+    <dgm:txLinClrLst/>
+    <dgm:txFillClrLst meth="repeat">
+      <a:schemeClr val="dk1"/>
+    </dgm:txFillClrLst>
+    <dgm:txEffectClrLst/>
+  </dgm:styleLbl>
+  <dgm:styleLbl name="fgAcc2">
+    <dgm:fillClrLst meth="repeat">
+      <a:schemeClr val="lt1">
+        <a:alpha val="90000"/>
+      </a:schemeClr>
+    </dgm:fillClrLst>
+    <dgm:linClrLst meth="repeat">
+      <a:schemeClr val="accent1"/>
+    </dgm:linClrLst>
+    <dgm:effectClrLst/>
+    <dgm:txLinClrLst/>
+    <dgm:txFillClrLst meth="repeat">
+      <a:schemeClr val="dk1"/>
+    </dgm:txFillClrLst>
+    <dgm:txEffectClrLst/>
+  </dgm:styleLbl>
+  <dgm:styleLbl name="fgAcc3">
+    <dgm:fillClrLst meth="repeat">
+      <a:schemeClr val="lt1">
+        <a:alpha val="90000"/>
+      </a:schemeClr>
+    </dgm:fillClrLst>
+    <dgm:linClrLst meth="repeat">
+      <a:schemeClr val="accent1"/>
+    </dgm:linClrLst>
+    <dgm:effectClrLst/>
+    <dgm:txLinClrLst/>
+    <dgm:txFillClrLst meth="repeat">
+      <a:schemeClr val="dk1"/>
+    </dgm:txFillClrLst>
+    <dgm:txEffectClrLst/>
+  </dgm:styleLbl>
+  <dgm:styleLbl name="fgAcc4">
+    <dgm:fillClrLst meth="repeat">
+      <a:schemeClr val="lt1">
+        <a:alpha val="90000"/>
+      </a:schemeClr>
+    </dgm:fillClrLst>
+    <dgm:linClrLst meth="repeat">
+      <a:schemeClr val="accent1"/>
+    </dgm:linClrLst>
+    <dgm:effectClrLst/>
+    <dgm:txLinClrLst/>
+    <dgm:txFillClrLst meth="repeat">
+      <a:schemeClr val="dk1"/>
+    </dgm:txFillClrLst>
+    <dgm:txEffectClrLst/>
+  </dgm:styleLbl>
+  <dgm:styleLbl name="bgShp">
+    <dgm:fillClrLst meth="repeat">
+      <a:schemeClr val="accent1">
+        <a:tint val="40000"/>
+      </a:schemeClr>
+    </dgm:fillClrLst>
+    <dgm:linClrLst meth="repeat">
+      <a:schemeClr val="accent1"/>
+    </dgm:linClrLst>
+    <dgm:effectClrLst/>
+    <dgm:txLinClrLst/>
+    <dgm:txFillClrLst meth="repeat">
+      <a:schemeClr val="dk1"/>
+    </dgm:txFillClrLst>
+    <dgm:txEffectClrLst/>
+  </dgm:styleLbl>
+  <dgm:styleLbl name="dkBgShp">
+    <dgm:fillClrLst meth="repeat">
+      <a:schemeClr val="accent1">
+        <a:shade val="80000"/>
+      </a:schemeClr>
+    </dgm:fillClrLst>
+    <dgm:linClrLst meth="repeat">
+      <a:schemeClr val="accent1"/>
+    </dgm:linClrLst>
+    <dgm:effectClrLst/>
+    <dgm:txLinClrLst/>
+    <dgm:txFillClrLst meth="repeat">
+      <a:schemeClr val="lt1"/>
+    </dgm:txFillClrLst>
+    <dgm:txEffectClrLst/>
+  </dgm:styleLbl>
+  <dgm:styleLbl name="trBgShp">
+    <dgm:fillClrLst meth="repeat">
+      <a:schemeClr val="accent1">
+        <a:tint val="50000"/>
+        <a:alpha val="40000"/>
+      </a:schemeClr>
+    </dgm:fillClrLst>
+    <dgm:linClrLst meth="repeat">
+      <a:schemeClr val="accent1"/>
+    </dgm:linClrLst>
+    <dgm:effectClrLst/>
+    <dgm:txLinClrLst/>
+    <dgm:txFillClrLst meth="repeat">
+      <a:schemeClr val="lt1"/>
+    </dgm:txFillClrLst>
+    <dgm:txEffectClrLst/>
+  </dgm:styleLbl>
+  <dgm:styleLbl name="fgShp">
+    <dgm:fillClrLst meth="repeat">
+      <a:schemeClr val="accent1">
+        <a:tint val="60000"/>
+      </a:schemeClr>
+    </dgm:fillClrLst>
+    <dgm:linClrLst meth="repeat">
+      <a:schemeClr val="lt1"/>
+    </dgm:linClrLst>
+    <dgm:effectClrLst/>
+    <dgm:txLinClrLst/>
+    <dgm:txFillClrLst meth="repeat">
+      <a:schemeClr val="dk1"/>
+    </dgm:txFillClrLst>
+    <dgm:txEffectClrLst/>
+  </dgm:styleLbl>
+  <dgm:styleLbl name="revTx">
+    <dgm:fillClrLst meth="repeat">
+      <a:schemeClr val="lt1">
+        <a:alpha val="0"/>
+      </a:schemeClr>
+    </dgm:fillClrLst>
+    <dgm:linClrLst meth="repeat">
+      <a:schemeClr val="dk1">
+        <a:alpha val="0"/>
+      </a:schemeClr>
+    </dgm:linClrLst>
+    <dgm:effectClrLst/>
+    <dgm:txLinClrLst/>
+    <dgm:txFillClrLst meth="repeat">
+      <a:schemeClr val="tx1"/>
+    </dgm:txFillClrLst>
+    <dgm:txEffectClrLst/>
+  </dgm:styleLbl>
+</dgm:colorsDef>
+</file>
+
+<file path=ppt/diagrams/data1.xml><?xml version="1.0" encoding="utf-8"?>
+<dgm:dataModel xmlns:dgm="http://schemas.openxmlformats.org/drawingml/2006/diagram" xmlns:a="http://schemas.openxmlformats.org/drawingml/2006/main">
+  <dgm:ptLst>
+    <dgm:pt modelId="{D4ADF4FB-6626-4BAA-8170-1AB86830E7EB}" type="doc">
+      <dgm:prSet loTypeId="urn:microsoft.com/office/officeart/2005/8/layout/hierarchy3" loCatId="hierarchy" qsTypeId="urn:microsoft.com/office/officeart/2005/8/quickstyle/simple1" qsCatId="simple" csTypeId="urn:microsoft.com/office/officeart/2005/8/colors/accent1_2" csCatId="accent1" phldr="1"/>
+      <dgm:spPr/>
+      <dgm:t>
+        <a:bodyPr/>
+        <a:lstStyle/>
+        <a:p>
+          <a:endParaRPr lang="en-US"/>
+        </a:p>
+      </dgm:t>
+    </dgm:pt>
+    <dgm:pt modelId="{ED0B78BF-E006-4732-B48C-2ADC9E2EF39A}">
+      <dgm:prSet phldrT="[Text]"/>
+      <dgm:spPr/>
+      <dgm:t>
+        <a:bodyPr/>
+        <a:lstStyle/>
+        <a:p>
+          <a:r>
+            <a:rPr lang="en-US" dirty="0"/>
+            <a:t>Tools and Techniques</a:t>
+          </a:r>
+        </a:p>
+      </dgm:t>
+    </dgm:pt>
+    <dgm:pt modelId="{28816F29-4038-473E-B49B-94074EA0A51E}" type="parTrans" cxnId="{A1A3BCB4-83BF-4A79-B53F-5F8A606BDE54}">
+      <dgm:prSet/>
+      <dgm:spPr/>
+      <dgm:t>
+        <a:bodyPr/>
+        <a:lstStyle/>
+        <a:p>
+          <a:endParaRPr lang="en-US"/>
+        </a:p>
+      </dgm:t>
+    </dgm:pt>
+    <dgm:pt modelId="{23CFA8B8-2A05-4928-AEB3-72448E3A79E3}" type="sibTrans" cxnId="{A1A3BCB4-83BF-4A79-B53F-5F8A606BDE54}">
+      <dgm:prSet/>
+      <dgm:spPr/>
+      <dgm:t>
+        <a:bodyPr/>
+        <a:lstStyle/>
+        <a:p>
+          <a:endParaRPr lang="en-US"/>
+        </a:p>
+      </dgm:t>
+    </dgm:pt>
+    <dgm:pt modelId="{5D17C516-2319-40FE-8748-E184C6D71444}">
+      <dgm:prSet phldrT="[Text]"/>
+      <dgm:spPr/>
+      <dgm:t>
+        <a:bodyPr/>
+        <a:lstStyle/>
+        <a:p>
+          <a:r>
+            <a:rPr lang="en-US" dirty="0"/>
+            <a:t>Object-Oriented Programming</a:t>
+          </a:r>
+        </a:p>
+      </dgm:t>
+    </dgm:pt>
+    <dgm:pt modelId="{EA441DC7-A30D-47EC-A5C8-C50834D06E30}" type="parTrans" cxnId="{F9A2BA9E-B30D-4948-A3E9-A634F6BE47FD}">
+      <dgm:prSet/>
+      <dgm:spPr/>
+      <dgm:t>
+        <a:bodyPr/>
+        <a:lstStyle/>
+        <a:p>
+          <a:endParaRPr lang="en-US"/>
+        </a:p>
+      </dgm:t>
+    </dgm:pt>
+    <dgm:pt modelId="{636B54D7-340F-4600-82E5-F2E670443C91}" type="sibTrans" cxnId="{F9A2BA9E-B30D-4948-A3E9-A634F6BE47FD}">
+      <dgm:prSet/>
+      <dgm:spPr/>
+      <dgm:t>
+        <a:bodyPr/>
+        <a:lstStyle/>
+        <a:p>
+          <a:endParaRPr lang="en-US"/>
+        </a:p>
+      </dgm:t>
+    </dgm:pt>
+    <dgm:pt modelId="{DDB8B436-9528-434E-BD0F-6EB4D2ACB929}">
+      <dgm:prSet phldrT="[Text]"/>
+      <dgm:spPr/>
+      <dgm:t>
+        <a:bodyPr/>
+        <a:lstStyle/>
+        <a:p>
+          <a:r>
+            <a:rPr lang="en-US" dirty="0"/>
+            <a:t>Designing Data</a:t>
+          </a:r>
+        </a:p>
+      </dgm:t>
+    </dgm:pt>
+    <dgm:pt modelId="{9E647244-45B2-496C-B687-01576FEABEC4}" type="parTrans" cxnId="{05392EDD-3032-43C3-BA79-A1347D6D727C}">
+      <dgm:prSet/>
+      <dgm:spPr/>
+      <dgm:t>
+        <a:bodyPr/>
+        <a:lstStyle/>
+        <a:p>
+          <a:endParaRPr lang="en-US"/>
+        </a:p>
+      </dgm:t>
+    </dgm:pt>
+    <dgm:pt modelId="{EE60868F-7BA4-434D-84FC-89FFDDF05FC3}" type="sibTrans" cxnId="{05392EDD-3032-43C3-BA79-A1347D6D727C}">
+      <dgm:prSet/>
+      <dgm:spPr/>
+      <dgm:t>
+        <a:bodyPr/>
+        <a:lstStyle/>
+        <a:p>
+          <a:endParaRPr lang="en-US"/>
+        </a:p>
+      </dgm:t>
+    </dgm:pt>
+    <dgm:pt modelId="{F221EA58-7488-4550-B7A5-965344CA7EAE}">
+      <dgm:prSet phldrT="[Text]"/>
+      <dgm:spPr/>
+      <dgm:t>
+        <a:bodyPr/>
+        <a:lstStyle/>
+        <a:p>
+          <a:r>
+            <a:rPr lang="en-US" dirty="0"/>
+            <a:t>Designing Functions</a:t>
+          </a:r>
+        </a:p>
+      </dgm:t>
+    </dgm:pt>
+    <dgm:pt modelId="{03056A9D-BCBF-4181-B8D6-7E4ECCBD4D9E}" type="parTrans" cxnId="{F8F3D917-317B-4A80-B606-277A7F6170C2}">
+      <dgm:prSet/>
+      <dgm:spPr/>
+      <dgm:t>
+        <a:bodyPr/>
+        <a:lstStyle/>
+        <a:p>
+          <a:endParaRPr lang="en-US"/>
+        </a:p>
+      </dgm:t>
+    </dgm:pt>
+    <dgm:pt modelId="{50012D0E-39A9-4FB4-832D-C4D74BE598A6}" type="sibTrans" cxnId="{F8F3D917-317B-4A80-B606-277A7F6170C2}">
+      <dgm:prSet/>
+      <dgm:spPr/>
+      <dgm:t>
+        <a:bodyPr/>
+        <a:lstStyle/>
+        <a:p>
+          <a:endParaRPr lang="en-US"/>
+        </a:p>
+      </dgm:t>
+    </dgm:pt>
+    <dgm:pt modelId="{B1CEE35E-20B6-4A0B-B1E8-D4F40E3162E1}">
+      <dgm:prSet phldrT="[Text]"/>
+      <dgm:spPr/>
+      <dgm:t>
+        <a:bodyPr/>
+        <a:lstStyle/>
+        <a:p>
+          <a:r>
+            <a:rPr lang="en-US" dirty="0"/>
+            <a:t>Designing Systems</a:t>
+          </a:r>
+        </a:p>
+      </dgm:t>
+    </dgm:pt>
+    <dgm:pt modelId="{08AACE21-5FAD-4460-B120-67387C8F0F32}" type="parTrans" cxnId="{47968857-87E3-481A-908A-A468E51372C1}">
+      <dgm:prSet/>
+      <dgm:spPr/>
+      <dgm:t>
+        <a:bodyPr/>
+        <a:lstStyle/>
+        <a:p>
+          <a:endParaRPr lang="en-US"/>
+        </a:p>
+      </dgm:t>
+    </dgm:pt>
+    <dgm:pt modelId="{4A08DEA0-C75B-4713-B280-420C60C372D9}" type="sibTrans" cxnId="{47968857-87E3-481A-908A-A468E51372C1}">
+      <dgm:prSet/>
+      <dgm:spPr/>
+      <dgm:t>
+        <a:bodyPr/>
+        <a:lstStyle/>
+        <a:p>
+          <a:endParaRPr lang="en-US"/>
+        </a:p>
+      </dgm:t>
+    </dgm:pt>
+    <dgm:pt modelId="{1CBBDDB5-026A-42BF-8805-ACAC57AA5DC3}">
+      <dgm:prSet phldrT="[Text]"/>
+      <dgm:spPr/>
+      <dgm:t>
+        <a:bodyPr/>
+        <a:lstStyle/>
+        <a:p>
+          <a:r>
+            <a:rPr lang="en-US" dirty="0"/>
+            <a:t>Computing with Lists</a:t>
+          </a:r>
+        </a:p>
+      </dgm:t>
+    </dgm:pt>
+    <dgm:pt modelId="{1EC30C20-D36E-4265-85EE-C210CE02F892}" type="parTrans" cxnId="{9662958D-3400-409A-ADC7-BEB605777B1F}">
+      <dgm:prSet/>
+      <dgm:spPr/>
+      <dgm:t>
+        <a:bodyPr/>
+        <a:lstStyle/>
+        <a:p>
+          <a:endParaRPr lang="en-US"/>
+        </a:p>
+      </dgm:t>
+    </dgm:pt>
+    <dgm:pt modelId="{D37EB34B-12D7-42C6-A433-F33F271349CA}" type="sibTrans" cxnId="{9662958D-3400-409A-ADC7-BEB605777B1F}">
+      <dgm:prSet/>
+      <dgm:spPr/>
+      <dgm:t>
+        <a:bodyPr/>
+        <a:lstStyle/>
+        <a:p>
+          <a:endParaRPr lang="en-US"/>
+        </a:p>
+      </dgm:t>
+    </dgm:pt>
+    <dgm:pt modelId="{A7945ECA-2D01-4C03-9AED-9E3EEAAF0F2C}">
+      <dgm:prSet phldrT="[Text]"/>
+      <dgm:spPr/>
+      <dgm:t>
+        <a:bodyPr/>
+        <a:lstStyle/>
+        <a:p>
+          <a:r>
+            <a:rPr lang="en-US" dirty="0"/>
+            <a:t>Computing with Trees and Graphs</a:t>
+          </a:r>
+        </a:p>
+      </dgm:t>
+    </dgm:pt>
+    <dgm:pt modelId="{D39C6496-6307-4FC4-9D55-DB6DA94D051F}" type="parTrans" cxnId="{372E1130-8A4A-4006-A020-34030B0410C9}">
+      <dgm:prSet/>
+      <dgm:spPr/>
+      <dgm:t>
+        <a:bodyPr/>
+        <a:lstStyle/>
+        <a:p>
+          <a:endParaRPr lang="en-US"/>
+        </a:p>
+      </dgm:t>
+    </dgm:pt>
+    <dgm:pt modelId="{4FF7D82F-ECB8-4560-8324-4D22393C300C}" type="sibTrans" cxnId="{372E1130-8A4A-4006-A020-34030B0410C9}">
+      <dgm:prSet/>
+      <dgm:spPr/>
+      <dgm:t>
+        <a:bodyPr/>
+        <a:lstStyle/>
+        <a:p>
+          <a:endParaRPr lang="en-US"/>
+        </a:p>
+      </dgm:t>
+    </dgm:pt>
+    <dgm:pt modelId="{B0B0FACC-C24A-4552-82AB-C8FE8246DEF8}">
+      <dgm:prSet phldrT="[Text]"/>
+      <dgm:spPr/>
+      <dgm:t>
+        <a:bodyPr/>
+        <a:lstStyle/>
+        <a:p>
+          <a:r>
+            <a:rPr lang="en-US" dirty="0"/>
+            <a:t>Designing with Invariants</a:t>
+          </a:r>
+        </a:p>
+      </dgm:t>
+    </dgm:pt>
+    <dgm:pt modelId="{FD74BA91-6D78-44B3-BF01-4D49723F4718}" type="parTrans" cxnId="{FCD83CF7-A1CD-455F-A466-CFFA01A2A6C9}">
+      <dgm:prSet/>
+      <dgm:spPr/>
+      <dgm:t>
+        <a:bodyPr/>
+        <a:lstStyle/>
+        <a:p>
+          <a:endParaRPr lang="en-US"/>
+        </a:p>
+      </dgm:t>
+    </dgm:pt>
+    <dgm:pt modelId="{E6264341-6F1C-4A60-9081-A5335333D714}" type="sibTrans" cxnId="{FCD83CF7-A1CD-455F-A466-CFFA01A2A6C9}">
+      <dgm:prSet/>
+      <dgm:spPr/>
+      <dgm:t>
+        <a:bodyPr/>
+        <a:lstStyle/>
+        <a:p>
+          <a:endParaRPr lang="en-US"/>
+        </a:p>
+      </dgm:t>
+    </dgm:pt>
+    <dgm:pt modelId="{3C02419B-DA6A-4FDB-972F-4F8DC3AD08E3}">
+      <dgm:prSet phldrT="[Text]"/>
+      <dgm:spPr/>
+      <dgm:t>
+        <a:bodyPr/>
+        <a:lstStyle/>
+        <a:p>
+          <a:r>
+            <a:rPr lang="en-US" dirty="0"/>
+            <a:t>Thinking about Efficiency</a:t>
+          </a:r>
+        </a:p>
+      </dgm:t>
+    </dgm:pt>
+    <dgm:pt modelId="{FA010E1E-46BF-40DE-B386-14C19C329E38}" type="parTrans" cxnId="{B2581BA3-7711-4B4F-895A-5C4A1A23D07A}">
+      <dgm:prSet/>
+      <dgm:spPr/>
+      <dgm:t>
+        <a:bodyPr/>
+        <a:lstStyle/>
+        <a:p>
+          <a:endParaRPr lang="en-US"/>
+        </a:p>
+      </dgm:t>
+    </dgm:pt>
+    <dgm:pt modelId="{ABE6B4B2-8044-42FC-8EBA-A2B2927B372D}" type="sibTrans" cxnId="{B2581BA3-7711-4B4F-895A-5C4A1A23D07A}">
+      <dgm:prSet/>
+      <dgm:spPr/>
+      <dgm:t>
+        <a:bodyPr/>
+        <a:lstStyle/>
+        <a:p>
+          <a:endParaRPr lang="en-US"/>
+        </a:p>
+      </dgm:t>
+    </dgm:pt>
+    <dgm:pt modelId="{C217CF6C-69F6-4F1F-BFEF-F03F51825445}">
+      <dgm:prSet phldrT="[Text]"/>
+      <dgm:spPr/>
+      <dgm:t>
+        <a:bodyPr/>
+        <a:lstStyle/>
+        <a:p>
+          <a:r>
+            <a:rPr lang="en-US" dirty="0"/>
+            <a:t>Interfaces and Classes</a:t>
+          </a:r>
+        </a:p>
+      </dgm:t>
+    </dgm:pt>
+    <dgm:pt modelId="{109F41A6-1D40-4F81-903A-8B0CB1E442DB}" type="parTrans" cxnId="{B7B8BE25-1D3D-41C1-B2BB-252CA3FFFABF}">
+      <dgm:prSet/>
+      <dgm:spPr/>
+      <dgm:t>
+        <a:bodyPr/>
+        <a:lstStyle/>
+        <a:p>
+          <a:endParaRPr lang="en-US"/>
+        </a:p>
+      </dgm:t>
+    </dgm:pt>
+    <dgm:pt modelId="{727D2815-3763-49AC-8FA5-B78975C6E255}" type="sibTrans" cxnId="{B7B8BE25-1D3D-41C1-B2BB-252CA3FFFABF}">
+      <dgm:prSet/>
+      <dgm:spPr/>
+      <dgm:t>
+        <a:bodyPr/>
+        <a:lstStyle/>
+        <a:p>
+          <a:endParaRPr lang="en-US"/>
+        </a:p>
+      </dgm:t>
+    </dgm:pt>
+    <dgm:pt modelId="{D6553791-8532-4952-AC46-957A80E6F455}">
+      <dgm:prSet phldrT="[Text]"/>
+      <dgm:spPr/>
+      <dgm:t>
+        <a:bodyPr/>
+        <a:lstStyle/>
+        <a:p>
+          <a:r>
+            <a:rPr lang="en-US" dirty="0"/>
+            <a:t>Inheritance</a:t>
+          </a:r>
+        </a:p>
+      </dgm:t>
+    </dgm:pt>
+    <dgm:pt modelId="{4B64BF35-F3DD-46FA-A74B-C8F1391BB234}" type="parTrans" cxnId="{E630B7D1-EF42-4E29-A586-EDEEAFD22353}">
+      <dgm:prSet/>
+      <dgm:spPr/>
+      <dgm:t>
+        <a:bodyPr/>
+        <a:lstStyle/>
+        <a:p>
+          <a:endParaRPr lang="en-US"/>
+        </a:p>
+      </dgm:t>
+    </dgm:pt>
+    <dgm:pt modelId="{C19A1F15-CCAA-4226-B7DD-F2CD4049A9B3}" type="sibTrans" cxnId="{E630B7D1-EF42-4E29-A586-EDEEAFD22353}">
+      <dgm:prSet/>
+      <dgm:spPr/>
+      <dgm:t>
+        <a:bodyPr/>
+        <a:lstStyle/>
+        <a:p>
+          <a:endParaRPr lang="en-US"/>
+        </a:p>
+      </dgm:t>
+    </dgm:pt>
+    <dgm:pt modelId="{23FBFCAF-D268-4C4D-8359-092F33A19BD5}">
+      <dgm:prSet phldrT="[Text]"/>
+      <dgm:spPr/>
+      <dgm:t>
+        <a:bodyPr/>
+        <a:lstStyle/>
+        <a:p>
+          <a:r>
+            <a:rPr lang="en-US" dirty="0"/>
+            <a:t>Objects with Mutable State</a:t>
+          </a:r>
+        </a:p>
+      </dgm:t>
+    </dgm:pt>
+    <dgm:pt modelId="{E8807DF0-38BE-4236-AFC9-03DFA18007AA}" type="parTrans" cxnId="{C679C12F-0D37-4771-853C-9B6A72F3F8AB}">
+      <dgm:prSet/>
+      <dgm:spPr/>
+      <dgm:t>
+        <a:bodyPr/>
+        <a:lstStyle/>
+        <a:p>
+          <a:endParaRPr lang="en-US"/>
+        </a:p>
+      </dgm:t>
+    </dgm:pt>
+    <dgm:pt modelId="{49424D88-7251-4F7F-9D61-B03F29AB2536}" type="sibTrans" cxnId="{C679C12F-0D37-4771-853C-9B6A72F3F8AB}">
+      <dgm:prSet/>
+      <dgm:spPr/>
+      <dgm:t>
+        <a:bodyPr/>
+        <a:lstStyle/>
+        <a:p>
+          <a:endParaRPr lang="en-US"/>
+        </a:p>
+      </dgm:t>
+    </dgm:pt>
+    <dgm:pt modelId="{BE7D634C-5542-4AE8-B044-37802A6A19BF}">
+      <dgm:prSet phldrT="[Text]"/>
+      <dgm:spPr/>
+      <dgm:t>
+        <a:bodyPr/>
+        <a:lstStyle/>
+        <a:p>
+          <a:r>
+            <a:rPr lang="en-US" dirty="0"/>
+            <a:t>Efficiency, Part 2</a:t>
+          </a:r>
+        </a:p>
+      </dgm:t>
+    </dgm:pt>
+    <dgm:pt modelId="{E61F56D0-9360-46BF-8251-561CA9F726E8}" type="parTrans" cxnId="{B7404AC6-1631-4D80-950E-A28F1FE44D7F}">
+      <dgm:prSet/>
+      <dgm:spPr/>
+      <dgm:t>
+        <a:bodyPr/>
+        <a:lstStyle/>
+        <a:p>
+          <a:endParaRPr lang="en-US"/>
+        </a:p>
+      </dgm:t>
+    </dgm:pt>
+    <dgm:pt modelId="{F057A6F2-F3CD-40BE-A001-82BB25F47711}" type="sibTrans" cxnId="{B7404AC6-1631-4D80-950E-A28F1FE44D7F}">
+      <dgm:prSet/>
+      <dgm:spPr/>
+      <dgm:t>
+        <a:bodyPr/>
+        <a:lstStyle/>
+        <a:p>
+          <a:endParaRPr lang="en-US"/>
+        </a:p>
+      </dgm:t>
+    </dgm:pt>
+    <dgm:pt modelId="{9AAB3432-E203-4861-9A1F-5A18DE81A0E0}">
+      <dgm:prSet phldrT="[Text]"/>
+      <dgm:spPr/>
+      <dgm:t>
+        <a:bodyPr/>
+        <a:lstStyle/>
+        <a:p>
+          <a:r>
+            <a:rPr lang="en-US" dirty="0"/>
+            <a:t>Basic Principles</a:t>
+          </a:r>
+        </a:p>
+      </dgm:t>
+    </dgm:pt>
+    <dgm:pt modelId="{6A4E30F2-4DB5-4E70-B35C-3B1843570C40}" type="sibTrans" cxnId="{F5F6D4BB-2DFC-4FC1-ABCD-FF03786BFFE0}">
+      <dgm:prSet/>
+      <dgm:spPr/>
+      <dgm:t>
+        <a:bodyPr/>
+        <a:lstStyle/>
+        <a:p>
+          <a:endParaRPr lang="en-US"/>
+        </a:p>
+      </dgm:t>
+    </dgm:pt>
+    <dgm:pt modelId="{A67FC2F0-CFC7-4D0E-AB12-FC8B412EC38C}" type="parTrans" cxnId="{F5F6D4BB-2DFC-4FC1-ABCD-FF03786BFFE0}">
+      <dgm:prSet/>
+      <dgm:spPr/>
+      <dgm:t>
+        <a:bodyPr/>
+        <a:lstStyle/>
+        <a:p>
+          <a:endParaRPr lang="en-US"/>
+        </a:p>
+      </dgm:t>
+    </dgm:pt>
+    <dgm:pt modelId="{5EAC0F1C-8135-499C-A050-8951C4D4D68B}" type="pres">
+      <dgm:prSet presAssocID="{D4ADF4FB-6626-4BAA-8170-1AB86830E7EB}" presName="diagram" presStyleCnt="0">
+        <dgm:presLayoutVars>
+          <dgm:chPref val="1"/>
+          <dgm:dir/>
+          <dgm:animOne val="branch"/>
+          <dgm:animLvl val="lvl"/>
+          <dgm:resizeHandles/>
+        </dgm:presLayoutVars>
+      </dgm:prSet>
+      <dgm:spPr/>
+    </dgm:pt>
+    <dgm:pt modelId="{E9A360F5-905C-4B1F-87BD-8099DBD7826B}" type="pres">
+      <dgm:prSet presAssocID="{9AAB3432-E203-4861-9A1F-5A18DE81A0E0}" presName="root" presStyleCnt="0"/>
+      <dgm:spPr/>
+    </dgm:pt>
+    <dgm:pt modelId="{770F0FD6-A664-4D0A-A016-FBEA3DBC5EF2}" type="pres">
+      <dgm:prSet presAssocID="{9AAB3432-E203-4861-9A1F-5A18DE81A0E0}" presName="rootComposite" presStyleCnt="0"/>
+      <dgm:spPr/>
+    </dgm:pt>
+    <dgm:pt modelId="{D42C5353-2F91-4910-9E62-259C884C47C8}" type="pres">
+      <dgm:prSet presAssocID="{9AAB3432-E203-4861-9A1F-5A18DE81A0E0}" presName="rootText" presStyleLbl="node1" presStyleIdx="0" presStyleCnt="3"/>
+      <dgm:spPr/>
+    </dgm:pt>
+    <dgm:pt modelId="{D5FEF17D-A657-4E90-83A6-FFBD9375BEE2}" type="pres">
+      <dgm:prSet presAssocID="{9AAB3432-E203-4861-9A1F-5A18DE81A0E0}" presName="rootConnector" presStyleLbl="node1" presStyleIdx="0" presStyleCnt="3"/>
+      <dgm:spPr/>
+    </dgm:pt>
+    <dgm:pt modelId="{ED254901-973D-4D91-AABF-EBA39BDAC603}" type="pres">
+      <dgm:prSet presAssocID="{9AAB3432-E203-4861-9A1F-5A18DE81A0E0}" presName="childShape" presStyleCnt="0"/>
+      <dgm:spPr/>
+    </dgm:pt>
+    <dgm:pt modelId="{360B229B-0F55-45E5-A55A-DDDBDBD1C921}" type="pres">
+      <dgm:prSet presAssocID="{9E647244-45B2-496C-B687-01576FEABEC4}" presName="Name13" presStyleLbl="parChTrans1D2" presStyleIdx="0" presStyleCnt="11"/>
+      <dgm:spPr/>
+    </dgm:pt>
+    <dgm:pt modelId="{7E3D7089-292B-46E8-B4F0-ADC3733C52BD}" type="pres">
+      <dgm:prSet presAssocID="{DDB8B436-9528-434E-BD0F-6EB4D2ACB929}" presName="childText" presStyleLbl="bgAcc1" presStyleIdx="0" presStyleCnt="11">
+        <dgm:presLayoutVars>
+          <dgm:bulletEnabled val="1"/>
+        </dgm:presLayoutVars>
+      </dgm:prSet>
+      <dgm:spPr/>
+    </dgm:pt>
+    <dgm:pt modelId="{BC1B1EA4-129C-44F6-935B-BA646A7A2AA3}" type="pres">
+      <dgm:prSet presAssocID="{03056A9D-BCBF-4181-B8D6-7E4ECCBD4D9E}" presName="Name13" presStyleLbl="parChTrans1D2" presStyleIdx="1" presStyleCnt="11"/>
+      <dgm:spPr/>
+    </dgm:pt>
+    <dgm:pt modelId="{CF0B1CD2-0FC3-49A4-A520-B01A6C3CCB95}" type="pres">
+      <dgm:prSet presAssocID="{F221EA58-7488-4550-B7A5-965344CA7EAE}" presName="childText" presStyleLbl="bgAcc1" presStyleIdx="1" presStyleCnt="11">
+        <dgm:presLayoutVars>
+          <dgm:bulletEnabled val="1"/>
+        </dgm:presLayoutVars>
+      </dgm:prSet>
+      <dgm:spPr/>
+    </dgm:pt>
+    <dgm:pt modelId="{F5AE7053-0C33-481C-8BFB-D2DAFB4C4294}" type="pres">
+      <dgm:prSet presAssocID="{08AACE21-5FAD-4460-B120-67387C8F0F32}" presName="Name13" presStyleLbl="parChTrans1D2" presStyleIdx="2" presStyleCnt="11"/>
+      <dgm:spPr/>
+    </dgm:pt>
+    <dgm:pt modelId="{C5878689-67F2-4E3D-8C9B-392F50C32024}" type="pres">
+      <dgm:prSet presAssocID="{B1CEE35E-20B6-4A0B-B1E8-D4F40E3162E1}" presName="childText" presStyleLbl="bgAcc1" presStyleIdx="2" presStyleCnt="11">
+        <dgm:presLayoutVars>
+          <dgm:bulletEnabled val="1"/>
+        </dgm:presLayoutVars>
+      </dgm:prSet>
+      <dgm:spPr/>
+    </dgm:pt>
+    <dgm:pt modelId="{78204B86-F48E-424E-B9F0-F61E8700D86E}" type="pres">
+      <dgm:prSet presAssocID="{ED0B78BF-E006-4732-B48C-2ADC9E2EF39A}" presName="root" presStyleCnt="0"/>
+      <dgm:spPr/>
+    </dgm:pt>
+    <dgm:pt modelId="{612CABF1-DDE5-41D1-9036-25B4BE7589BE}" type="pres">
+      <dgm:prSet presAssocID="{ED0B78BF-E006-4732-B48C-2ADC9E2EF39A}" presName="rootComposite" presStyleCnt="0"/>
+      <dgm:spPr/>
+    </dgm:pt>
+    <dgm:pt modelId="{F1C18E15-3E91-476D-8B13-25AD56BC4B13}" type="pres">
+      <dgm:prSet presAssocID="{ED0B78BF-E006-4732-B48C-2ADC9E2EF39A}" presName="rootText" presStyleLbl="node1" presStyleIdx="1" presStyleCnt="3"/>
+      <dgm:spPr/>
+    </dgm:pt>
+    <dgm:pt modelId="{8FA2ECE2-9D66-4FD1-89DE-3231691A8283}" type="pres">
+      <dgm:prSet presAssocID="{ED0B78BF-E006-4732-B48C-2ADC9E2EF39A}" presName="rootConnector" presStyleLbl="node1" presStyleIdx="1" presStyleCnt="3"/>
+      <dgm:spPr/>
+    </dgm:pt>
+    <dgm:pt modelId="{5E7F2D45-2508-495B-A708-02E0FD5F2314}" type="pres">
+      <dgm:prSet presAssocID="{ED0B78BF-E006-4732-B48C-2ADC9E2EF39A}" presName="childShape" presStyleCnt="0"/>
+      <dgm:spPr/>
+    </dgm:pt>
+    <dgm:pt modelId="{2564A6E5-875B-4BC6-B983-AA12C064A019}" type="pres">
+      <dgm:prSet presAssocID="{1EC30C20-D36E-4265-85EE-C210CE02F892}" presName="Name13" presStyleLbl="parChTrans1D2" presStyleIdx="3" presStyleCnt="11"/>
+      <dgm:spPr/>
+    </dgm:pt>
+    <dgm:pt modelId="{3B0CF9DF-CC55-47FF-BECE-903E70F9D2DE}" type="pres">
+      <dgm:prSet presAssocID="{1CBBDDB5-026A-42BF-8805-ACAC57AA5DC3}" presName="childText" presStyleLbl="bgAcc1" presStyleIdx="3" presStyleCnt="11">
+        <dgm:presLayoutVars>
+          <dgm:bulletEnabled val="1"/>
+        </dgm:presLayoutVars>
+      </dgm:prSet>
+      <dgm:spPr/>
+    </dgm:pt>
+    <dgm:pt modelId="{7DFA9A08-1F84-4CF2-9E63-7F6E7C219F76}" type="pres">
+      <dgm:prSet presAssocID="{D39C6496-6307-4FC4-9D55-DB6DA94D051F}" presName="Name13" presStyleLbl="parChTrans1D2" presStyleIdx="4" presStyleCnt="11"/>
+      <dgm:spPr/>
+    </dgm:pt>
+    <dgm:pt modelId="{9C3E65C4-9266-43CB-B08F-79811ABF047A}" type="pres">
+      <dgm:prSet presAssocID="{A7945ECA-2D01-4C03-9AED-9E3EEAAF0F2C}" presName="childText" presStyleLbl="bgAcc1" presStyleIdx="4" presStyleCnt="11">
+        <dgm:presLayoutVars>
+          <dgm:bulletEnabled val="1"/>
+        </dgm:presLayoutVars>
+      </dgm:prSet>
+      <dgm:spPr/>
+    </dgm:pt>
+    <dgm:pt modelId="{16CFAB30-3E6A-44D7-A45D-E3066E142053}" type="pres">
+      <dgm:prSet presAssocID="{FD74BA91-6D78-44B3-BF01-4D49723F4718}" presName="Name13" presStyleLbl="parChTrans1D2" presStyleIdx="5" presStyleCnt="11"/>
+      <dgm:spPr/>
+    </dgm:pt>
+    <dgm:pt modelId="{5F9726AA-E8AD-4C5C-A0CA-2350C4F8CAFA}" type="pres">
+      <dgm:prSet presAssocID="{B0B0FACC-C24A-4552-82AB-C8FE8246DEF8}" presName="childText" presStyleLbl="bgAcc1" presStyleIdx="5" presStyleCnt="11">
+        <dgm:presLayoutVars>
+          <dgm:bulletEnabled val="1"/>
+        </dgm:presLayoutVars>
+      </dgm:prSet>
+      <dgm:spPr/>
+    </dgm:pt>
+    <dgm:pt modelId="{0ECF28DA-9925-4B5B-97B1-BDA459502114}" type="pres">
+      <dgm:prSet presAssocID="{FA010E1E-46BF-40DE-B386-14C19C329E38}" presName="Name13" presStyleLbl="parChTrans1D2" presStyleIdx="6" presStyleCnt="11"/>
+      <dgm:spPr/>
+    </dgm:pt>
+    <dgm:pt modelId="{5A2BB121-DDEE-46A8-AC09-18496F773E62}" type="pres">
+      <dgm:prSet presAssocID="{3C02419B-DA6A-4FDB-972F-4F8DC3AD08E3}" presName="childText" presStyleLbl="bgAcc1" presStyleIdx="6" presStyleCnt="11">
+        <dgm:presLayoutVars>
+          <dgm:bulletEnabled val="1"/>
+        </dgm:presLayoutVars>
+      </dgm:prSet>
+      <dgm:spPr/>
+    </dgm:pt>
+    <dgm:pt modelId="{59FB6EFF-035B-4901-8C84-3BDEA8130465}" type="pres">
+      <dgm:prSet presAssocID="{5D17C516-2319-40FE-8748-E184C6D71444}" presName="root" presStyleCnt="0"/>
+      <dgm:spPr/>
+    </dgm:pt>
+    <dgm:pt modelId="{DFAAFD62-220C-47EA-B1FF-1D698C1D9D0C}" type="pres">
+      <dgm:prSet presAssocID="{5D17C516-2319-40FE-8748-E184C6D71444}" presName="rootComposite" presStyleCnt="0"/>
+      <dgm:spPr/>
+    </dgm:pt>
+    <dgm:pt modelId="{3DB7ADFA-DCAB-4034-9F43-B860EBE864E8}" type="pres">
+      <dgm:prSet presAssocID="{5D17C516-2319-40FE-8748-E184C6D71444}" presName="rootText" presStyleLbl="node1" presStyleIdx="2" presStyleCnt="3"/>
+      <dgm:spPr/>
+    </dgm:pt>
+    <dgm:pt modelId="{A1EB1FFF-29EC-48BF-990F-29DA82114C59}" type="pres">
+      <dgm:prSet presAssocID="{5D17C516-2319-40FE-8748-E184C6D71444}" presName="rootConnector" presStyleLbl="node1" presStyleIdx="2" presStyleCnt="3"/>
+      <dgm:spPr/>
+    </dgm:pt>
+    <dgm:pt modelId="{C961EBF4-10A8-458E-973D-7ED2EFFC972F}" type="pres">
+      <dgm:prSet presAssocID="{5D17C516-2319-40FE-8748-E184C6D71444}" presName="childShape" presStyleCnt="0"/>
+      <dgm:spPr/>
+    </dgm:pt>
+    <dgm:pt modelId="{278D3975-9588-4A95-85BD-D062BB0AE1A4}" type="pres">
+      <dgm:prSet presAssocID="{109F41A6-1D40-4F81-903A-8B0CB1E442DB}" presName="Name13" presStyleLbl="parChTrans1D2" presStyleIdx="7" presStyleCnt="11"/>
+      <dgm:spPr/>
+    </dgm:pt>
+    <dgm:pt modelId="{EDB6085A-8F2B-4B84-887D-9DD4BEC6E4E1}" type="pres">
+      <dgm:prSet presAssocID="{C217CF6C-69F6-4F1F-BFEF-F03F51825445}" presName="childText" presStyleLbl="bgAcc1" presStyleIdx="7" presStyleCnt="11">
+        <dgm:presLayoutVars>
+          <dgm:bulletEnabled val="1"/>
+        </dgm:presLayoutVars>
+      </dgm:prSet>
+      <dgm:spPr/>
+    </dgm:pt>
+    <dgm:pt modelId="{FF100697-267A-4BC5-8DA9-B1F7321DFE84}" type="pres">
+      <dgm:prSet presAssocID="{4B64BF35-F3DD-46FA-A74B-C8F1391BB234}" presName="Name13" presStyleLbl="parChTrans1D2" presStyleIdx="8" presStyleCnt="11"/>
+      <dgm:spPr/>
+    </dgm:pt>
+    <dgm:pt modelId="{291D5A65-BA4D-4BF4-8D0F-050F9D81FBB6}" type="pres">
+      <dgm:prSet presAssocID="{D6553791-8532-4952-AC46-957A80E6F455}" presName="childText" presStyleLbl="bgAcc1" presStyleIdx="8" presStyleCnt="11">
+        <dgm:presLayoutVars>
+          <dgm:bulletEnabled val="1"/>
+        </dgm:presLayoutVars>
+      </dgm:prSet>
+      <dgm:spPr/>
+    </dgm:pt>
+    <dgm:pt modelId="{6B27DFF3-3021-4E99-BF73-829A6255425D}" type="pres">
+      <dgm:prSet presAssocID="{E8807DF0-38BE-4236-AFC9-03DFA18007AA}" presName="Name13" presStyleLbl="parChTrans1D2" presStyleIdx="9" presStyleCnt="11"/>
+      <dgm:spPr/>
+    </dgm:pt>
+    <dgm:pt modelId="{88C17E61-7A2A-46D7-AC95-5E562286A33E}" type="pres">
+      <dgm:prSet presAssocID="{23FBFCAF-D268-4C4D-8359-092F33A19BD5}" presName="childText" presStyleLbl="bgAcc1" presStyleIdx="9" presStyleCnt="11">
+        <dgm:presLayoutVars>
+          <dgm:bulletEnabled val="1"/>
+        </dgm:presLayoutVars>
+      </dgm:prSet>
+      <dgm:spPr/>
+    </dgm:pt>
+    <dgm:pt modelId="{E8A2D34D-9B35-4804-BD08-DC4453907292}" type="pres">
+      <dgm:prSet presAssocID="{E61F56D0-9360-46BF-8251-561CA9F726E8}" presName="Name13" presStyleLbl="parChTrans1D2" presStyleIdx="10" presStyleCnt="11"/>
+      <dgm:spPr/>
+    </dgm:pt>
+    <dgm:pt modelId="{1B267FF2-7D4F-4C45-AA7C-4EA638A9F1C5}" type="pres">
+      <dgm:prSet presAssocID="{BE7D634C-5542-4AE8-B044-37802A6A19BF}" presName="childText" presStyleLbl="bgAcc1" presStyleIdx="10" presStyleCnt="11">
+        <dgm:presLayoutVars>
+          <dgm:bulletEnabled val="1"/>
+        </dgm:presLayoutVars>
+      </dgm:prSet>
+      <dgm:spPr/>
+    </dgm:pt>
+  </dgm:ptLst>
+  <dgm:cxnLst>
+    <dgm:cxn modelId="{F8F3D917-317B-4A80-B606-277A7F6170C2}" srcId="{9AAB3432-E203-4861-9A1F-5A18DE81A0E0}" destId="{F221EA58-7488-4550-B7A5-965344CA7EAE}" srcOrd="1" destOrd="0" parTransId="{03056A9D-BCBF-4181-B8D6-7E4ECCBD4D9E}" sibTransId="{50012D0E-39A9-4FB4-832D-C4D74BE598A6}"/>
+    <dgm:cxn modelId="{B7B8BE25-1D3D-41C1-B2BB-252CA3FFFABF}" srcId="{5D17C516-2319-40FE-8748-E184C6D71444}" destId="{C217CF6C-69F6-4F1F-BFEF-F03F51825445}" srcOrd="0" destOrd="0" parTransId="{109F41A6-1D40-4F81-903A-8B0CB1E442DB}" sibTransId="{727D2815-3763-49AC-8FA5-B78975C6E255}"/>
+    <dgm:cxn modelId="{918F4E28-6C57-4EFF-80BA-F57AC436CDC9}" type="presOf" srcId="{08AACE21-5FAD-4460-B120-67387C8F0F32}" destId="{F5AE7053-0C33-481C-8BFB-D2DAFB4C4294}" srcOrd="0" destOrd="0" presId="urn:microsoft.com/office/officeart/2005/8/layout/hierarchy3"/>
+    <dgm:cxn modelId="{C679C12F-0D37-4771-853C-9B6A72F3F8AB}" srcId="{5D17C516-2319-40FE-8748-E184C6D71444}" destId="{23FBFCAF-D268-4C4D-8359-092F33A19BD5}" srcOrd="2" destOrd="0" parTransId="{E8807DF0-38BE-4236-AFC9-03DFA18007AA}" sibTransId="{49424D88-7251-4F7F-9D61-B03F29AB2536}"/>
+    <dgm:cxn modelId="{372E1130-8A4A-4006-A020-34030B0410C9}" srcId="{ED0B78BF-E006-4732-B48C-2ADC9E2EF39A}" destId="{A7945ECA-2D01-4C03-9AED-9E3EEAAF0F2C}" srcOrd="1" destOrd="0" parTransId="{D39C6496-6307-4FC4-9D55-DB6DA94D051F}" sibTransId="{4FF7D82F-ECB8-4560-8324-4D22393C300C}"/>
+    <dgm:cxn modelId="{7156E032-39F7-4DCF-A095-E4906170ABD1}" type="presOf" srcId="{C217CF6C-69F6-4F1F-BFEF-F03F51825445}" destId="{EDB6085A-8F2B-4B84-887D-9DD4BEC6E4E1}" srcOrd="0" destOrd="0" presId="urn:microsoft.com/office/officeart/2005/8/layout/hierarchy3"/>
+    <dgm:cxn modelId="{77C2803F-5DCB-40EC-8837-BEA44757C328}" type="presOf" srcId="{B1CEE35E-20B6-4A0B-B1E8-D4F40E3162E1}" destId="{C5878689-67F2-4E3D-8C9B-392F50C32024}" srcOrd="0" destOrd="0" presId="urn:microsoft.com/office/officeart/2005/8/layout/hierarchy3"/>
+    <dgm:cxn modelId="{3C31933F-6B34-49D4-B2D3-FA6BA454BF0B}" type="presOf" srcId="{3C02419B-DA6A-4FDB-972F-4F8DC3AD08E3}" destId="{5A2BB121-DDEE-46A8-AC09-18496F773E62}" srcOrd="0" destOrd="0" presId="urn:microsoft.com/office/officeart/2005/8/layout/hierarchy3"/>
+    <dgm:cxn modelId="{C906736A-EECE-4919-9DAA-28FE9DCB5675}" type="presOf" srcId="{5D17C516-2319-40FE-8748-E184C6D71444}" destId="{3DB7ADFA-DCAB-4034-9F43-B860EBE864E8}" srcOrd="0" destOrd="0" presId="urn:microsoft.com/office/officeart/2005/8/layout/hierarchy3"/>
+    <dgm:cxn modelId="{0DEC854C-4194-43A5-8929-DF87D63D4D63}" type="presOf" srcId="{E61F56D0-9360-46BF-8251-561CA9F726E8}" destId="{E8A2D34D-9B35-4804-BD08-DC4453907292}" srcOrd="0" destOrd="0" presId="urn:microsoft.com/office/officeart/2005/8/layout/hierarchy3"/>
+    <dgm:cxn modelId="{658D4F50-D710-4AB9-8265-F6A1451ABDAD}" type="presOf" srcId="{E8807DF0-38BE-4236-AFC9-03DFA18007AA}" destId="{6B27DFF3-3021-4E99-BF73-829A6255425D}" srcOrd="0" destOrd="0" presId="urn:microsoft.com/office/officeart/2005/8/layout/hierarchy3"/>
+    <dgm:cxn modelId="{1A587271-F11A-4E3E-97F5-0C80881E7856}" type="presOf" srcId="{4B64BF35-F3DD-46FA-A74B-C8F1391BB234}" destId="{FF100697-267A-4BC5-8DA9-B1F7321DFE84}" srcOrd="0" destOrd="0" presId="urn:microsoft.com/office/officeart/2005/8/layout/hierarchy3"/>
+    <dgm:cxn modelId="{C6045752-28A9-4F08-8DE2-ADC62AB18265}" type="presOf" srcId="{109F41A6-1D40-4F81-903A-8B0CB1E442DB}" destId="{278D3975-9588-4A95-85BD-D062BB0AE1A4}" srcOrd="0" destOrd="0" presId="urn:microsoft.com/office/officeart/2005/8/layout/hierarchy3"/>
+    <dgm:cxn modelId="{A598A554-6FB3-42AA-BB2F-C4DBF408EC24}" type="presOf" srcId="{A7945ECA-2D01-4C03-9AED-9E3EEAAF0F2C}" destId="{9C3E65C4-9266-43CB-B08F-79811ABF047A}" srcOrd="0" destOrd="0" presId="urn:microsoft.com/office/officeart/2005/8/layout/hierarchy3"/>
+    <dgm:cxn modelId="{47968857-87E3-481A-908A-A468E51372C1}" srcId="{9AAB3432-E203-4861-9A1F-5A18DE81A0E0}" destId="{B1CEE35E-20B6-4A0B-B1E8-D4F40E3162E1}" srcOrd="2" destOrd="0" parTransId="{08AACE21-5FAD-4460-B120-67387C8F0F32}" sibTransId="{4A08DEA0-C75B-4713-B280-420C60C372D9}"/>
+    <dgm:cxn modelId="{A3550B88-A4A2-4C55-8EEF-D8696D63FDCA}" type="presOf" srcId="{23FBFCAF-D268-4C4D-8359-092F33A19BD5}" destId="{88C17E61-7A2A-46D7-AC95-5E562286A33E}" srcOrd="0" destOrd="0" presId="urn:microsoft.com/office/officeart/2005/8/layout/hierarchy3"/>
+    <dgm:cxn modelId="{22964D88-0DC4-4B3C-A8CE-48EA0783D709}" type="presOf" srcId="{9AAB3432-E203-4861-9A1F-5A18DE81A0E0}" destId="{D5FEF17D-A657-4E90-83A6-FFBD9375BEE2}" srcOrd="1" destOrd="0" presId="urn:microsoft.com/office/officeart/2005/8/layout/hierarchy3"/>
+    <dgm:cxn modelId="{9662958D-3400-409A-ADC7-BEB605777B1F}" srcId="{ED0B78BF-E006-4732-B48C-2ADC9E2EF39A}" destId="{1CBBDDB5-026A-42BF-8805-ACAC57AA5DC3}" srcOrd="0" destOrd="0" parTransId="{1EC30C20-D36E-4265-85EE-C210CE02F892}" sibTransId="{D37EB34B-12D7-42C6-A433-F33F271349CA}"/>
+    <dgm:cxn modelId="{94F0CB90-DE88-47E8-9D0B-FD6D9A03A22C}" type="presOf" srcId="{1EC30C20-D36E-4265-85EE-C210CE02F892}" destId="{2564A6E5-875B-4BC6-B983-AA12C064A019}" srcOrd="0" destOrd="0" presId="urn:microsoft.com/office/officeart/2005/8/layout/hierarchy3"/>
+    <dgm:cxn modelId="{D1FEA694-B081-4B51-851E-3914507C3230}" type="presOf" srcId="{FD74BA91-6D78-44B3-BF01-4D49723F4718}" destId="{16CFAB30-3E6A-44D7-A45D-E3066E142053}" srcOrd="0" destOrd="0" presId="urn:microsoft.com/office/officeart/2005/8/layout/hierarchy3"/>
+    <dgm:cxn modelId="{FAC6949B-B633-43AF-9BCB-483138B18D3F}" type="presOf" srcId="{FA010E1E-46BF-40DE-B386-14C19C329E38}" destId="{0ECF28DA-9925-4B5B-97B1-BDA459502114}" srcOrd="0" destOrd="0" presId="urn:microsoft.com/office/officeart/2005/8/layout/hierarchy3"/>
+    <dgm:cxn modelId="{8B495D9D-5B75-4B97-8FE7-54F24CED5860}" type="presOf" srcId="{1CBBDDB5-026A-42BF-8805-ACAC57AA5DC3}" destId="{3B0CF9DF-CC55-47FF-BECE-903E70F9D2DE}" srcOrd="0" destOrd="0" presId="urn:microsoft.com/office/officeart/2005/8/layout/hierarchy3"/>
+    <dgm:cxn modelId="{F9A2BA9E-B30D-4948-A3E9-A634F6BE47FD}" srcId="{D4ADF4FB-6626-4BAA-8170-1AB86830E7EB}" destId="{5D17C516-2319-40FE-8748-E184C6D71444}" srcOrd="2" destOrd="0" parTransId="{EA441DC7-A30D-47EC-A5C8-C50834D06E30}" sibTransId="{636B54D7-340F-4600-82E5-F2E670443C91}"/>
+    <dgm:cxn modelId="{B2581BA3-7711-4B4F-895A-5C4A1A23D07A}" srcId="{ED0B78BF-E006-4732-B48C-2ADC9E2EF39A}" destId="{3C02419B-DA6A-4FDB-972F-4F8DC3AD08E3}" srcOrd="3" destOrd="0" parTransId="{FA010E1E-46BF-40DE-B386-14C19C329E38}" sibTransId="{ABE6B4B2-8044-42FC-8EBA-A2B2927B372D}"/>
+    <dgm:cxn modelId="{17D275A3-9BBB-4EF7-8582-F13F0E98BB5D}" type="presOf" srcId="{ED0B78BF-E006-4732-B48C-2ADC9E2EF39A}" destId="{F1C18E15-3E91-476D-8B13-25AD56BC4B13}" srcOrd="0" destOrd="0" presId="urn:microsoft.com/office/officeart/2005/8/layout/hierarchy3"/>
+    <dgm:cxn modelId="{29461AA4-85D3-4C91-9D68-226BD6D7500F}" type="presOf" srcId="{DDB8B436-9528-434E-BD0F-6EB4D2ACB929}" destId="{7E3D7089-292B-46E8-B4F0-ADC3733C52BD}" srcOrd="0" destOrd="0" presId="urn:microsoft.com/office/officeart/2005/8/layout/hierarchy3"/>
+    <dgm:cxn modelId="{6F0A8CA4-3728-4E60-8471-7CAB7A834900}" type="presOf" srcId="{F221EA58-7488-4550-B7A5-965344CA7EAE}" destId="{CF0B1CD2-0FC3-49A4-A520-B01A6C3CCB95}" srcOrd="0" destOrd="0" presId="urn:microsoft.com/office/officeart/2005/8/layout/hierarchy3"/>
+    <dgm:cxn modelId="{57CCC0A4-E34E-4C62-A9CF-DD81EEE3866B}" type="presOf" srcId="{ED0B78BF-E006-4732-B48C-2ADC9E2EF39A}" destId="{8FA2ECE2-9D66-4FD1-89DE-3231691A8283}" srcOrd="1" destOrd="0" presId="urn:microsoft.com/office/officeart/2005/8/layout/hierarchy3"/>
+    <dgm:cxn modelId="{B9BF7AAF-65F6-4C3F-A447-D4308C54C183}" type="presOf" srcId="{03056A9D-BCBF-4181-B8D6-7E4ECCBD4D9E}" destId="{BC1B1EA4-129C-44F6-935B-BA646A7A2AA3}" srcOrd="0" destOrd="0" presId="urn:microsoft.com/office/officeart/2005/8/layout/hierarchy3"/>
+    <dgm:cxn modelId="{9A9D42B1-F32F-4577-8983-B9A3F16912EF}" type="presOf" srcId="{5D17C516-2319-40FE-8748-E184C6D71444}" destId="{A1EB1FFF-29EC-48BF-990F-29DA82114C59}" srcOrd="1" destOrd="0" presId="urn:microsoft.com/office/officeart/2005/8/layout/hierarchy3"/>
+    <dgm:cxn modelId="{89C78CB1-6741-4CF3-94C6-75218CA722F2}" type="presOf" srcId="{9E647244-45B2-496C-B687-01576FEABEC4}" destId="{360B229B-0F55-45E5-A55A-DDDBDBD1C921}" srcOrd="0" destOrd="0" presId="urn:microsoft.com/office/officeart/2005/8/layout/hierarchy3"/>
+    <dgm:cxn modelId="{A1A3BCB4-83BF-4A79-B53F-5F8A606BDE54}" srcId="{D4ADF4FB-6626-4BAA-8170-1AB86830E7EB}" destId="{ED0B78BF-E006-4732-B48C-2ADC9E2EF39A}" srcOrd="1" destOrd="0" parTransId="{28816F29-4038-473E-B49B-94074EA0A51E}" sibTransId="{23CFA8B8-2A05-4928-AEB3-72448E3A79E3}"/>
+    <dgm:cxn modelId="{05A31FBA-4386-4C52-B511-34CACCBA2A2F}" type="presOf" srcId="{D6553791-8532-4952-AC46-957A80E6F455}" destId="{291D5A65-BA4D-4BF4-8D0F-050F9D81FBB6}" srcOrd="0" destOrd="0" presId="urn:microsoft.com/office/officeart/2005/8/layout/hierarchy3"/>
+    <dgm:cxn modelId="{D3B30ABB-789A-496A-BE80-A66E542511F0}" type="presOf" srcId="{B0B0FACC-C24A-4552-82AB-C8FE8246DEF8}" destId="{5F9726AA-E8AD-4C5C-A0CA-2350C4F8CAFA}" srcOrd="0" destOrd="0" presId="urn:microsoft.com/office/officeart/2005/8/layout/hierarchy3"/>
+    <dgm:cxn modelId="{F5F6D4BB-2DFC-4FC1-ABCD-FF03786BFFE0}" srcId="{D4ADF4FB-6626-4BAA-8170-1AB86830E7EB}" destId="{9AAB3432-E203-4861-9A1F-5A18DE81A0E0}" srcOrd="0" destOrd="0" parTransId="{A67FC2F0-CFC7-4D0E-AB12-FC8B412EC38C}" sibTransId="{6A4E30F2-4DB5-4E70-B35C-3B1843570C40}"/>
+    <dgm:cxn modelId="{F089AEBC-BE1B-4B2B-AE04-A2DE441E9900}" type="presOf" srcId="{BE7D634C-5542-4AE8-B044-37802A6A19BF}" destId="{1B267FF2-7D4F-4C45-AA7C-4EA638A9F1C5}" srcOrd="0" destOrd="0" presId="urn:microsoft.com/office/officeart/2005/8/layout/hierarchy3"/>
+    <dgm:cxn modelId="{B7404AC6-1631-4D80-950E-A28F1FE44D7F}" srcId="{5D17C516-2319-40FE-8748-E184C6D71444}" destId="{BE7D634C-5542-4AE8-B044-37802A6A19BF}" srcOrd="3" destOrd="0" parTransId="{E61F56D0-9360-46BF-8251-561CA9F726E8}" sibTransId="{F057A6F2-F3CD-40BE-A001-82BB25F47711}"/>
+    <dgm:cxn modelId="{CF5086CE-64BD-4DFC-A4A2-5A3B8EB678D2}" type="presOf" srcId="{D39C6496-6307-4FC4-9D55-DB6DA94D051F}" destId="{7DFA9A08-1F84-4CF2-9E63-7F6E7C219F76}" srcOrd="0" destOrd="0" presId="urn:microsoft.com/office/officeart/2005/8/layout/hierarchy3"/>
+    <dgm:cxn modelId="{E630B7D1-EF42-4E29-A586-EDEEAFD22353}" srcId="{5D17C516-2319-40FE-8748-E184C6D71444}" destId="{D6553791-8532-4952-AC46-957A80E6F455}" srcOrd="1" destOrd="0" parTransId="{4B64BF35-F3DD-46FA-A74B-C8F1391BB234}" sibTransId="{C19A1F15-CCAA-4226-B7DD-F2CD4049A9B3}"/>
+    <dgm:cxn modelId="{B80BDAD5-1DB9-4ED8-AD7A-F59F92E4D26B}" type="presOf" srcId="{D4ADF4FB-6626-4BAA-8170-1AB86830E7EB}" destId="{5EAC0F1C-8135-499C-A050-8951C4D4D68B}" srcOrd="0" destOrd="0" presId="urn:microsoft.com/office/officeart/2005/8/layout/hierarchy3"/>
+    <dgm:cxn modelId="{05392EDD-3032-43C3-BA79-A1347D6D727C}" srcId="{9AAB3432-E203-4861-9A1F-5A18DE81A0E0}" destId="{DDB8B436-9528-434E-BD0F-6EB4D2ACB929}" srcOrd="0" destOrd="0" parTransId="{9E647244-45B2-496C-B687-01576FEABEC4}" sibTransId="{EE60868F-7BA4-434D-84FC-89FFDDF05FC3}"/>
+    <dgm:cxn modelId="{13013BF6-3A96-443E-9540-BE81022B503E}" type="presOf" srcId="{9AAB3432-E203-4861-9A1F-5A18DE81A0E0}" destId="{D42C5353-2F91-4910-9E62-259C884C47C8}" srcOrd="0" destOrd="0" presId="urn:microsoft.com/office/officeart/2005/8/layout/hierarchy3"/>
+    <dgm:cxn modelId="{FCD83CF7-A1CD-455F-A466-CFFA01A2A6C9}" srcId="{ED0B78BF-E006-4732-B48C-2ADC9E2EF39A}" destId="{B0B0FACC-C24A-4552-82AB-C8FE8246DEF8}" srcOrd="2" destOrd="0" parTransId="{FD74BA91-6D78-44B3-BF01-4D49723F4718}" sibTransId="{E6264341-6F1C-4A60-9081-A5335333D714}"/>
+    <dgm:cxn modelId="{D1AD12C1-70FD-4640-8165-4E8A414F3C3C}" type="presParOf" srcId="{5EAC0F1C-8135-499C-A050-8951C4D4D68B}" destId="{E9A360F5-905C-4B1F-87BD-8099DBD7826B}" srcOrd="0" destOrd="0" presId="urn:microsoft.com/office/officeart/2005/8/layout/hierarchy3"/>
+    <dgm:cxn modelId="{EA767C94-0C36-4B1E-B0CE-249521D515D9}" type="presParOf" srcId="{E9A360F5-905C-4B1F-87BD-8099DBD7826B}" destId="{770F0FD6-A664-4D0A-A016-FBEA3DBC5EF2}" srcOrd="0" destOrd="0" presId="urn:microsoft.com/office/officeart/2005/8/layout/hierarchy3"/>
+    <dgm:cxn modelId="{99E9EA2F-D216-4B5B-BB7F-3561383CB3E9}" type="presParOf" srcId="{770F0FD6-A664-4D0A-A016-FBEA3DBC5EF2}" destId="{D42C5353-2F91-4910-9E62-259C884C47C8}" srcOrd="0" destOrd="0" presId="urn:microsoft.com/office/officeart/2005/8/layout/hierarchy3"/>
+    <dgm:cxn modelId="{68651435-D41E-41DA-A714-AA24CA135D34}" type="presParOf" srcId="{770F0FD6-A664-4D0A-A016-FBEA3DBC5EF2}" destId="{D5FEF17D-A657-4E90-83A6-FFBD9375BEE2}" srcOrd="1" destOrd="0" presId="urn:microsoft.com/office/officeart/2005/8/layout/hierarchy3"/>
+    <dgm:cxn modelId="{4F96940D-AB8F-483B-8E33-09350038BE5F}" type="presParOf" srcId="{E9A360F5-905C-4B1F-87BD-8099DBD7826B}" destId="{ED254901-973D-4D91-AABF-EBA39BDAC603}" srcOrd="1" destOrd="0" presId="urn:microsoft.com/office/officeart/2005/8/layout/hierarchy3"/>
+    <dgm:cxn modelId="{EFCBF1C7-F098-4081-A971-DBD264293E1B}" type="presParOf" srcId="{ED254901-973D-4D91-AABF-EBA39BDAC603}" destId="{360B229B-0F55-45E5-A55A-DDDBDBD1C921}" srcOrd="0" destOrd="0" presId="urn:microsoft.com/office/officeart/2005/8/layout/hierarchy3"/>
+    <dgm:cxn modelId="{11514D88-7BDE-4B06-BABF-48FD2C185D66}" type="presParOf" srcId="{ED254901-973D-4D91-AABF-EBA39BDAC603}" destId="{7E3D7089-292B-46E8-B4F0-ADC3733C52BD}" srcOrd="1" destOrd="0" presId="urn:microsoft.com/office/officeart/2005/8/layout/hierarchy3"/>
+    <dgm:cxn modelId="{7065C4CB-4AB6-45D8-B5BA-CD814B7462FF}" type="presParOf" srcId="{ED254901-973D-4D91-AABF-EBA39BDAC603}" destId="{BC1B1EA4-129C-44F6-935B-BA646A7A2AA3}" srcOrd="2" destOrd="0" presId="urn:microsoft.com/office/officeart/2005/8/layout/hierarchy3"/>
+    <dgm:cxn modelId="{C3F9E7A4-75B1-4B7E-A1E5-4987D8B78D37}" type="presParOf" srcId="{ED254901-973D-4D91-AABF-EBA39BDAC603}" destId="{CF0B1CD2-0FC3-49A4-A520-B01A6C3CCB95}" srcOrd="3" destOrd="0" presId="urn:microsoft.com/office/officeart/2005/8/layout/hierarchy3"/>
+    <dgm:cxn modelId="{FB9B22F7-2413-495F-B229-6C18B49466FC}" type="presParOf" srcId="{ED254901-973D-4D91-AABF-EBA39BDAC603}" destId="{F5AE7053-0C33-481C-8BFB-D2DAFB4C4294}" srcOrd="4" destOrd="0" presId="urn:microsoft.com/office/officeart/2005/8/layout/hierarchy3"/>
+    <dgm:cxn modelId="{C16A5564-59F3-412A-B4EB-B65B63053508}" type="presParOf" srcId="{ED254901-973D-4D91-AABF-EBA39BDAC603}" destId="{C5878689-67F2-4E3D-8C9B-392F50C32024}" srcOrd="5" destOrd="0" presId="urn:microsoft.com/office/officeart/2005/8/layout/hierarchy3"/>
+    <dgm:cxn modelId="{09181F9B-E167-4B75-B6B6-F9E14D694D89}" type="presParOf" srcId="{5EAC0F1C-8135-499C-A050-8951C4D4D68B}" destId="{78204B86-F48E-424E-B9F0-F61E8700D86E}" srcOrd="1" destOrd="0" presId="urn:microsoft.com/office/officeart/2005/8/layout/hierarchy3"/>
+    <dgm:cxn modelId="{DBC2B5BC-DFDC-474C-A838-26BB04DE679E}" type="presParOf" srcId="{78204B86-F48E-424E-B9F0-F61E8700D86E}" destId="{612CABF1-DDE5-41D1-9036-25B4BE7589BE}" srcOrd="0" destOrd="0" presId="urn:microsoft.com/office/officeart/2005/8/layout/hierarchy3"/>
+    <dgm:cxn modelId="{28B003FA-10B3-4B59-9252-9741DA196AD4}" type="presParOf" srcId="{612CABF1-DDE5-41D1-9036-25B4BE7589BE}" destId="{F1C18E15-3E91-476D-8B13-25AD56BC4B13}" srcOrd="0" destOrd="0" presId="urn:microsoft.com/office/officeart/2005/8/layout/hierarchy3"/>
+    <dgm:cxn modelId="{3CDADAA2-FDA6-4600-957E-40993F510D7B}" type="presParOf" srcId="{612CABF1-DDE5-41D1-9036-25B4BE7589BE}" destId="{8FA2ECE2-9D66-4FD1-89DE-3231691A8283}" srcOrd="1" destOrd="0" presId="urn:microsoft.com/office/officeart/2005/8/layout/hierarchy3"/>
+    <dgm:cxn modelId="{D333763B-8A35-4756-B2BA-39040A45CB48}" type="presParOf" srcId="{78204B86-F48E-424E-B9F0-F61E8700D86E}" destId="{5E7F2D45-2508-495B-A708-02E0FD5F2314}" srcOrd="1" destOrd="0" presId="urn:microsoft.com/office/officeart/2005/8/layout/hierarchy3"/>
+    <dgm:cxn modelId="{259421E8-95D2-4D14-8B2B-86B19D729340}" type="presParOf" srcId="{5E7F2D45-2508-495B-A708-02E0FD5F2314}" destId="{2564A6E5-875B-4BC6-B983-AA12C064A019}" srcOrd="0" destOrd="0" presId="urn:microsoft.com/office/officeart/2005/8/layout/hierarchy3"/>
+    <dgm:cxn modelId="{8BDD8554-2C29-4FFE-BD1A-F208CC31C2A1}" type="presParOf" srcId="{5E7F2D45-2508-495B-A708-02E0FD5F2314}" destId="{3B0CF9DF-CC55-47FF-BECE-903E70F9D2DE}" srcOrd="1" destOrd="0" presId="urn:microsoft.com/office/officeart/2005/8/layout/hierarchy3"/>
+    <dgm:cxn modelId="{875A6F76-A845-47E2-9FD3-19114F777D75}" type="presParOf" srcId="{5E7F2D45-2508-495B-A708-02E0FD5F2314}" destId="{7DFA9A08-1F84-4CF2-9E63-7F6E7C219F76}" srcOrd="2" destOrd="0" presId="urn:microsoft.com/office/officeart/2005/8/layout/hierarchy3"/>
+    <dgm:cxn modelId="{D1011F87-5E28-4D3F-8118-4BA6A4FEA06E}" type="presParOf" srcId="{5E7F2D45-2508-495B-A708-02E0FD5F2314}" destId="{9C3E65C4-9266-43CB-B08F-79811ABF047A}" srcOrd="3" destOrd="0" presId="urn:microsoft.com/office/officeart/2005/8/layout/hierarchy3"/>
+    <dgm:cxn modelId="{B64B3C35-7E92-47FF-A43C-7E75EABB7DE0}" type="presParOf" srcId="{5E7F2D45-2508-495B-A708-02E0FD5F2314}" destId="{16CFAB30-3E6A-44D7-A45D-E3066E142053}" srcOrd="4" destOrd="0" presId="urn:microsoft.com/office/officeart/2005/8/layout/hierarchy3"/>
+    <dgm:cxn modelId="{86D49351-D3C9-48A1-88EA-44A93353F587}" type="presParOf" srcId="{5E7F2D45-2508-495B-A708-02E0FD5F2314}" destId="{5F9726AA-E8AD-4C5C-A0CA-2350C4F8CAFA}" srcOrd="5" destOrd="0" presId="urn:microsoft.com/office/officeart/2005/8/layout/hierarchy3"/>
+    <dgm:cxn modelId="{91C1DB7D-DADE-48E1-9C3F-D33F6FC84386}" type="presParOf" srcId="{5E7F2D45-2508-495B-A708-02E0FD5F2314}" destId="{0ECF28DA-9925-4B5B-97B1-BDA459502114}" srcOrd="6" destOrd="0" presId="urn:microsoft.com/office/officeart/2005/8/layout/hierarchy3"/>
+    <dgm:cxn modelId="{7A09BA7C-9EDC-496E-8A6D-4B0744B8C88D}" type="presParOf" srcId="{5E7F2D45-2508-495B-A708-02E0FD5F2314}" destId="{5A2BB121-DDEE-46A8-AC09-18496F773E62}" srcOrd="7" destOrd="0" presId="urn:microsoft.com/office/officeart/2005/8/layout/hierarchy3"/>
+    <dgm:cxn modelId="{F5B8C0DF-97A3-423B-9A5D-53FC91FEE07D}" type="presParOf" srcId="{5EAC0F1C-8135-499C-A050-8951C4D4D68B}" destId="{59FB6EFF-035B-4901-8C84-3BDEA8130465}" srcOrd="2" destOrd="0" presId="urn:microsoft.com/office/officeart/2005/8/layout/hierarchy3"/>
+    <dgm:cxn modelId="{2C3BEA50-80F2-41C7-A82B-5C3E16FC0BD9}" type="presParOf" srcId="{59FB6EFF-035B-4901-8C84-3BDEA8130465}" destId="{DFAAFD62-220C-47EA-B1FF-1D698C1D9D0C}" srcOrd="0" destOrd="0" presId="urn:microsoft.com/office/officeart/2005/8/layout/hierarchy3"/>
+    <dgm:cxn modelId="{5783CD70-7213-4FC1-AF68-237D5BC3062A}" type="presParOf" srcId="{DFAAFD62-220C-47EA-B1FF-1D698C1D9D0C}" destId="{3DB7ADFA-DCAB-4034-9F43-B860EBE864E8}" srcOrd="0" destOrd="0" presId="urn:microsoft.com/office/officeart/2005/8/layout/hierarchy3"/>
+    <dgm:cxn modelId="{B7E1F160-A178-462E-868C-EC6564C42610}" type="presParOf" srcId="{DFAAFD62-220C-47EA-B1FF-1D698C1D9D0C}" destId="{A1EB1FFF-29EC-48BF-990F-29DA82114C59}" srcOrd="1" destOrd="0" presId="urn:microsoft.com/office/officeart/2005/8/layout/hierarchy3"/>
+    <dgm:cxn modelId="{9FF94B33-0113-4A76-8701-4BFCEEDBDE89}" type="presParOf" srcId="{59FB6EFF-035B-4901-8C84-3BDEA8130465}" destId="{C961EBF4-10A8-458E-973D-7ED2EFFC972F}" srcOrd="1" destOrd="0" presId="urn:microsoft.com/office/officeart/2005/8/layout/hierarchy3"/>
+    <dgm:cxn modelId="{E16B69EF-6960-4FF6-974E-0243612C50A9}" type="presParOf" srcId="{C961EBF4-10A8-458E-973D-7ED2EFFC972F}" destId="{278D3975-9588-4A95-85BD-D062BB0AE1A4}" srcOrd="0" destOrd="0" presId="urn:microsoft.com/office/officeart/2005/8/layout/hierarchy3"/>
+    <dgm:cxn modelId="{EDC0758A-BCB5-4E73-BE7E-8D1A992568A9}" type="presParOf" srcId="{C961EBF4-10A8-458E-973D-7ED2EFFC972F}" destId="{EDB6085A-8F2B-4B84-887D-9DD4BEC6E4E1}" srcOrd="1" destOrd="0" presId="urn:microsoft.com/office/officeart/2005/8/layout/hierarchy3"/>
+    <dgm:cxn modelId="{B9702EBF-28A6-4C56-BB02-8A38776C1F90}" type="presParOf" srcId="{C961EBF4-10A8-458E-973D-7ED2EFFC972F}" destId="{FF100697-267A-4BC5-8DA9-B1F7321DFE84}" srcOrd="2" destOrd="0" presId="urn:microsoft.com/office/officeart/2005/8/layout/hierarchy3"/>
+    <dgm:cxn modelId="{46AAE45F-BF7E-4CDB-A15F-802EEF0A52A0}" type="presParOf" srcId="{C961EBF4-10A8-458E-973D-7ED2EFFC972F}" destId="{291D5A65-BA4D-4BF4-8D0F-050F9D81FBB6}" srcOrd="3" destOrd="0" presId="urn:microsoft.com/office/officeart/2005/8/layout/hierarchy3"/>
+    <dgm:cxn modelId="{0137D627-1B4F-47DB-ADA7-B3A9FCF6DA00}" type="presParOf" srcId="{C961EBF4-10A8-458E-973D-7ED2EFFC972F}" destId="{6B27DFF3-3021-4E99-BF73-829A6255425D}" srcOrd="4" destOrd="0" presId="urn:microsoft.com/office/officeart/2005/8/layout/hierarchy3"/>
+    <dgm:cxn modelId="{2DDA2A2E-7EBF-42D3-8E45-3269864CBAA4}" type="presParOf" srcId="{C961EBF4-10A8-458E-973D-7ED2EFFC972F}" destId="{88C17E61-7A2A-46D7-AC95-5E562286A33E}" srcOrd="5" destOrd="0" presId="urn:microsoft.com/office/officeart/2005/8/layout/hierarchy3"/>
+    <dgm:cxn modelId="{7CD2E438-91AB-49C8-BEFA-398ACCFFD7BD}" type="presParOf" srcId="{C961EBF4-10A8-458E-973D-7ED2EFFC972F}" destId="{E8A2D34D-9B35-4804-BD08-DC4453907292}" srcOrd="6" destOrd="0" presId="urn:microsoft.com/office/officeart/2005/8/layout/hierarchy3"/>
+    <dgm:cxn modelId="{1534A217-6ECD-4474-80F2-71CA6833E5EF}" type="presParOf" srcId="{C961EBF4-10A8-458E-973D-7ED2EFFC972F}" destId="{1B267FF2-7D4F-4C45-AA7C-4EA638A9F1C5}" srcOrd="7" destOrd="0" presId="urn:microsoft.com/office/officeart/2005/8/layout/hierarchy3"/>
+  </dgm:cxnLst>
+  <dgm:bg/>
+  <dgm:whole/>
+  <dgm:extLst>
+    <a:ext uri="http://schemas.microsoft.com/office/drawing/2008/diagram">
+      <dsp:dataModelExt xmlns:dsp="http://schemas.microsoft.com/office/drawing/2008/diagram" relId="rId6" minVer="http://schemas.openxmlformats.org/drawingml/2006/diagram"/>
+    </a:ext>
+  </dgm:extLst>
+</dgm:dataModel>
+</file>
+
+<file path=ppt/diagrams/drawing1.xml><?xml version="1.0" encoding="utf-8"?>
+<dsp:drawing xmlns:dgm="http://schemas.openxmlformats.org/drawingml/2006/diagram" xmlns:dsp="http://schemas.microsoft.com/office/drawing/2008/diagram" xmlns:a="http://schemas.openxmlformats.org/drawingml/2006/main">
+  <dsp:spTree>
+    <dsp:nvGrpSpPr>
+      <dsp:cNvPr id="0" name=""/>
+      <dsp:cNvGrpSpPr/>
+    </dsp:nvGrpSpPr>
+    <dsp:grpSpPr/>
+    <dsp:sp modelId="{D42C5353-2F91-4910-9E62-259C884C47C8}">
+      <dsp:nvSpPr>
+        <dsp:cNvPr id="0" name=""/>
+        <dsp:cNvSpPr/>
+      </dsp:nvSpPr>
+      <dsp:spPr>
+        <a:xfrm>
+          <a:off x="529456" y="248"/>
+          <a:ext cx="1439167" cy="719583"/>
+        </a:xfrm>
+        <a:prstGeom prst="roundRect">
+          <a:avLst>
+            <a:gd name="adj" fmla="val 10000"/>
+          </a:avLst>
+        </a:prstGeom>
+        <a:solidFill>
+          <a:schemeClr val="accent1">
+            <a:hueOff val="0"/>
+            <a:satOff val="0"/>
+            <a:lumOff val="0"/>
+            <a:alphaOff val="0"/>
+          </a:schemeClr>
+        </a:solidFill>
+        <a:ln w="25400" cap="flat" cmpd="sng" algn="ctr">
+          <a:solidFill>
+            <a:schemeClr val="lt1">
+              <a:hueOff val="0"/>
+              <a:satOff val="0"/>
+              <a:lumOff val="0"/>
+              <a:alphaOff val="0"/>
+            </a:schemeClr>
+          </a:solidFill>
+          <a:prstDash val="solid"/>
+        </a:ln>
+        <a:effectLst/>
+      </dsp:spPr>
+      <dsp:style>
+        <a:lnRef idx="2">
+          <a:scrgbClr r="0" g="0" b="0"/>
+        </a:lnRef>
+        <a:fillRef idx="1">
+          <a:scrgbClr r="0" g="0" b="0"/>
+        </a:fillRef>
+        <a:effectRef idx="0">
+          <a:scrgbClr r="0" g="0" b="0"/>
+        </a:effectRef>
+        <a:fontRef idx="minor">
+          <a:schemeClr val="lt1"/>
+        </a:fontRef>
+      </dsp:style>
+      <dsp:txBody>
+        <a:bodyPr spcFirstLastPara="0" vert="horz" wrap="square" lIns="28575" tIns="19050" rIns="28575" bIns="19050" numCol="1" spcCol="1270" anchor="ctr" anchorCtr="0">
+          <a:noAutofit/>
+        </a:bodyPr>
+        <a:lstStyle/>
+        <a:p>
+          <a:pPr marL="0" lvl="0" indent="0" algn="ctr" defTabSz="666750">
+            <a:lnSpc>
+              <a:spcPct val="90000"/>
+            </a:lnSpc>
+            <a:spcBef>
+              <a:spcPct val="0"/>
+            </a:spcBef>
+            <a:spcAft>
+              <a:spcPct val="35000"/>
+            </a:spcAft>
+            <a:buNone/>
+          </a:pPr>
+          <a:r>
+            <a:rPr lang="en-US" sz="1500" kern="1200" dirty="0"/>
+            <a:t>Basic Principles</a:t>
+          </a:r>
+        </a:p>
+      </dsp:txBody>
+      <dsp:txXfrm>
+        <a:off x="550532" y="21324"/>
+        <a:ext cx="1397015" cy="677431"/>
+      </dsp:txXfrm>
+    </dsp:sp>
+    <dsp:sp modelId="{360B229B-0F55-45E5-A55A-DDDBDBD1C921}">
+      <dsp:nvSpPr>
+        <dsp:cNvPr id="0" name=""/>
+        <dsp:cNvSpPr/>
+      </dsp:nvSpPr>
+      <dsp:spPr>
+        <a:xfrm>
+          <a:off x="673372" y="719832"/>
+          <a:ext cx="143916" cy="539687"/>
+        </a:xfrm>
+        <a:custGeom>
+          <a:avLst/>
+          <a:gdLst/>
+          <a:ahLst/>
+          <a:cxnLst/>
+          <a:rect l="0" t="0" r="0" b="0"/>
+          <a:pathLst>
+            <a:path>
+              <a:moveTo>
+                <a:pt x="0" y="0"/>
+              </a:moveTo>
+              <a:lnTo>
+                <a:pt x="0" y="539687"/>
+              </a:lnTo>
+              <a:lnTo>
+                <a:pt x="143916" y="539687"/>
+              </a:lnTo>
+            </a:path>
+          </a:pathLst>
+        </a:custGeom>
+        <a:noFill/>
+        <a:ln w="25400" cap="flat" cmpd="sng" algn="ctr">
+          <a:solidFill>
+            <a:schemeClr val="accent1">
+              <a:shade val="60000"/>
+              <a:hueOff val="0"/>
+              <a:satOff val="0"/>
+              <a:lumOff val="0"/>
+              <a:alphaOff val="0"/>
+            </a:schemeClr>
+          </a:solidFill>
+          <a:prstDash val="solid"/>
+        </a:ln>
+        <a:effectLst/>
+      </dsp:spPr>
+      <dsp:style>
+        <a:lnRef idx="2">
+          <a:scrgbClr r="0" g="0" b="0"/>
+        </a:lnRef>
+        <a:fillRef idx="0">
+          <a:scrgbClr r="0" g="0" b="0"/>
+        </a:fillRef>
+        <a:effectRef idx="0">
+          <a:scrgbClr r="0" g="0" b="0"/>
+        </a:effectRef>
+        <a:fontRef idx="minor"/>
+      </dsp:style>
+    </dsp:sp>
+    <dsp:sp modelId="{7E3D7089-292B-46E8-B4F0-ADC3733C52BD}">
+      <dsp:nvSpPr>
+        <dsp:cNvPr id="0" name=""/>
+        <dsp:cNvSpPr/>
+      </dsp:nvSpPr>
+      <dsp:spPr>
+        <a:xfrm>
+          <a:off x="817289" y="899728"/>
+          <a:ext cx="1151334" cy="719583"/>
+        </a:xfrm>
+        <a:prstGeom prst="roundRect">
+          <a:avLst>
+            <a:gd name="adj" fmla="val 10000"/>
+          </a:avLst>
+        </a:prstGeom>
+        <a:solidFill>
+          <a:schemeClr val="lt1">
+            <a:alpha val="90000"/>
+            <a:hueOff val="0"/>
+            <a:satOff val="0"/>
+            <a:lumOff val="0"/>
+            <a:alphaOff val="0"/>
+          </a:schemeClr>
+        </a:solidFill>
+        <a:ln w="25400" cap="flat" cmpd="sng" algn="ctr">
+          <a:solidFill>
+            <a:schemeClr val="accent1">
+              <a:hueOff val="0"/>
+              <a:satOff val="0"/>
+              <a:lumOff val="0"/>
+              <a:alphaOff val="0"/>
+            </a:schemeClr>
+          </a:solidFill>
+          <a:prstDash val="solid"/>
+        </a:ln>
+        <a:effectLst/>
+      </dsp:spPr>
+      <dsp:style>
+        <a:lnRef idx="2">
+          <a:scrgbClr r="0" g="0" b="0"/>
+        </a:lnRef>
+        <a:fillRef idx="1">
+          <a:scrgbClr r="0" g="0" b="0"/>
+        </a:fillRef>
+        <a:effectRef idx="0">
+          <a:scrgbClr r="0" g="0" b="0"/>
+        </a:effectRef>
+        <a:fontRef idx="minor"/>
+      </dsp:style>
+      <dsp:txBody>
+        <a:bodyPr spcFirstLastPara="0" vert="horz" wrap="square" lIns="28575" tIns="19050" rIns="28575" bIns="19050" numCol="1" spcCol="1270" anchor="ctr" anchorCtr="0">
+          <a:noAutofit/>
+        </a:bodyPr>
+        <a:lstStyle/>
+        <a:p>
+          <a:pPr marL="0" lvl="0" indent="0" algn="ctr" defTabSz="666750">
+            <a:lnSpc>
+              <a:spcPct val="90000"/>
+            </a:lnSpc>
+            <a:spcBef>
+              <a:spcPct val="0"/>
+            </a:spcBef>
+            <a:spcAft>
+              <a:spcPct val="35000"/>
+            </a:spcAft>
+            <a:buNone/>
+          </a:pPr>
+          <a:r>
+            <a:rPr lang="en-US" sz="1500" kern="1200" dirty="0"/>
+            <a:t>Designing Data</a:t>
+          </a:r>
+        </a:p>
+      </dsp:txBody>
+      <dsp:txXfrm>
+        <a:off x="838365" y="920804"/>
+        <a:ext cx="1109182" cy="677431"/>
+      </dsp:txXfrm>
+    </dsp:sp>
+    <dsp:sp modelId="{BC1B1EA4-129C-44F6-935B-BA646A7A2AA3}">
+      <dsp:nvSpPr>
+        <dsp:cNvPr id="0" name=""/>
+        <dsp:cNvSpPr/>
+      </dsp:nvSpPr>
+      <dsp:spPr>
+        <a:xfrm>
+          <a:off x="673372" y="719832"/>
+          <a:ext cx="143916" cy="1439167"/>
+        </a:xfrm>
+        <a:custGeom>
+          <a:avLst/>
+          <a:gdLst/>
+          <a:ahLst/>
+          <a:cxnLst/>
+          <a:rect l="0" t="0" r="0" b="0"/>
+          <a:pathLst>
+            <a:path>
+              <a:moveTo>
+                <a:pt x="0" y="0"/>
+              </a:moveTo>
+              <a:lnTo>
+                <a:pt x="0" y="1439167"/>
+              </a:lnTo>
+              <a:lnTo>
+                <a:pt x="143916" y="1439167"/>
+              </a:lnTo>
+            </a:path>
+          </a:pathLst>
+        </a:custGeom>
+        <a:noFill/>
+        <a:ln w="25400" cap="flat" cmpd="sng" algn="ctr">
+          <a:solidFill>
+            <a:schemeClr val="accent1">
+              <a:shade val="60000"/>
+              <a:hueOff val="0"/>
+              <a:satOff val="0"/>
+              <a:lumOff val="0"/>
+              <a:alphaOff val="0"/>
+            </a:schemeClr>
+          </a:solidFill>
+          <a:prstDash val="solid"/>
+        </a:ln>
+        <a:effectLst/>
+      </dsp:spPr>
+      <dsp:style>
+        <a:lnRef idx="2">
+          <a:scrgbClr r="0" g="0" b="0"/>
+        </a:lnRef>
+        <a:fillRef idx="0">
+          <a:scrgbClr r="0" g="0" b="0"/>
+        </a:fillRef>
+        <a:effectRef idx="0">
+          <a:scrgbClr r="0" g="0" b="0"/>
+        </a:effectRef>
+        <a:fontRef idx="minor"/>
+      </dsp:style>
+    </dsp:sp>
+    <dsp:sp modelId="{CF0B1CD2-0FC3-49A4-A520-B01A6C3CCB95}">
+      <dsp:nvSpPr>
+        <dsp:cNvPr id="0" name=""/>
+        <dsp:cNvSpPr/>
+      </dsp:nvSpPr>
+      <dsp:spPr>
+        <a:xfrm>
+          <a:off x="817289" y="1799208"/>
+          <a:ext cx="1151334" cy="719583"/>
+        </a:xfrm>
+        <a:prstGeom prst="roundRect">
+          <a:avLst>
+            <a:gd name="adj" fmla="val 10000"/>
+          </a:avLst>
+        </a:prstGeom>
+        <a:solidFill>
+          <a:schemeClr val="lt1">
+            <a:alpha val="90000"/>
+            <a:hueOff val="0"/>
+            <a:satOff val="0"/>
+            <a:lumOff val="0"/>
+            <a:alphaOff val="0"/>
+          </a:schemeClr>
+        </a:solidFill>
+        <a:ln w="25400" cap="flat" cmpd="sng" algn="ctr">
+          <a:solidFill>
+            <a:schemeClr val="accent1">
+              <a:hueOff val="0"/>
+              <a:satOff val="0"/>
+              <a:lumOff val="0"/>
+              <a:alphaOff val="0"/>
+            </a:schemeClr>
+          </a:solidFill>
+          <a:prstDash val="solid"/>
+        </a:ln>
+        <a:effectLst/>
+      </dsp:spPr>
+      <dsp:style>
+        <a:lnRef idx="2">
+          <a:scrgbClr r="0" g="0" b="0"/>
+        </a:lnRef>
+        <a:fillRef idx="1">
+          <a:scrgbClr r="0" g="0" b="0"/>
+        </a:fillRef>
+        <a:effectRef idx="0">
+          <a:scrgbClr r="0" g="0" b="0"/>
+        </a:effectRef>
+        <a:fontRef idx="minor"/>
+      </dsp:style>
+      <dsp:txBody>
+        <a:bodyPr spcFirstLastPara="0" vert="horz" wrap="square" lIns="28575" tIns="19050" rIns="28575" bIns="19050" numCol="1" spcCol="1270" anchor="ctr" anchorCtr="0">
+          <a:noAutofit/>
+        </a:bodyPr>
+        <a:lstStyle/>
+        <a:p>
+          <a:pPr marL="0" lvl="0" indent="0" algn="ctr" defTabSz="666750">
+            <a:lnSpc>
+              <a:spcPct val="90000"/>
+            </a:lnSpc>
+            <a:spcBef>
+              <a:spcPct val="0"/>
+            </a:spcBef>
+            <a:spcAft>
+              <a:spcPct val="35000"/>
+            </a:spcAft>
+            <a:buNone/>
+          </a:pPr>
+          <a:r>
+            <a:rPr lang="en-US" sz="1500" kern="1200" dirty="0"/>
+            <a:t>Designing Functions</a:t>
+          </a:r>
+        </a:p>
+      </dsp:txBody>
+      <dsp:txXfrm>
+        <a:off x="838365" y="1820284"/>
+        <a:ext cx="1109182" cy="677431"/>
+      </dsp:txXfrm>
+    </dsp:sp>
+    <dsp:sp modelId="{F5AE7053-0C33-481C-8BFB-D2DAFB4C4294}">
+      <dsp:nvSpPr>
+        <dsp:cNvPr id="0" name=""/>
+        <dsp:cNvSpPr/>
+      </dsp:nvSpPr>
+      <dsp:spPr>
+        <a:xfrm>
+          <a:off x="673372" y="719832"/>
+          <a:ext cx="143916" cy="2338647"/>
+        </a:xfrm>
+        <a:custGeom>
+          <a:avLst/>
+          <a:gdLst/>
+          <a:ahLst/>
+          <a:cxnLst/>
+          <a:rect l="0" t="0" r="0" b="0"/>
+          <a:pathLst>
+            <a:path>
+              <a:moveTo>
+                <a:pt x="0" y="0"/>
+              </a:moveTo>
+              <a:lnTo>
+                <a:pt x="0" y="2338647"/>
+              </a:lnTo>
+              <a:lnTo>
+                <a:pt x="143916" y="2338647"/>
+              </a:lnTo>
+            </a:path>
+          </a:pathLst>
+        </a:custGeom>
+        <a:noFill/>
+        <a:ln w="25400" cap="flat" cmpd="sng" algn="ctr">
+          <a:solidFill>
+            <a:schemeClr val="accent1">
+              <a:shade val="60000"/>
+              <a:hueOff val="0"/>
+              <a:satOff val="0"/>
+              <a:lumOff val="0"/>
+              <a:alphaOff val="0"/>
+            </a:schemeClr>
+          </a:solidFill>
+          <a:prstDash val="solid"/>
+        </a:ln>
+        <a:effectLst/>
+      </dsp:spPr>
+      <dsp:style>
+        <a:lnRef idx="2">
+          <a:scrgbClr r="0" g="0" b="0"/>
+        </a:lnRef>
+        <a:fillRef idx="0">
+          <a:scrgbClr r="0" g="0" b="0"/>
+        </a:fillRef>
+        <a:effectRef idx="0">
+          <a:scrgbClr r="0" g="0" b="0"/>
+        </a:effectRef>
+        <a:fontRef idx="minor"/>
+      </dsp:style>
+    </dsp:sp>
+    <dsp:sp modelId="{C5878689-67F2-4E3D-8C9B-392F50C32024}">
+      <dsp:nvSpPr>
+        <dsp:cNvPr id="0" name=""/>
+        <dsp:cNvSpPr/>
+      </dsp:nvSpPr>
+      <dsp:spPr>
+        <a:xfrm>
+          <a:off x="817289" y="2698687"/>
+          <a:ext cx="1151334" cy="719583"/>
+        </a:xfrm>
+        <a:prstGeom prst="roundRect">
+          <a:avLst>
+            <a:gd name="adj" fmla="val 10000"/>
+          </a:avLst>
+        </a:prstGeom>
+        <a:solidFill>
+          <a:schemeClr val="lt1">
+            <a:alpha val="90000"/>
+            <a:hueOff val="0"/>
+            <a:satOff val="0"/>
+            <a:lumOff val="0"/>
+            <a:alphaOff val="0"/>
+          </a:schemeClr>
+        </a:solidFill>
+        <a:ln w="25400" cap="flat" cmpd="sng" algn="ctr">
+          <a:solidFill>
+            <a:schemeClr val="accent1">
+              <a:hueOff val="0"/>
+              <a:satOff val="0"/>
+              <a:lumOff val="0"/>
+              <a:alphaOff val="0"/>
+            </a:schemeClr>
+          </a:solidFill>
+          <a:prstDash val="solid"/>
+        </a:ln>
+        <a:effectLst/>
+      </dsp:spPr>
+      <dsp:style>
+        <a:lnRef idx="2">
+          <a:scrgbClr r="0" g="0" b="0"/>
+        </a:lnRef>
+        <a:fillRef idx="1">
+          <a:scrgbClr r="0" g="0" b="0"/>
+        </a:fillRef>
+        <a:effectRef idx="0">
+          <a:scrgbClr r="0" g="0" b="0"/>
+        </a:effectRef>
+        <a:fontRef idx="minor"/>
+      </dsp:style>
+      <dsp:txBody>
+        <a:bodyPr spcFirstLastPara="0" vert="horz" wrap="square" lIns="28575" tIns="19050" rIns="28575" bIns="19050" numCol="1" spcCol="1270" anchor="ctr" anchorCtr="0">
+          <a:noAutofit/>
+        </a:bodyPr>
+        <a:lstStyle/>
+        <a:p>
+          <a:pPr marL="0" lvl="0" indent="0" algn="ctr" defTabSz="666750">
+            <a:lnSpc>
+              <a:spcPct val="90000"/>
+            </a:lnSpc>
+            <a:spcBef>
+              <a:spcPct val="0"/>
+            </a:spcBef>
+            <a:spcAft>
+              <a:spcPct val="35000"/>
+            </a:spcAft>
+            <a:buNone/>
+          </a:pPr>
+          <a:r>
+            <a:rPr lang="en-US" sz="1500" kern="1200" dirty="0"/>
+            <a:t>Designing Systems</a:t>
+          </a:r>
+        </a:p>
+      </dsp:txBody>
+      <dsp:txXfrm>
+        <a:off x="838365" y="2719763"/>
+        <a:ext cx="1109182" cy="677431"/>
+      </dsp:txXfrm>
+    </dsp:sp>
+    <dsp:sp modelId="{F1C18E15-3E91-476D-8B13-25AD56BC4B13}">
+      <dsp:nvSpPr>
+        <dsp:cNvPr id="0" name=""/>
+        <dsp:cNvSpPr/>
+      </dsp:nvSpPr>
+      <dsp:spPr>
+        <a:xfrm>
+          <a:off x="2328416" y="248"/>
+          <a:ext cx="1439167" cy="719583"/>
+        </a:xfrm>
+        <a:prstGeom prst="roundRect">
+          <a:avLst>
+            <a:gd name="adj" fmla="val 10000"/>
+          </a:avLst>
+        </a:prstGeom>
+        <a:solidFill>
+          <a:schemeClr val="accent1">
+            <a:hueOff val="0"/>
+            <a:satOff val="0"/>
+            <a:lumOff val="0"/>
+            <a:alphaOff val="0"/>
+          </a:schemeClr>
+        </a:solidFill>
+        <a:ln w="25400" cap="flat" cmpd="sng" algn="ctr">
+          <a:solidFill>
+            <a:schemeClr val="lt1">
+              <a:hueOff val="0"/>
+              <a:satOff val="0"/>
+              <a:lumOff val="0"/>
+              <a:alphaOff val="0"/>
+            </a:schemeClr>
+          </a:solidFill>
+          <a:prstDash val="solid"/>
+        </a:ln>
+        <a:effectLst/>
+      </dsp:spPr>
+      <dsp:style>
+        <a:lnRef idx="2">
+          <a:scrgbClr r="0" g="0" b="0"/>
+        </a:lnRef>
+        <a:fillRef idx="1">
+          <a:scrgbClr r="0" g="0" b="0"/>
+        </a:fillRef>
+        <a:effectRef idx="0">
+          <a:scrgbClr r="0" g="0" b="0"/>
+        </a:effectRef>
+        <a:fontRef idx="minor">
+          <a:schemeClr val="lt1"/>
+        </a:fontRef>
+      </dsp:style>
+      <dsp:txBody>
+        <a:bodyPr spcFirstLastPara="0" vert="horz" wrap="square" lIns="28575" tIns="19050" rIns="28575" bIns="19050" numCol="1" spcCol="1270" anchor="ctr" anchorCtr="0">
+          <a:noAutofit/>
+        </a:bodyPr>
+        <a:lstStyle/>
+        <a:p>
+          <a:pPr marL="0" lvl="0" indent="0" algn="ctr" defTabSz="666750">
+            <a:lnSpc>
+              <a:spcPct val="90000"/>
+            </a:lnSpc>
+            <a:spcBef>
+              <a:spcPct val="0"/>
+            </a:spcBef>
+            <a:spcAft>
+              <a:spcPct val="35000"/>
+            </a:spcAft>
+            <a:buNone/>
+          </a:pPr>
+          <a:r>
+            <a:rPr lang="en-US" sz="1500" kern="1200" dirty="0"/>
+            <a:t>Tools and Techniques</a:t>
+          </a:r>
+        </a:p>
+      </dsp:txBody>
+      <dsp:txXfrm>
+        <a:off x="2349492" y="21324"/>
+        <a:ext cx="1397015" cy="677431"/>
+      </dsp:txXfrm>
+    </dsp:sp>
+    <dsp:sp modelId="{2564A6E5-875B-4BC6-B983-AA12C064A019}">
+      <dsp:nvSpPr>
+        <dsp:cNvPr id="0" name=""/>
+        <dsp:cNvSpPr/>
+      </dsp:nvSpPr>
+      <dsp:spPr>
+        <a:xfrm>
+          <a:off x="2472332" y="719832"/>
+          <a:ext cx="143916" cy="539687"/>
+        </a:xfrm>
+        <a:custGeom>
+          <a:avLst/>
+          <a:gdLst/>
+          <a:ahLst/>
+          <a:cxnLst/>
+          <a:rect l="0" t="0" r="0" b="0"/>
+          <a:pathLst>
+            <a:path>
+              <a:moveTo>
+                <a:pt x="0" y="0"/>
+              </a:moveTo>
+              <a:lnTo>
+                <a:pt x="0" y="539687"/>
+              </a:lnTo>
+              <a:lnTo>
+                <a:pt x="143916" y="539687"/>
+              </a:lnTo>
+            </a:path>
+          </a:pathLst>
+        </a:custGeom>
+        <a:noFill/>
+        <a:ln w="25400" cap="flat" cmpd="sng" algn="ctr">
+          <a:solidFill>
+            <a:schemeClr val="accent1">
+              <a:shade val="60000"/>
+              <a:hueOff val="0"/>
+              <a:satOff val="0"/>
+              <a:lumOff val="0"/>
+              <a:alphaOff val="0"/>
+            </a:schemeClr>
+          </a:solidFill>
+          <a:prstDash val="solid"/>
+        </a:ln>
+        <a:effectLst/>
+      </dsp:spPr>
+      <dsp:style>
+        <a:lnRef idx="2">
+          <a:scrgbClr r="0" g="0" b="0"/>
+        </a:lnRef>
+        <a:fillRef idx="0">
+          <a:scrgbClr r="0" g="0" b="0"/>
+        </a:fillRef>
+        <a:effectRef idx="0">
+          <a:scrgbClr r="0" g="0" b="0"/>
+        </a:effectRef>
+        <a:fontRef idx="minor"/>
+      </dsp:style>
+    </dsp:sp>
+    <dsp:sp modelId="{3B0CF9DF-CC55-47FF-BECE-903E70F9D2DE}">
+      <dsp:nvSpPr>
+        <dsp:cNvPr id="0" name=""/>
+        <dsp:cNvSpPr/>
+      </dsp:nvSpPr>
+      <dsp:spPr>
+        <a:xfrm>
+          <a:off x="2616249" y="899728"/>
+          <a:ext cx="1151334" cy="719583"/>
+        </a:xfrm>
+        <a:prstGeom prst="roundRect">
+          <a:avLst>
+            <a:gd name="adj" fmla="val 10000"/>
+          </a:avLst>
+        </a:prstGeom>
+        <a:solidFill>
+          <a:schemeClr val="lt1">
+            <a:alpha val="90000"/>
+            <a:hueOff val="0"/>
+            <a:satOff val="0"/>
+            <a:lumOff val="0"/>
+            <a:alphaOff val="0"/>
+          </a:schemeClr>
+        </a:solidFill>
+        <a:ln w="25400" cap="flat" cmpd="sng" algn="ctr">
+          <a:solidFill>
+            <a:schemeClr val="accent1">
+              <a:hueOff val="0"/>
+              <a:satOff val="0"/>
+              <a:lumOff val="0"/>
+              <a:alphaOff val="0"/>
+            </a:schemeClr>
+          </a:solidFill>
+          <a:prstDash val="solid"/>
+        </a:ln>
+        <a:effectLst/>
+      </dsp:spPr>
+      <dsp:style>
+        <a:lnRef idx="2">
+          <a:scrgbClr r="0" g="0" b="0"/>
+        </a:lnRef>
+        <a:fillRef idx="1">
+          <a:scrgbClr r="0" g="0" b="0"/>
+        </a:fillRef>
+        <a:effectRef idx="0">
+          <a:scrgbClr r="0" g="0" b="0"/>
+        </a:effectRef>
+        <a:fontRef idx="minor"/>
+      </dsp:style>
+      <dsp:txBody>
+        <a:bodyPr spcFirstLastPara="0" vert="horz" wrap="square" lIns="28575" tIns="19050" rIns="28575" bIns="19050" numCol="1" spcCol="1270" anchor="ctr" anchorCtr="0">
+          <a:noAutofit/>
+        </a:bodyPr>
+        <a:lstStyle/>
+        <a:p>
+          <a:pPr marL="0" lvl="0" indent="0" algn="ctr" defTabSz="666750">
+            <a:lnSpc>
+              <a:spcPct val="90000"/>
+            </a:lnSpc>
+            <a:spcBef>
+              <a:spcPct val="0"/>
+            </a:spcBef>
+            <a:spcAft>
+              <a:spcPct val="35000"/>
+            </a:spcAft>
+            <a:buNone/>
+          </a:pPr>
+          <a:r>
+            <a:rPr lang="en-US" sz="1500" kern="1200" dirty="0"/>
+            <a:t>Computing with Lists</a:t>
+          </a:r>
+        </a:p>
+      </dsp:txBody>
+      <dsp:txXfrm>
+        <a:off x="2637325" y="920804"/>
+        <a:ext cx="1109182" cy="677431"/>
+      </dsp:txXfrm>
+    </dsp:sp>
+    <dsp:sp modelId="{7DFA9A08-1F84-4CF2-9E63-7F6E7C219F76}">
+      <dsp:nvSpPr>
+        <dsp:cNvPr id="0" name=""/>
+        <dsp:cNvSpPr/>
+      </dsp:nvSpPr>
+      <dsp:spPr>
+        <a:xfrm>
+          <a:off x="2472332" y="719832"/>
+          <a:ext cx="143916" cy="1439167"/>
+        </a:xfrm>
+        <a:custGeom>
+          <a:avLst/>
+          <a:gdLst/>
+          <a:ahLst/>
+          <a:cxnLst/>
+          <a:rect l="0" t="0" r="0" b="0"/>
+          <a:pathLst>
+            <a:path>
+              <a:moveTo>
+                <a:pt x="0" y="0"/>
+              </a:moveTo>
+              <a:lnTo>
+                <a:pt x="0" y="1439167"/>
+              </a:lnTo>
+              <a:lnTo>
+                <a:pt x="143916" y="1439167"/>
+              </a:lnTo>
+            </a:path>
+          </a:pathLst>
+        </a:custGeom>
+        <a:noFill/>
+        <a:ln w="25400" cap="flat" cmpd="sng" algn="ctr">
+          <a:solidFill>
+            <a:schemeClr val="accent1">
+              <a:shade val="60000"/>
+              <a:hueOff val="0"/>
+              <a:satOff val="0"/>
+              <a:lumOff val="0"/>
+              <a:alphaOff val="0"/>
+            </a:schemeClr>
+          </a:solidFill>
+          <a:prstDash val="solid"/>
+        </a:ln>
+        <a:effectLst/>
+      </dsp:spPr>
+      <dsp:style>
+        <a:lnRef idx="2">
+          <a:scrgbClr r="0" g="0" b="0"/>
+        </a:lnRef>
+        <a:fillRef idx="0">
+          <a:scrgbClr r="0" g="0" b="0"/>
+        </a:fillRef>
+        <a:effectRef idx="0">
+          <a:scrgbClr r="0" g="0" b="0"/>
+        </a:effectRef>
+        <a:fontRef idx="minor"/>
+      </dsp:style>
+    </dsp:sp>
+    <dsp:sp modelId="{9C3E65C4-9266-43CB-B08F-79811ABF047A}">
+      <dsp:nvSpPr>
+        <dsp:cNvPr id="0" name=""/>
+        <dsp:cNvSpPr/>
+      </dsp:nvSpPr>
+      <dsp:spPr>
+        <a:xfrm>
+          <a:off x="2616249" y="1799208"/>
+          <a:ext cx="1151334" cy="719583"/>
+        </a:xfrm>
+        <a:prstGeom prst="roundRect">
+          <a:avLst>
+            <a:gd name="adj" fmla="val 10000"/>
+          </a:avLst>
+        </a:prstGeom>
+        <a:solidFill>
+          <a:schemeClr val="lt1">
+            <a:alpha val="90000"/>
+            <a:hueOff val="0"/>
+            <a:satOff val="0"/>
+            <a:lumOff val="0"/>
+            <a:alphaOff val="0"/>
+          </a:schemeClr>
+        </a:solidFill>
+        <a:ln w="25400" cap="flat" cmpd="sng" algn="ctr">
+          <a:solidFill>
+            <a:schemeClr val="accent1">
+              <a:hueOff val="0"/>
+              <a:satOff val="0"/>
+              <a:lumOff val="0"/>
+              <a:alphaOff val="0"/>
+            </a:schemeClr>
+          </a:solidFill>
+          <a:prstDash val="solid"/>
+        </a:ln>
+        <a:effectLst/>
+      </dsp:spPr>
+      <dsp:style>
+        <a:lnRef idx="2">
+          <a:scrgbClr r="0" g="0" b="0"/>
+        </a:lnRef>
+        <a:fillRef idx="1">
+          <a:scrgbClr r="0" g="0" b="0"/>
+        </a:fillRef>
+        <a:effectRef idx="0">
+          <a:scrgbClr r="0" g="0" b="0"/>
+        </a:effectRef>
+        <a:fontRef idx="minor"/>
+      </dsp:style>
+      <dsp:txBody>
+        <a:bodyPr spcFirstLastPara="0" vert="horz" wrap="square" lIns="28575" tIns="19050" rIns="28575" bIns="19050" numCol="1" spcCol="1270" anchor="ctr" anchorCtr="0">
+          <a:noAutofit/>
+        </a:bodyPr>
+        <a:lstStyle/>
+        <a:p>
+          <a:pPr marL="0" lvl="0" indent="0" algn="ctr" defTabSz="666750">
+            <a:lnSpc>
+              <a:spcPct val="90000"/>
+            </a:lnSpc>
+            <a:spcBef>
+              <a:spcPct val="0"/>
+            </a:spcBef>
+            <a:spcAft>
+              <a:spcPct val="35000"/>
+            </a:spcAft>
+            <a:buNone/>
+          </a:pPr>
+          <a:r>
+            <a:rPr lang="en-US" sz="1500" kern="1200" dirty="0"/>
+            <a:t>Computing with Trees and Graphs</a:t>
+          </a:r>
+        </a:p>
+      </dsp:txBody>
+      <dsp:txXfrm>
+        <a:off x="2637325" y="1820284"/>
+        <a:ext cx="1109182" cy="677431"/>
+      </dsp:txXfrm>
+    </dsp:sp>
+    <dsp:sp modelId="{16CFAB30-3E6A-44D7-A45D-E3066E142053}">
+      <dsp:nvSpPr>
+        <dsp:cNvPr id="0" name=""/>
+        <dsp:cNvSpPr/>
+      </dsp:nvSpPr>
+      <dsp:spPr>
+        <a:xfrm>
+          <a:off x="2472332" y="719832"/>
+          <a:ext cx="143916" cy="2338647"/>
+        </a:xfrm>
+        <a:custGeom>
+          <a:avLst/>
+          <a:gdLst/>
+          <a:ahLst/>
+          <a:cxnLst/>
+          <a:rect l="0" t="0" r="0" b="0"/>
+          <a:pathLst>
+            <a:path>
+              <a:moveTo>
+                <a:pt x="0" y="0"/>
+              </a:moveTo>
+              <a:lnTo>
+                <a:pt x="0" y="2338647"/>
+              </a:lnTo>
+              <a:lnTo>
+                <a:pt x="143916" y="2338647"/>
+              </a:lnTo>
+            </a:path>
+          </a:pathLst>
+        </a:custGeom>
+        <a:noFill/>
+        <a:ln w="25400" cap="flat" cmpd="sng" algn="ctr">
+          <a:solidFill>
+            <a:schemeClr val="accent1">
+              <a:shade val="60000"/>
+              <a:hueOff val="0"/>
+              <a:satOff val="0"/>
+              <a:lumOff val="0"/>
+              <a:alphaOff val="0"/>
+            </a:schemeClr>
+          </a:solidFill>
+          <a:prstDash val="solid"/>
+        </a:ln>
+        <a:effectLst/>
+      </dsp:spPr>
+      <dsp:style>
+        <a:lnRef idx="2">
+          <a:scrgbClr r="0" g="0" b="0"/>
+        </a:lnRef>
+        <a:fillRef idx="0">
+          <a:scrgbClr r="0" g="0" b="0"/>
+        </a:fillRef>
+        <a:effectRef idx="0">
+          <a:scrgbClr r="0" g="0" b="0"/>
+        </a:effectRef>
+        <a:fontRef idx="minor"/>
+      </dsp:style>
+    </dsp:sp>
+    <dsp:sp modelId="{5F9726AA-E8AD-4C5C-A0CA-2350C4F8CAFA}">
+      <dsp:nvSpPr>
+        <dsp:cNvPr id="0" name=""/>
+        <dsp:cNvSpPr/>
+      </dsp:nvSpPr>
+      <dsp:spPr>
+        <a:xfrm>
+          <a:off x="2616249" y="2698687"/>
+          <a:ext cx="1151334" cy="719583"/>
+        </a:xfrm>
+        <a:prstGeom prst="roundRect">
+          <a:avLst>
+            <a:gd name="adj" fmla="val 10000"/>
+          </a:avLst>
+        </a:prstGeom>
+        <a:solidFill>
+          <a:schemeClr val="lt1">
+            <a:alpha val="90000"/>
+            <a:hueOff val="0"/>
+            <a:satOff val="0"/>
+            <a:lumOff val="0"/>
+            <a:alphaOff val="0"/>
+          </a:schemeClr>
+        </a:solidFill>
+        <a:ln w="25400" cap="flat" cmpd="sng" algn="ctr">
+          <a:solidFill>
+            <a:schemeClr val="accent1">
+              <a:hueOff val="0"/>
+              <a:satOff val="0"/>
+              <a:lumOff val="0"/>
+              <a:alphaOff val="0"/>
+            </a:schemeClr>
+          </a:solidFill>
+          <a:prstDash val="solid"/>
+        </a:ln>
+        <a:effectLst/>
+      </dsp:spPr>
+      <dsp:style>
+        <a:lnRef idx="2">
+          <a:scrgbClr r="0" g="0" b="0"/>
+        </a:lnRef>
+        <a:fillRef idx="1">
+          <a:scrgbClr r="0" g="0" b="0"/>
+        </a:fillRef>
+        <a:effectRef idx="0">
+          <a:scrgbClr r="0" g="0" b="0"/>
+        </a:effectRef>
+        <a:fontRef idx="minor"/>
+      </dsp:style>
+      <dsp:txBody>
+        <a:bodyPr spcFirstLastPara="0" vert="horz" wrap="square" lIns="28575" tIns="19050" rIns="28575" bIns="19050" numCol="1" spcCol="1270" anchor="ctr" anchorCtr="0">
+          <a:noAutofit/>
+        </a:bodyPr>
+        <a:lstStyle/>
+        <a:p>
+          <a:pPr marL="0" lvl="0" indent="0" algn="ctr" defTabSz="666750">
+            <a:lnSpc>
+              <a:spcPct val="90000"/>
+            </a:lnSpc>
+            <a:spcBef>
+              <a:spcPct val="0"/>
+            </a:spcBef>
+            <a:spcAft>
+              <a:spcPct val="35000"/>
+            </a:spcAft>
+            <a:buNone/>
+          </a:pPr>
+          <a:r>
+            <a:rPr lang="en-US" sz="1500" kern="1200" dirty="0"/>
+            <a:t>Designing with Invariants</a:t>
+          </a:r>
+        </a:p>
+      </dsp:txBody>
+      <dsp:txXfrm>
+        <a:off x="2637325" y="2719763"/>
+        <a:ext cx="1109182" cy="677431"/>
+      </dsp:txXfrm>
+    </dsp:sp>
+    <dsp:sp modelId="{0ECF28DA-9925-4B5B-97B1-BDA459502114}">
+      <dsp:nvSpPr>
+        <dsp:cNvPr id="0" name=""/>
+        <dsp:cNvSpPr/>
+      </dsp:nvSpPr>
+      <dsp:spPr>
+        <a:xfrm>
+          <a:off x="2472332" y="719832"/>
+          <a:ext cx="143916" cy="3238127"/>
+        </a:xfrm>
+        <a:custGeom>
+          <a:avLst/>
+          <a:gdLst/>
+          <a:ahLst/>
+          <a:cxnLst/>
+          <a:rect l="0" t="0" r="0" b="0"/>
+          <a:pathLst>
+            <a:path>
+              <a:moveTo>
+                <a:pt x="0" y="0"/>
+              </a:moveTo>
+              <a:lnTo>
+                <a:pt x="0" y="3238127"/>
+              </a:lnTo>
+              <a:lnTo>
+                <a:pt x="143916" y="3238127"/>
+              </a:lnTo>
+            </a:path>
+          </a:pathLst>
+        </a:custGeom>
+        <a:noFill/>
+        <a:ln w="25400" cap="flat" cmpd="sng" algn="ctr">
+          <a:solidFill>
+            <a:schemeClr val="accent1">
+              <a:shade val="60000"/>
+              <a:hueOff val="0"/>
+              <a:satOff val="0"/>
+              <a:lumOff val="0"/>
+              <a:alphaOff val="0"/>
+            </a:schemeClr>
+          </a:solidFill>
+          <a:prstDash val="solid"/>
+        </a:ln>
+        <a:effectLst/>
+      </dsp:spPr>
+      <dsp:style>
+        <a:lnRef idx="2">
+          <a:scrgbClr r="0" g="0" b="0"/>
+        </a:lnRef>
+        <a:fillRef idx="0">
+          <a:scrgbClr r="0" g="0" b="0"/>
+        </a:fillRef>
+        <a:effectRef idx="0">
+          <a:scrgbClr r="0" g="0" b="0"/>
+        </a:effectRef>
+        <a:fontRef idx="minor"/>
+      </dsp:style>
+    </dsp:sp>
+    <dsp:sp modelId="{5A2BB121-DDEE-46A8-AC09-18496F773E62}">
+      <dsp:nvSpPr>
+        <dsp:cNvPr id="0" name=""/>
+        <dsp:cNvSpPr/>
+      </dsp:nvSpPr>
+      <dsp:spPr>
+        <a:xfrm>
+          <a:off x="2616249" y="3598167"/>
+          <a:ext cx="1151334" cy="719583"/>
+        </a:xfrm>
+        <a:prstGeom prst="roundRect">
+          <a:avLst>
+            <a:gd name="adj" fmla="val 10000"/>
+          </a:avLst>
+        </a:prstGeom>
+        <a:solidFill>
+          <a:schemeClr val="lt1">
+            <a:alpha val="90000"/>
+            <a:hueOff val="0"/>
+            <a:satOff val="0"/>
+            <a:lumOff val="0"/>
+            <a:alphaOff val="0"/>
+          </a:schemeClr>
+        </a:solidFill>
+        <a:ln w="25400" cap="flat" cmpd="sng" algn="ctr">
+          <a:solidFill>
+            <a:schemeClr val="accent1">
+              <a:hueOff val="0"/>
+              <a:satOff val="0"/>
+              <a:lumOff val="0"/>
+              <a:alphaOff val="0"/>
+            </a:schemeClr>
+          </a:solidFill>
+          <a:prstDash val="solid"/>
+        </a:ln>
+        <a:effectLst/>
+      </dsp:spPr>
+      <dsp:style>
+        <a:lnRef idx="2">
+          <a:scrgbClr r="0" g="0" b="0"/>
+        </a:lnRef>
+        <a:fillRef idx="1">
+          <a:scrgbClr r="0" g="0" b="0"/>
+        </a:fillRef>
+        <a:effectRef idx="0">
+          <a:scrgbClr r="0" g="0" b="0"/>
+        </a:effectRef>
+        <a:fontRef idx="minor"/>
+      </dsp:style>
+      <dsp:txBody>
+        <a:bodyPr spcFirstLastPara="0" vert="horz" wrap="square" lIns="28575" tIns="19050" rIns="28575" bIns="19050" numCol="1" spcCol="1270" anchor="ctr" anchorCtr="0">
+          <a:noAutofit/>
+        </a:bodyPr>
+        <a:lstStyle/>
+        <a:p>
+          <a:pPr marL="0" lvl="0" indent="0" algn="ctr" defTabSz="666750">
+            <a:lnSpc>
+              <a:spcPct val="90000"/>
+            </a:lnSpc>
+            <a:spcBef>
+              <a:spcPct val="0"/>
+            </a:spcBef>
+            <a:spcAft>
+              <a:spcPct val="35000"/>
+            </a:spcAft>
+            <a:buNone/>
+          </a:pPr>
+          <a:r>
+            <a:rPr lang="en-US" sz="1500" kern="1200" dirty="0"/>
+            <a:t>Thinking about Efficiency</a:t>
+          </a:r>
+        </a:p>
+      </dsp:txBody>
+      <dsp:txXfrm>
+        <a:off x="2637325" y="3619243"/>
+        <a:ext cx="1109182" cy="677431"/>
+      </dsp:txXfrm>
+    </dsp:sp>
+    <dsp:sp modelId="{3DB7ADFA-DCAB-4034-9F43-B860EBE864E8}">
+      <dsp:nvSpPr>
+        <dsp:cNvPr id="0" name=""/>
+        <dsp:cNvSpPr/>
+      </dsp:nvSpPr>
+      <dsp:spPr>
+        <a:xfrm>
+          <a:off x="4127375" y="248"/>
+          <a:ext cx="1439167" cy="719583"/>
+        </a:xfrm>
+        <a:prstGeom prst="roundRect">
+          <a:avLst>
+            <a:gd name="adj" fmla="val 10000"/>
+          </a:avLst>
+        </a:prstGeom>
+        <a:solidFill>
+          <a:schemeClr val="accent1">
+            <a:hueOff val="0"/>
+            <a:satOff val="0"/>
+            <a:lumOff val="0"/>
+            <a:alphaOff val="0"/>
+          </a:schemeClr>
+        </a:solidFill>
+        <a:ln w="25400" cap="flat" cmpd="sng" algn="ctr">
+          <a:solidFill>
+            <a:schemeClr val="lt1">
+              <a:hueOff val="0"/>
+              <a:satOff val="0"/>
+              <a:lumOff val="0"/>
+              <a:alphaOff val="0"/>
+            </a:schemeClr>
+          </a:solidFill>
+          <a:prstDash val="solid"/>
+        </a:ln>
+        <a:effectLst/>
+      </dsp:spPr>
+      <dsp:style>
+        <a:lnRef idx="2">
+          <a:scrgbClr r="0" g="0" b="0"/>
+        </a:lnRef>
+        <a:fillRef idx="1">
+          <a:scrgbClr r="0" g="0" b="0"/>
+        </a:fillRef>
+        <a:effectRef idx="0">
+          <a:scrgbClr r="0" g="0" b="0"/>
+        </a:effectRef>
+        <a:fontRef idx="minor">
+          <a:schemeClr val="lt1"/>
+        </a:fontRef>
+      </dsp:style>
+      <dsp:txBody>
+        <a:bodyPr spcFirstLastPara="0" vert="horz" wrap="square" lIns="28575" tIns="19050" rIns="28575" bIns="19050" numCol="1" spcCol="1270" anchor="ctr" anchorCtr="0">
+          <a:noAutofit/>
+        </a:bodyPr>
+        <a:lstStyle/>
+        <a:p>
+          <a:pPr marL="0" lvl="0" indent="0" algn="ctr" defTabSz="666750">
+            <a:lnSpc>
+              <a:spcPct val="90000"/>
+            </a:lnSpc>
+            <a:spcBef>
+              <a:spcPct val="0"/>
+            </a:spcBef>
+            <a:spcAft>
+              <a:spcPct val="35000"/>
+            </a:spcAft>
+            <a:buNone/>
+          </a:pPr>
+          <a:r>
+            <a:rPr lang="en-US" sz="1500" kern="1200" dirty="0"/>
+            <a:t>Object-Oriented Programming</a:t>
+          </a:r>
+        </a:p>
+      </dsp:txBody>
+      <dsp:txXfrm>
+        <a:off x="4148451" y="21324"/>
+        <a:ext cx="1397015" cy="677431"/>
+      </dsp:txXfrm>
+    </dsp:sp>
+    <dsp:sp modelId="{278D3975-9588-4A95-85BD-D062BB0AE1A4}">
+      <dsp:nvSpPr>
+        <dsp:cNvPr id="0" name=""/>
+        <dsp:cNvSpPr/>
+      </dsp:nvSpPr>
+      <dsp:spPr>
+        <a:xfrm>
+          <a:off x="4271292" y="719832"/>
+          <a:ext cx="143916" cy="539687"/>
+        </a:xfrm>
+        <a:custGeom>
+          <a:avLst/>
+          <a:gdLst/>
+          <a:ahLst/>
+          <a:cxnLst/>
+          <a:rect l="0" t="0" r="0" b="0"/>
+          <a:pathLst>
+            <a:path>
+              <a:moveTo>
+                <a:pt x="0" y="0"/>
+              </a:moveTo>
+              <a:lnTo>
+                <a:pt x="0" y="539687"/>
+              </a:lnTo>
+              <a:lnTo>
+                <a:pt x="143916" y="539687"/>
+              </a:lnTo>
+            </a:path>
+          </a:pathLst>
+        </a:custGeom>
+        <a:noFill/>
+        <a:ln w="25400" cap="flat" cmpd="sng" algn="ctr">
+          <a:solidFill>
+            <a:schemeClr val="accent1">
+              <a:shade val="60000"/>
+              <a:hueOff val="0"/>
+              <a:satOff val="0"/>
+              <a:lumOff val="0"/>
+              <a:alphaOff val="0"/>
+            </a:schemeClr>
+          </a:solidFill>
+          <a:prstDash val="solid"/>
+        </a:ln>
+        <a:effectLst/>
+      </dsp:spPr>
+      <dsp:style>
+        <a:lnRef idx="2">
+          <a:scrgbClr r="0" g="0" b="0"/>
+        </a:lnRef>
+        <a:fillRef idx="0">
+          <a:scrgbClr r="0" g="0" b="0"/>
+        </a:fillRef>
+        <a:effectRef idx="0">
+          <a:scrgbClr r="0" g="0" b="0"/>
+        </a:effectRef>
+        <a:fontRef idx="minor"/>
+      </dsp:style>
+    </dsp:sp>
+    <dsp:sp modelId="{EDB6085A-8F2B-4B84-887D-9DD4BEC6E4E1}">
+      <dsp:nvSpPr>
+        <dsp:cNvPr id="0" name=""/>
+        <dsp:cNvSpPr/>
+      </dsp:nvSpPr>
+      <dsp:spPr>
+        <a:xfrm>
+          <a:off x="4415209" y="899728"/>
+          <a:ext cx="1151334" cy="719583"/>
+        </a:xfrm>
+        <a:prstGeom prst="roundRect">
+          <a:avLst>
+            <a:gd name="adj" fmla="val 10000"/>
+          </a:avLst>
+        </a:prstGeom>
+        <a:solidFill>
+          <a:schemeClr val="lt1">
+            <a:alpha val="90000"/>
+            <a:hueOff val="0"/>
+            <a:satOff val="0"/>
+            <a:lumOff val="0"/>
+            <a:alphaOff val="0"/>
+          </a:schemeClr>
+        </a:solidFill>
+        <a:ln w="25400" cap="flat" cmpd="sng" algn="ctr">
+          <a:solidFill>
+            <a:schemeClr val="accent1">
+              <a:hueOff val="0"/>
+              <a:satOff val="0"/>
+              <a:lumOff val="0"/>
+              <a:alphaOff val="0"/>
+            </a:schemeClr>
+          </a:solidFill>
+          <a:prstDash val="solid"/>
+        </a:ln>
+        <a:effectLst/>
+      </dsp:spPr>
+      <dsp:style>
+        <a:lnRef idx="2">
+          <a:scrgbClr r="0" g="0" b="0"/>
+        </a:lnRef>
+        <a:fillRef idx="1">
+          <a:scrgbClr r="0" g="0" b="0"/>
+        </a:fillRef>
+        <a:effectRef idx="0">
+          <a:scrgbClr r="0" g="0" b="0"/>
+        </a:effectRef>
+        <a:fontRef idx="minor"/>
+      </dsp:style>
+      <dsp:txBody>
+        <a:bodyPr spcFirstLastPara="0" vert="horz" wrap="square" lIns="28575" tIns="19050" rIns="28575" bIns="19050" numCol="1" spcCol="1270" anchor="ctr" anchorCtr="0">
+          <a:noAutofit/>
+        </a:bodyPr>
+        <a:lstStyle/>
+        <a:p>
+          <a:pPr marL="0" lvl="0" indent="0" algn="ctr" defTabSz="666750">
+            <a:lnSpc>
+              <a:spcPct val="90000"/>
+            </a:lnSpc>
+            <a:spcBef>
+              <a:spcPct val="0"/>
+            </a:spcBef>
+            <a:spcAft>
+              <a:spcPct val="35000"/>
+            </a:spcAft>
+            <a:buNone/>
+          </a:pPr>
+          <a:r>
+            <a:rPr lang="en-US" sz="1500" kern="1200" dirty="0"/>
+            <a:t>Interfaces and Classes</a:t>
+          </a:r>
+        </a:p>
+      </dsp:txBody>
+      <dsp:txXfrm>
+        <a:off x="4436285" y="920804"/>
+        <a:ext cx="1109182" cy="677431"/>
+      </dsp:txXfrm>
+    </dsp:sp>
+    <dsp:sp modelId="{FF100697-267A-4BC5-8DA9-B1F7321DFE84}">
+      <dsp:nvSpPr>
+        <dsp:cNvPr id="0" name=""/>
+        <dsp:cNvSpPr/>
+      </dsp:nvSpPr>
+      <dsp:spPr>
+        <a:xfrm>
+          <a:off x="4271292" y="719832"/>
+          <a:ext cx="143916" cy="1439167"/>
+        </a:xfrm>
+        <a:custGeom>
+          <a:avLst/>
+          <a:gdLst/>
+          <a:ahLst/>
+          <a:cxnLst/>
+          <a:rect l="0" t="0" r="0" b="0"/>
+          <a:pathLst>
+            <a:path>
+              <a:moveTo>
+                <a:pt x="0" y="0"/>
+              </a:moveTo>
+              <a:lnTo>
+                <a:pt x="0" y="1439167"/>
+              </a:lnTo>
+              <a:lnTo>
+                <a:pt x="143916" y="1439167"/>
+              </a:lnTo>
+            </a:path>
+          </a:pathLst>
+        </a:custGeom>
+        <a:noFill/>
+        <a:ln w="25400" cap="flat" cmpd="sng" algn="ctr">
+          <a:solidFill>
+            <a:schemeClr val="accent1">
+              <a:shade val="60000"/>
+              <a:hueOff val="0"/>
+              <a:satOff val="0"/>
+              <a:lumOff val="0"/>
+              <a:alphaOff val="0"/>
+            </a:schemeClr>
+          </a:solidFill>
+          <a:prstDash val="solid"/>
+        </a:ln>
+        <a:effectLst/>
+      </dsp:spPr>
+      <dsp:style>
+        <a:lnRef idx="2">
+          <a:scrgbClr r="0" g="0" b="0"/>
+        </a:lnRef>
+        <a:fillRef idx="0">
+          <a:scrgbClr r="0" g="0" b="0"/>
+        </a:fillRef>
+        <a:effectRef idx="0">
+          <a:scrgbClr r="0" g="0" b="0"/>
+        </a:effectRef>
+        <a:fontRef idx="minor"/>
+      </dsp:style>
+    </dsp:sp>
+    <dsp:sp modelId="{291D5A65-BA4D-4BF4-8D0F-050F9D81FBB6}">
+      <dsp:nvSpPr>
+        <dsp:cNvPr id="0" name=""/>
+        <dsp:cNvSpPr/>
+      </dsp:nvSpPr>
+      <dsp:spPr>
+        <a:xfrm>
+          <a:off x="4415209" y="1799208"/>
+          <a:ext cx="1151334" cy="719583"/>
+        </a:xfrm>
+        <a:prstGeom prst="roundRect">
+          <a:avLst>
+            <a:gd name="adj" fmla="val 10000"/>
+          </a:avLst>
+        </a:prstGeom>
+        <a:solidFill>
+          <a:schemeClr val="lt1">
+            <a:alpha val="90000"/>
+            <a:hueOff val="0"/>
+            <a:satOff val="0"/>
+            <a:lumOff val="0"/>
+            <a:alphaOff val="0"/>
+          </a:schemeClr>
+        </a:solidFill>
+        <a:ln w="25400" cap="flat" cmpd="sng" algn="ctr">
+          <a:solidFill>
+            <a:schemeClr val="accent1">
+              <a:hueOff val="0"/>
+              <a:satOff val="0"/>
+              <a:lumOff val="0"/>
+              <a:alphaOff val="0"/>
+            </a:schemeClr>
+          </a:solidFill>
+          <a:prstDash val="solid"/>
+        </a:ln>
+        <a:effectLst/>
+      </dsp:spPr>
+      <dsp:style>
+        <a:lnRef idx="2">
+          <a:scrgbClr r="0" g="0" b="0"/>
+        </a:lnRef>
+        <a:fillRef idx="1">
+          <a:scrgbClr r="0" g="0" b="0"/>
+        </a:fillRef>
+        <a:effectRef idx="0">
+          <a:scrgbClr r="0" g="0" b="0"/>
+        </a:effectRef>
+        <a:fontRef idx="minor"/>
+      </dsp:style>
+      <dsp:txBody>
+        <a:bodyPr spcFirstLastPara="0" vert="horz" wrap="square" lIns="28575" tIns="19050" rIns="28575" bIns="19050" numCol="1" spcCol="1270" anchor="ctr" anchorCtr="0">
+          <a:noAutofit/>
+        </a:bodyPr>
+        <a:lstStyle/>
+        <a:p>
+          <a:pPr marL="0" lvl="0" indent="0" algn="ctr" defTabSz="666750">
+            <a:lnSpc>
+              <a:spcPct val="90000"/>
+            </a:lnSpc>
+            <a:spcBef>
+              <a:spcPct val="0"/>
+            </a:spcBef>
+            <a:spcAft>
+              <a:spcPct val="35000"/>
+            </a:spcAft>
+            <a:buNone/>
+          </a:pPr>
+          <a:r>
+            <a:rPr lang="en-US" sz="1500" kern="1200" dirty="0"/>
+            <a:t>Inheritance</a:t>
+          </a:r>
+        </a:p>
+      </dsp:txBody>
+      <dsp:txXfrm>
+        <a:off x="4436285" y="1820284"/>
+        <a:ext cx="1109182" cy="677431"/>
+      </dsp:txXfrm>
+    </dsp:sp>
+    <dsp:sp modelId="{6B27DFF3-3021-4E99-BF73-829A6255425D}">
+      <dsp:nvSpPr>
+        <dsp:cNvPr id="0" name=""/>
+        <dsp:cNvSpPr/>
+      </dsp:nvSpPr>
+      <dsp:spPr>
+        <a:xfrm>
+          <a:off x="4271292" y="719832"/>
+          <a:ext cx="143916" cy="2338647"/>
+        </a:xfrm>
+        <a:custGeom>
+          <a:avLst/>
+          <a:gdLst/>
+          <a:ahLst/>
+          <a:cxnLst/>
+          <a:rect l="0" t="0" r="0" b="0"/>
+          <a:pathLst>
+            <a:path>
+              <a:moveTo>
+                <a:pt x="0" y="0"/>
+              </a:moveTo>
+              <a:lnTo>
+                <a:pt x="0" y="2338647"/>
+              </a:lnTo>
+              <a:lnTo>
+                <a:pt x="143916" y="2338647"/>
+              </a:lnTo>
+            </a:path>
+          </a:pathLst>
+        </a:custGeom>
+        <a:noFill/>
+        <a:ln w="25400" cap="flat" cmpd="sng" algn="ctr">
+          <a:solidFill>
+            <a:schemeClr val="accent1">
+              <a:shade val="60000"/>
+              <a:hueOff val="0"/>
+              <a:satOff val="0"/>
+              <a:lumOff val="0"/>
+              <a:alphaOff val="0"/>
+            </a:schemeClr>
+          </a:solidFill>
+          <a:prstDash val="solid"/>
+        </a:ln>
+        <a:effectLst/>
+      </dsp:spPr>
+      <dsp:style>
+        <a:lnRef idx="2">
+          <a:scrgbClr r="0" g="0" b="0"/>
+        </a:lnRef>
+        <a:fillRef idx="0">
+          <a:scrgbClr r="0" g="0" b="0"/>
+        </a:fillRef>
+        <a:effectRef idx="0">
+          <a:scrgbClr r="0" g="0" b="0"/>
+        </a:effectRef>
+        <a:fontRef idx="minor"/>
+      </dsp:style>
+    </dsp:sp>
+    <dsp:sp modelId="{88C17E61-7A2A-46D7-AC95-5E562286A33E}">
+      <dsp:nvSpPr>
+        <dsp:cNvPr id="0" name=""/>
+        <dsp:cNvSpPr/>
+      </dsp:nvSpPr>
+      <dsp:spPr>
+        <a:xfrm>
+          <a:off x="4415209" y="2698687"/>
+          <a:ext cx="1151334" cy="719583"/>
+        </a:xfrm>
+        <a:prstGeom prst="roundRect">
+          <a:avLst>
+            <a:gd name="adj" fmla="val 10000"/>
+          </a:avLst>
+        </a:prstGeom>
+        <a:solidFill>
+          <a:schemeClr val="lt1">
+            <a:alpha val="90000"/>
+            <a:hueOff val="0"/>
+            <a:satOff val="0"/>
+            <a:lumOff val="0"/>
+            <a:alphaOff val="0"/>
+          </a:schemeClr>
+        </a:solidFill>
+        <a:ln w="25400" cap="flat" cmpd="sng" algn="ctr">
+          <a:solidFill>
+            <a:schemeClr val="accent1">
+              <a:hueOff val="0"/>
+              <a:satOff val="0"/>
+              <a:lumOff val="0"/>
+              <a:alphaOff val="0"/>
+            </a:schemeClr>
+          </a:solidFill>
+          <a:prstDash val="solid"/>
+        </a:ln>
+        <a:effectLst/>
+      </dsp:spPr>
+      <dsp:style>
+        <a:lnRef idx="2">
+          <a:scrgbClr r="0" g="0" b="0"/>
+        </a:lnRef>
+        <a:fillRef idx="1">
+          <a:scrgbClr r="0" g="0" b="0"/>
+        </a:fillRef>
+        <a:effectRef idx="0">
+          <a:scrgbClr r="0" g="0" b="0"/>
+        </a:effectRef>
+        <a:fontRef idx="minor"/>
+      </dsp:style>
+      <dsp:txBody>
+        <a:bodyPr spcFirstLastPara="0" vert="horz" wrap="square" lIns="28575" tIns="19050" rIns="28575" bIns="19050" numCol="1" spcCol="1270" anchor="ctr" anchorCtr="0">
+          <a:noAutofit/>
+        </a:bodyPr>
+        <a:lstStyle/>
+        <a:p>
+          <a:pPr marL="0" lvl="0" indent="0" algn="ctr" defTabSz="666750">
+            <a:lnSpc>
+              <a:spcPct val="90000"/>
+            </a:lnSpc>
+            <a:spcBef>
+              <a:spcPct val="0"/>
+            </a:spcBef>
+            <a:spcAft>
+              <a:spcPct val="35000"/>
+            </a:spcAft>
+            <a:buNone/>
+          </a:pPr>
+          <a:r>
+            <a:rPr lang="en-US" sz="1500" kern="1200" dirty="0"/>
+            <a:t>Objects with Mutable State</a:t>
+          </a:r>
+        </a:p>
+      </dsp:txBody>
+      <dsp:txXfrm>
+        <a:off x="4436285" y="2719763"/>
+        <a:ext cx="1109182" cy="677431"/>
+      </dsp:txXfrm>
+    </dsp:sp>
+    <dsp:sp modelId="{E8A2D34D-9B35-4804-BD08-DC4453907292}">
+      <dsp:nvSpPr>
+        <dsp:cNvPr id="0" name=""/>
+        <dsp:cNvSpPr/>
+      </dsp:nvSpPr>
+      <dsp:spPr>
+        <a:xfrm>
+          <a:off x="4271292" y="719832"/>
+          <a:ext cx="143916" cy="3238127"/>
+        </a:xfrm>
+        <a:custGeom>
+          <a:avLst/>
+          <a:gdLst/>
+          <a:ahLst/>
+          <a:cxnLst/>
+          <a:rect l="0" t="0" r="0" b="0"/>
+          <a:pathLst>
+            <a:path>
+              <a:moveTo>
+                <a:pt x="0" y="0"/>
+              </a:moveTo>
+              <a:lnTo>
+                <a:pt x="0" y="3238127"/>
+              </a:lnTo>
+              <a:lnTo>
+                <a:pt x="143916" y="3238127"/>
+              </a:lnTo>
+            </a:path>
+          </a:pathLst>
+        </a:custGeom>
+        <a:noFill/>
+        <a:ln w="25400" cap="flat" cmpd="sng" algn="ctr">
+          <a:solidFill>
+            <a:schemeClr val="accent1">
+              <a:shade val="60000"/>
+              <a:hueOff val="0"/>
+              <a:satOff val="0"/>
+              <a:lumOff val="0"/>
+              <a:alphaOff val="0"/>
+            </a:schemeClr>
+          </a:solidFill>
+          <a:prstDash val="solid"/>
+        </a:ln>
+        <a:effectLst/>
+      </dsp:spPr>
+      <dsp:style>
+        <a:lnRef idx="2">
+          <a:scrgbClr r="0" g="0" b="0"/>
+        </a:lnRef>
+        <a:fillRef idx="0">
+          <a:scrgbClr r="0" g="0" b="0"/>
+        </a:fillRef>
+        <a:effectRef idx="0">
+          <a:scrgbClr r="0" g="0" b="0"/>
+        </a:effectRef>
+        <a:fontRef idx="minor"/>
+      </dsp:style>
+    </dsp:sp>
+    <dsp:sp modelId="{1B267FF2-7D4F-4C45-AA7C-4EA638A9F1C5}">
+      <dsp:nvSpPr>
+        <dsp:cNvPr id="0" name=""/>
+        <dsp:cNvSpPr/>
+      </dsp:nvSpPr>
+      <dsp:spPr>
+        <a:xfrm>
+          <a:off x="4415209" y="3598167"/>
+          <a:ext cx="1151334" cy="719583"/>
+        </a:xfrm>
+        <a:prstGeom prst="roundRect">
+          <a:avLst>
+            <a:gd name="adj" fmla="val 10000"/>
+          </a:avLst>
+        </a:prstGeom>
+        <a:solidFill>
+          <a:schemeClr val="lt1">
+            <a:alpha val="90000"/>
+            <a:hueOff val="0"/>
+            <a:satOff val="0"/>
+            <a:lumOff val="0"/>
+            <a:alphaOff val="0"/>
+          </a:schemeClr>
+        </a:solidFill>
+        <a:ln w="25400" cap="flat" cmpd="sng" algn="ctr">
+          <a:solidFill>
+            <a:schemeClr val="accent1">
+              <a:hueOff val="0"/>
+              <a:satOff val="0"/>
+              <a:lumOff val="0"/>
+              <a:alphaOff val="0"/>
+            </a:schemeClr>
+          </a:solidFill>
+          <a:prstDash val="solid"/>
+        </a:ln>
+        <a:effectLst/>
+      </dsp:spPr>
+      <dsp:style>
+        <a:lnRef idx="2">
+          <a:scrgbClr r="0" g="0" b="0"/>
+        </a:lnRef>
+        <a:fillRef idx="1">
+          <a:scrgbClr r="0" g="0" b="0"/>
+        </a:fillRef>
+        <a:effectRef idx="0">
+          <a:scrgbClr r="0" g="0" b="0"/>
+        </a:effectRef>
+        <a:fontRef idx="minor"/>
+      </dsp:style>
+      <dsp:txBody>
+        <a:bodyPr spcFirstLastPara="0" vert="horz" wrap="square" lIns="28575" tIns="19050" rIns="28575" bIns="19050" numCol="1" spcCol="1270" anchor="ctr" anchorCtr="0">
+          <a:noAutofit/>
+        </a:bodyPr>
+        <a:lstStyle/>
+        <a:p>
+          <a:pPr marL="0" lvl="0" indent="0" algn="ctr" defTabSz="666750">
+            <a:lnSpc>
+              <a:spcPct val="90000"/>
+            </a:lnSpc>
+            <a:spcBef>
+              <a:spcPct val="0"/>
+            </a:spcBef>
+            <a:spcAft>
+              <a:spcPct val="35000"/>
+            </a:spcAft>
+            <a:buNone/>
+          </a:pPr>
+          <a:r>
+            <a:rPr lang="en-US" sz="1500" kern="1200" dirty="0"/>
+            <a:t>Efficiency, Part 2</a:t>
+          </a:r>
+        </a:p>
+      </dsp:txBody>
+      <dsp:txXfrm>
+        <a:off x="4436285" y="3619243"/>
+        <a:ext cx="1109182" cy="677431"/>
+      </dsp:txXfrm>
+    </dsp:sp>
+  </dsp:spTree>
+</dsp:drawing>
+</file>
+
+<file path=ppt/diagrams/layout1.xml><?xml version="1.0" encoding="utf-8"?>
+<dgm:layoutDef xmlns:dgm="http://schemas.openxmlformats.org/drawingml/2006/diagram" xmlns:a="http://schemas.openxmlformats.org/drawingml/2006/main" uniqueId="urn:microsoft.com/office/officeart/2005/8/layout/hierarchy3">
+  <dgm:title val=""/>
+  <dgm:desc val=""/>
+  <dgm:catLst>
+    <dgm:cat type="hierarchy" pri="7000"/>
+    <dgm:cat type="list" pri="23000"/>
+    <dgm:cat type="relationship" pri="15000"/>
+    <dgm:cat type="convert" pri="7000"/>
+  </dgm:catLst>
+  <dgm:sampData>
+    <dgm:dataModel>
+      <dgm:ptLst>
+        <dgm:pt modelId="0" type="doc"/>
+        <dgm:pt modelId="1">
+          <dgm:prSet phldr="1"/>
+        </dgm:pt>
+        <dgm:pt modelId="11">
+          <dgm:prSet phldr="1"/>
+        </dgm:pt>
+        <dgm:pt modelId="12">
+          <dgm:prSet phldr="1"/>
+        </dgm:pt>
+        <dgm:pt modelId="2">
+          <dgm:prSet phldr="1"/>
+        </dgm:pt>
+        <dgm:pt modelId="21">
+          <dgm:prSet phldr="1"/>
+        </dgm:pt>
+        <dgm:pt modelId="22">
+          <dgm:prSet phldr="1"/>
+        </dgm:pt>
+      </dgm:ptLst>
+      <dgm:cxnLst>
+        <dgm:cxn modelId="4" srcId="0" destId="1" srcOrd="0" destOrd="0"/>
+        <dgm:cxn modelId="5" srcId="1" destId="11" srcOrd="0" destOrd="0"/>
+        <dgm:cxn modelId="6" srcId="1" destId="12" srcOrd="1" destOrd="0"/>
+        <dgm:cxn modelId="7" srcId="0" destId="2" srcOrd="1" destOrd="0"/>
+        <dgm:cxn modelId="8" srcId="2" destId="21" srcOrd="0" destOrd="0"/>
+        <dgm:cxn modelId="9" srcId="2" destId="22" srcOrd="1" destOrd="0"/>
+      </dgm:cxnLst>
+      <dgm:bg/>
+      <dgm:whole/>
+    </dgm:dataModel>
+  </dgm:sampData>
+  <dgm:styleData>
+    <dgm:dataModel>
+      <dgm:ptLst>
+        <dgm:pt modelId="0" type="doc"/>
+        <dgm:pt modelId="1"/>
+        <dgm:pt modelId="11"/>
+        <dgm:pt modelId="2"/>
+        <dgm:pt modelId="21"/>
+      </dgm:ptLst>
+      <dgm:cxnLst>
+        <dgm:cxn modelId="4" srcId="0" destId="1" srcOrd="0" destOrd="0"/>
+        <dgm:cxn modelId="5" srcId="0" destId="2" srcOrd="1" destOrd="0"/>
+        <dgm:cxn modelId="13" srcId="1" destId="11" srcOrd="0" destOrd="0"/>
+        <dgm:cxn modelId="23" srcId="2" destId="21" srcOrd="0" destOrd="0"/>
+      </dgm:cxnLst>
+      <dgm:bg/>
+      <dgm:whole/>
+    </dgm:dataModel>
+  </dgm:styleData>
+  <dgm:clrData>
+    <dgm:dataModel>
+      <dgm:ptLst>
+        <dgm:pt modelId="0" type="doc"/>
+        <dgm:pt modelId="1"/>
+        <dgm:pt modelId="11"/>
+        <dgm:pt modelId="2"/>
+        <dgm:pt modelId="21"/>
+        <dgm:pt modelId="3"/>
+        <dgm:pt modelId="31"/>
+        <dgm:pt modelId="4"/>
+        <dgm:pt modelId="41"/>
+      </dgm:ptLst>
+      <dgm:cxnLst>
+        <dgm:cxn modelId="5" srcId="0" destId="1" srcOrd="0" destOrd="0"/>
+        <dgm:cxn modelId="6" srcId="0" destId="2" srcOrd="1" destOrd="0"/>
+        <dgm:cxn modelId="7" srcId="0" destId="3" srcOrd="2" destOrd="0"/>
+        <dgm:cxn modelId="8" srcId="0" destId="4" srcOrd="3" destOrd="0"/>
+        <dgm:cxn modelId="13" srcId="1" destId="11" srcOrd="0" destOrd="0"/>
+        <dgm:cxn modelId="23" srcId="2" destId="21" srcOrd="0" destOrd="0"/>
+        <dgm:cxn modelId="33" srcId="3" destId="31" srcOrd="0" destOrd="0"/>
+        <dgm:cxn modelId="43" srcId="4" destId="41" srcOrd="0" destOrd="0"/>
+      </dgm:cxnLst>
+      <dgm:bg/>
+      <dgm:whole/>
+    </dgm:dataModel>
+  </dgm:clrData>
+  <dgm:layoutNode name="diagram">
+    <dgm:varLst>
+      <dgm:chPref val="1"/>
+      <dgm:dir/>
+      <dgm:animOne val="branch"/>
+      <dgm:animLvl val="lvl"/>
+      <dgm:resizeHandles/>
+    </dgm:varLst>
+    <dgm:choose name="Name0">
+      <dgm:if name="Name1" func="var" arg="dir" op="equ" val="norm">
+        <dgm:alg type="hierChild">
+          <dgm:param type="linDir" val="fromL"/>
+        </dgm:alg>
+      </dgm:if>
+      <dgm:else name="Name2">
+        <dgm:alg type="hierChild">
+          <dgm:param type="linDir" val="fromR"/>
+        </dgm:alg>
+      </dgm:else>
+    </dgm:choose>
+    <dgm:shape xmlns:r="http://schemas.openxmlformats.org/officeDocument/2006/relationships" r:blip="">
+      <dgm:adjLst/>
+    </dgm:shape>
+    <dgm:presOf/>
+    <dgm:constrLst>
+      <dgm:constr type="primFontSz" for="des" forName="rootText" op="equ" val="65"/>
+      <dgm:constr type="primFontSz" for="des" forName="childText" op="equ" val="65"/>
+      <dgm:constr type="w" for="des" forName="rootComposite" refType="w"/>
+      <dgm:constr type="h" for="des" forName="rootComposite" refType="w" fact="0.5"/>
+      <dgm:constr type="w" for="des" forName="childText" refType="w" refFor="des" refForName="rootComposite" fact="0.8"/>
+      <dgm:constr type="h" for="des" forName="childText" refType="h" refFor="des" refForName="rootComposite"/>
+      <dgm:constr type="sibSp" refType="w" refFor="des" refForName="rootComposite" fact="0.25"/>
+      <dgm:constr type="sibSp" for="des" forName="childShape" refType="h" refFor="des" refForName="childText" fact="0.25"/>
+      <dgm:constr type="sp" for="des" forName="root" refType="h" refFor="des" refForName="childText" fact="0.25"/>
+    </dgm:constrLst>
+    <dgm:ruleLst/>
+    <dgm:forEach name="Name3" axis="ch">
+      <dgm:forEach name="Name4" axis="self" ptType="node" cnt="1">
+        <dgm:layoutNode name="root">
+          <dgm:choose name="Name5">
+            <dgm:if name="Name6" func="var" arg="dir" op="equ" val="norm">
+              <dgm:alg type="hierRoot">
+                <dgm:param type="hierAlign" val="tL"/>
+              </dgm:alg>
+            </dgm:if>
+            <dgm:else name="Name7">
+              <dgm:alg type="hierRoot">
+                <dgm:param type="hierAlign" val="tR"/>
+              </dgm:alg>
+            </dgm:else>
+          </dgm:choose>
+          <dgm:shape xmlns:r="http://schemas.openxmlformats.org/officeDocument/2006/relationships" r:blip="">
+            <dgm:adjLst/>
+          </dgm:shape>
+          <dgm:presOf/>
+          <dgm:constrLst>
+            <dgm:constr type="alignOff" val="0.2"/>
+          </dgm:constrLst>
+          <dgm:ruleLst/>
+          <dgm:layoutNode name="rootComposite">
+            <dgm:alg type="composite"/>
+            <dgm:shape xmlns:r="http://schemas.openxmlformats.org/officeDocument/2006/relationships" r:blip="">
+              <dgm:adjLst/>
+            </dgm:shape>
+            <dgm:presOf axis="self" ptType="node" cnt="1"/>
+            <dgm:choose name="Name8">
+              <dgm:if name="Name9" func="var" arg="dir" op="equ" val="norm">
+                <dgm:constrLst>
+                  <dgm:constr type="l" for="ch" forName="rootText"/>
+                  <dgm:constr type="t" for="ch" forName="rootText"/>
+                  <dgm:constr type="w" for="ch" forName="rootText" refType="w"/>
+                  <dgm:constr type="h" for="ch" forName="rootText" refType="h"/>
+                  <dgm:constr type="l" for="ch" forName="rootConnector"/>
+                  <dgm:constr type="t" for="ch" forName="rootConnector"/>
+                  <dgm:constr type="w" for="ch" forName="rootConnector" refType="w" refFor="ch" refForName="rootText" fact="0.2"/>
+                  <dgm:constr type="h" for="ch" forName="rootConnector" refType="h" refFor="ch" refForName="rootText"/>
+                </dgm:constrLst>
+              </dgm:if>
+              <dgm:else name="Name10">
+                <dgm:constrLst>
+                  <dgm:constr type="l" for="ch" forName="rootText"/>
+                  <dgm:constr type="t" for="ch" forName="rootText"/>
+                  <dgm:constr type="w" for="ch" forName="rootText" refType="w"/>
+                  <dgm:constr type="h" for="ch" forName="rootText" refType="h"/>
+                  <dgm:constr type="r" for="ch" forName="rootConnector" refType="w"/>
+                  <dgm:constr type="t" for="ch" forName="rootConnector"/>
+                  <dgm:constr type="w" for="ch" forName="rootConnector" refType="w" refFor="ch" refForName="rootText" fact="0.2"/>
+                  <dgm:constr type="h" for="ch" forName="rootConnector" refType="h" refFor="ch" refForName="rootText"/>
+                </dgm:constrLst>
+              </dgm:else>
+            </dgm:choose>
+            <dgm:ruleLst/>
+            <dgm:layoutNode name="rootText" styleLbl="node1">
+              <dgm:alg type="tx"/>
+              <dgm:shape xmlns:r="http://schemas.openxmlformats.org/officeDocument/2006/relationships" type="roundRect" r:blip="">
+                <dgm:adjLst>
+                  <dgm:adj idx="1" val="0.1"/>
+                </dgm:adjLst>
+              </dgm:shape>
+              <dgm:presOf axis="self" ptType="node" cnt="1"/>
+              <dgm:constrLst>
+                <dgm:constr type="tMarg" refType="primFontSz" fact="0.1"/>
+                <dgm:constr type="bMarg" refType="primFontSz" fact="0.1"/>
+                <dgm:constr type="lMarg" refType="primFontSz" fact="0.15"/>
+                <dgm:constr type="rMarg" refType="primFontSz" fact="0.15"/>
+              </dgm:constrLst>
+              <dgm:ruleLst>
+                <dgm:rule type="primFontSz" val="5" fact="NaN" max="NaN"/>
+              </dgm:ruleLst>
+            </dgm:layoutNode>
+            <dgm:layoutNode name="rootConnector" moveWith="rootText">
+              <dgm:alg type="sp"/>
+              <dgm:shape xmlns:r="http://schemas.openxmlformats.org/officeDocument/2006/relationships" type="roundRect" r:blip="" hideGeom="1">
+                <dgm:adjLst>
+                  <dgm:adj idx="1" val="0.1"/>
+                </dgm:adjLst>
+              </dgm:shape>
+              <dgm:presOf axis="self" ptType="node" cnt="1"/>
+              <dgm:constrLst/>
+              <dgm:ruleLst/>
+            </dgm:layoutNode>
+          </dgm:layoutNode>
+          <dgm:layoutNode name="childShape">
+            <dgm:alg type="hierChild">
+              <dgm:param type="chAlign" val="l"/>
+              <dgm:param type="linDir" val="fromT"/>
+            </dgm:alg>
+            <dgm:shape xmlns:r="http://schemas.openxmlformats.org/officeDocument/2006/relationships" r:blip="">
+              <dgm:adjLst/>
+            </dgm:shape>
+            <dgm:presOf/>
+            <dgm:constrLst/>
+            <dgm:ruleLst/>
+            <dgm:forEach name="Name11" axis="ch">
+              <dgm:forEach name="Name12" axis="self" ptType="parTrans" cnt="1">
+                <dgm:layoutNode name="Name13">
+                  <dgm:choose name="Name14">
+                    <dgm:if name="Name15" func="var" arg="dir" op="equ" val="norm">
+                      <dgm:alg type="conn">
+                        <dgm:param type="dim" val="1D"/>
+                        <dgm:param type="endSty" val="noArr"/>
+                        <dgm:param type="connRout" val="bend"/>
+                        <dgm:param type="srcNode" val="rootConnector"/>
+                        <dgm:param type="begPts" val="bCtr"/>
+                        <dgm:param type="endPts" val="midL"/>
+                      </dgm:alg>
+                    </dgm:if>
+                    <dgm:else name="Name16">
+                      <dgm:alg type="conn">
+                        <dgm:param type="dim" val="1D"/>
+                        <dgm:param type="endSty" val="noArr"/>
+                        <dgm:param type="connRout" val="bend"/>
+                        <dgm:param type="srcNode" val="rootConnector"/>
+                        <dgm:param type="begPts" val="bCtr"/>
+                        <dgm:param type="endPts" val="midR"/>
+                      </dgm:alg>
+                    </dgm:else>
+                  </dgm:choose>
+                  <dgm:shape xmlns:r="http://schemas.openxmlformats.org/officeDocument/2006/relationships" type="conn" r:blip="">
+                    <dgm:adjLst/>
+                  </dgm:shape>
+                  <dgm:presOf axis="self"/>
+                  <dgm:constrLst>
+                    <dgm:constr type="begPad"/>
+                    <dgm:constr type="endPad"/>
+                  </dgm:constrLst>
+                  <dgm:ruleLst/>
+                </dgm:layoutNode>
+              </dgm:forEach>
+              <dgm:forEach name="Name17" axis="self" ptType="node">
+                <dgm:layoutNode name="childText" styleLbl="bgAcc1">
+                  <dgm:varLst>
+                    <dgm:bulletEnabled val="1"/>
+                  </dgm:varLst>
+                  <dgm:alg type="tx"/>
+                  <dgm:shape xmlns:r="http://schemas.openxmlformats.org/officeDocument/2006/relationships" type="roundRect" r:blip="">
+                    <dgm:adjLst>
+                      <dgm:adj idx="1" val="0.1"/>
+                    </dgm:adjLst>
+                  </dgm:shape>
+                  <dgm:presOf axis="self desOrSelf" ptType="node node" st="1 1" cnt="1 0"/>
+                  <dgm:constrLst>
+                    <dgm:constr type="tMarg" refType="primFontSz" fact="0.1"/>
+                    <dgm:constr type="bMarg" refType="primFontSz" fact="0.1"/>
+                    <dgm:constr type="lMarg" refType="primFontSz" fact="0.15"/>
+                    <dgm:constr type="rMarg" refType="primFontSz" fact="0.15"/>
+                  </dgm:constrLst>
+                  <dgm:ruleLst>
+                    <dgm:rule type="primFontSz" val="5" fact="NaN" max="NaN"/>
+                  </dgm:ruleLst>
+                </dgm:layoutNode>
+              </dgm:forEach>
+            </dgm:forEach>
+          </dgm:layoutNode>
+        </dgm:layoutNode>
+      </dgm:forEach>
+    </dgm:forEach>
+  </dgm:layoutNode>
+</dgm:layoutDef>
+</file>
+
+<file path=ppt/diagrams/quickStyle1.xml><?xml version="1.0" encoding="utf-8"?>
+<dgm:styleDef xmlns:dgm="http://schemas.openxmlformats.org/drawingml/2006/diagram" xmlns:a="http://schemas.openxmlformats.org/drawingml/2006/main" uniqueId="urn:microsoft.com/office/officeart/2005/8/quickstyle/simple1">
+  <dgm:title val=""/>
+  <dgm:desc val=""/>
+  <dgm:catLst>
+    <dgm:cat type="simple" pri="10100"/>
+  </dgm:catLst>
+  <dgm:scene3d>
+    <a:camera prst="orthographicFront"/>
+    <a:lightRig rig="threePt" dir="t"/>
+  </dgm:scene3d>
+  <dgm:styleLbl name="node0">
+    <dgm:scene3d>
+      <a:camera prst="orthographicFront"/>
+      <a:lightRig rig="threePt" dir="t"/>
+    </dgm:scene3d>
+    <dgm:sp3d/>
+    <dgm:txPr/>
+    <dgm:style>
+      <a:lnRef idx="2">
+        <a:scrgbClr r="0" g="0" b="0"/>
+      </a:lnRef>
+      <a:fillRef idx="1">
+        <a:scrgbClr r="0" g="0" b="0"/>
+      </a:fillRef>
+      <a:effectRef idx="0">
+        <a:scrgbClr r="0" g="0" b="0"/>
+      </a:effectRef>
+      <a:fontRef idx="minor">
+        <a:schemeClr val="lt1"/>
+      </a:fontRef>
+    </dgm:style>
+  </dgm:styleLbl>
+  <dgm:styleLbl name="lnNode1">
+    <dgm:scene3d>
+      <a:camera prst="orthographicFront"/>
+      <a:lightRig rig="threePt" dir="t"/>
+    </dgm:scene3d>
+    <dgm:sp3d/>
+    <dgm:txPr/>
+    <dgm:style>
+      <a:lnRef idx="2">
+        <a:scrgbClr r="0" g="0" b="0"/>
+      </a:lnRef>
+      <a:fillRef idx="1">
+        <a:scrgbClr r="0" g="0" b="0"/>
+      </a:fillRef>
+      <a:effectRef idx="0">
+        <a:scrgbClr r="0" g="0" b="0"/>
+      </a:effectRef>
+      <a:fontRef idx="minor">
+        <a:schemeClr val="lt1"/>
+      </a:fontRef>
+    </dgm:style>
+  </dgm:styleLbl>
+  <dgm:styleLbl name="vennNode1">
+    <dgm:scene3d>
+      <a:camera prst="orthographicFront"/>
+      <a:lightRig rig="threePt" dir="t"/>
+    </dgm:scene3d>
+    <dgm:sp3d/>
+    <dgm:txPr/>
+    <dgm:style>
+      <a:lnRef idx="2">
+        <a:scrgbClr r="0" g="0" b="0"/>
+      </a:lnRef>
+      <a:fillRef idx="1">
+        <a:scrgbClr r="0" g="0" b="0"/>
+      </a:fillRef>
+      <a:effectRef idx="0">
+        <a:scrgbClr r="0" g="0" b="0"/>
+      </a:effectRef>
+      <a:fontRef idx="minor">
+        <a:schemeClr val="tx1"/>
+      </a:fontRef>
+    </dgm:style>
+  </dgm:styleLbl>
+  <dgm:styleLbl name="alignNode1">
+    <dgm:scene3d>
+      <a:camera prst="orthographicFront"/>
+      <a:lightRig rig="threePt" dir="t"/>
+    </dgm:scene3d>
+    <dgm:sp3d/>
+    <dgm:txPr/>
+    <dgm:style>
+      <a:lnRef idx="2">
+        <a:scrgbClr r="0" g="0" b="0"/>
+      </a:lnRef>
+      <a:fillRef idx="1">
+        <a:scrgbClr r="0" g="0" b="0"/>
+      </a:fillRef>
+      <a:effectRef idx="0">
+        <a:scrgbClr r="0" g="0" b="0"/>
+      </a:effectRef>
+      <a:fontRef idx="minor">
+        <a:schemeClr val="lt1"/>
+      </a:fontRef>
+    </dgm:style>
+  </dgm:styleLbl>
+  <dgm:styleLbl name="node1">
+    <dgm:scene3d>
+      <a:camera prst="orthographicFront"/>
+      <a:lightRig rig="threePt" dir="t"/>
+    </dgm:scene3d>
+    <dgm:sp3d/>
+    <dgm:txPr/>
+    <dgm:style>
+      <a:lnRef idx="2">
+        <a:scrgbClr r="0" g="0" b="0"/>
+      </a:lnRef>
+      <a:fillRef idx="1">
+        <a:scrgbClr r="0" g="0" b="0"/>
+      </a:fillRef>
+      <a:effectRef idx="0">
+        <a:scrgbClr r="0" g="0" b="0"/>
+      </a:effectRef>
+      <a:fontRef idx="minor">
+        <a:schemeClr val="lt1"/>
+      </a:fontRef>
+    </dgm:style>
+  </dgm:styleLbl>
+  <dgm:styleLbl name="node2">
+    <dgm:scene3d>
+      <a:camera prst="orthographicFront"/>
+      <a:lightRig rig="threePt" dir="t"/>
+    </dgm:scene3d>
+    <dgm:sp3d/>
+    <dgm:txPr/>
+    <dgm:style>
+      <a:lnRef idx="2">
+        <a:scrgbClr r="0" g="0" b="0"/>
+      </a:lnRef>
+      <a:fillRef idx="1">
+        <a:scrgbClr r="0" g="0" b="0"/>
+      </a:fillRef>
+      <a:effectRef idx="0">
+        <a:scrgbClr r="0" g="0" b="0"/>
+      </a:effectRef>
+      <a:fontRef idx="minor">
+        <a:schemeClr val="lt1"/>
+      </a:fontRef>
+    </dgm:style>
+  </dgm:styleLbl>
+  <dgm:styleLbl name="node3">
+    <dgm:scene3d>
+      <a:camera prst="orthographicFront"/>
+      <a:lightRig rig="threePt" dir="t"/>
+    </dgm:scene3d>
+    <dgm:sp3d/>
+    <dgm:txPr/>
+    <dgm:style>
+      <a:lnRef idx="2">
+        <a:scrgbClr r="0" g="0" b="0"/>
+      </a:lnRef>
+      <a:fillRef idx="1">
+        <a:scrgbClr r="0" g="0" b="0"/>
+      </a:fillRef>
+      <a:effectRef idx="0">
+        <a:scrgbClr r="0" g="0" b="0"/>
+      </a:effectRef>
+      <a:fontRef idx="minor">
+        <a:schemeClr val="lt1"/>
+      </a:fontRef>
+    </dgm:style>
+  </dgm:styleLbl>
+  <dgm:styleLbl name="node4">
+    <dgm:scene3d>
+      <a:camera prst="orthographicFront"/>
+      <a:lightRig rig="threePt" dir="t"/>
+    </dgm:scene3d>
+    <dgm:sp3d/>
+    <dgm:txPr/>
+    <dgm:style>
+      <a:lnRef idx="2">
+        <a:scrgbClr r="0" g="0" b="0"/>
+      </a:lnRef>
+      <a:fillRef idx="1">
+        <a:scrgbClr r="0" g="0" b="0"/>
+      </a:fillRef>
+      <a:effectRef idx="0">
+        <a:scrgbClr r="0" g="0" b="0"/>
+      </a:effectRef>
+      <a:fontRef idx="minor">
+        <a:schemeClr val="lt1"/>
+      </a:fontRef>
+    </dgm:style>
+  </dgm:styleLbl>
+  <dgm:styleLbl name="fgImgPlace1">
+    <dgm:scene3d>
+      <a:camera prst="orthographicFront"/>
+      <a:lightRig rig="threePt" dir="t"/>
+    </dgm:scene3d>
+    <dgm:sp3d/>
+    <dgm:txPr/>
+    <dgm:style>
+      <a:lnRef idx="2">
+        <a:scrgbClr r="0" g="0" b="0"/>
+      </a:lnRef>
+      <a:fillRef idx="1">
+        <a:scrgbClr r="0" g="0" b="0"/>
+      </a:fillRef>
+      <a:effectRef idx="0">
+        <a:scrgbClr r="0" g="0" b="0"/>
+      </a:effectRef>
+      <a:fontRef idx="minor"/>
+    </dgm:style>
+  </dgm:styleLbl>
+  <dgm:styleLbl name="alignImgPlace1">
+    <dgm:scene3d>
+      <a:camera prst="orthographicFront"/>
+      <a:lightRig rig="threePt" dir="t"/>
+    </dgm:scene3d>
+    <dgm:sp3d/>
+    <dgm:txPr/>
+    <dgm:style>
+      <a:lnRef idx="2">
+        <a:scrgbClr r="0" g="0" b="0"/>
+      </a:lnRef>
+      <a:fillRef idx="1">
+        <a:scrgbClr r="0" g="0" b="0"/>
+      </a:fillRef>
+      <a:effectRef idx="0">
+        <a:scrgbClr r="0" g="0" b="0"/>
+      </a:effectRef>
+      <a:fontRef idx="minor"/>
+    </dgm:style>
+  </dgm:styleLbl>
+  <dgm:styleLbl name="bgImgPlace1">
+    <dgm:scene3d>
+      <a:camera prst="orthographicFront"/>
+      <a:lightRig rig="threePt" dir="t"/>
+    </dgm:scene3d>
+    <dgm:sp3d/>
+    <dgm:txPr/>
+    <dgm:style>
+      <a:lnRef idx="2">
+        <a:scrgbClr r="0" g="0" b="0"/>
+      </a:lnRef>
+      <a:fillRef idx="1">
+        <a:scrgbClr r="0" g="0" b="0"/>
+      </a:fillRef>
+      <a:effectRef idx="0">
+        <a:scrgbClr r="0" g="0" b="0"/>
+      </a:effectRef>
+      <a:fontRef idx="minor"/>
+    </dgm:style>
+  </dgm:styleLbl>
+  <dgm:styleLbl name="sibTrans2D1">
+    <dgm:scene3d>
+      <a:camera prst="orthographicFront"/>
+      <a:lightRig rig="threePt" dir="t"/>
+    </dgm:scene3d>
+    <dgm:sp3d/>
+    <dgm:txPr/>
+    <dgm:style>
+      <a:lnRef idx="0">
+        <a:scrgbClr r="0" g="0" b="0"/>
+      </a:lnRef>
+      <a:fillRef idx="1">
+        <a:scrgbClr r="0" g="0" b="0"/>
+      </a:fillRef>
+      <a:effectRef idx="0">
+        <a:scrgbClr r="0" g="0" b="0"/>
+      </a:effectRef>
+      <a:fontRef idx="minor">
+        <a:schemeClr val="lt1"/>
+      </a:fontRef>
+    </dgm:style>
+  </dgm:styleLbl>
+  <dgm:styleLbl name="fgSibTrans2D1">
+    <dgm:scene3d>
+      <a:camera prst="orthographicFront"/>
+      <a:lightRig rig="threePt" dir="t"/>
+    </dgm:scene3d>
+    <dgm:sp3d/>
+    <dgm:txPr/>
+    <dgm:style>
+      <a:lnRef idx="0">
+        <a:scrgbClr r="0" g="0" b="0"/>
+      </a:lnRef>
+      <a:fillRef idx="1">
+        <a:scrgbClr r="0" g="0" b="0"/>
+      </a:fillRef>
+      <a:effectRef idx="0">
+        <a:scrgbClr r="0" g="0" b="0"/>
+      </a:effectRef>
+      <a:fontRef idx="minor">
+        <a:schemeClr val="lt1"/>
+      </a:fontRef>
+    </dgm:style>
+  </dgm:styleLbl>
+  <dgm:styleLbl name="bgSibTrans2D1">
+    <dgm:scene3d>
+      <a:camera prst="orthographicFront"/>
+      <a:lightRig rig="threePt" dir="t"/>
+    </dgm:scene3d>
+    <dgm:sp3d/>
+    <dgm:txPr/>
+    <dgm:style>
+      <a:lnRef idx="0">
+        <a:scrgbClr r="0" g="0" b="0"/>
+      </a:lnRef>
+      <a:fillRef idx="1">
+        <a:scrgbClr r="0" g="0" b="0"/>
+      </a:fillRef>
+      <a:effectRef idx="0">
+        <a:scrgbClr r="0" g="0" b="0"/>
+      </a:effectRef>
+      <a:fontRef idx="minor">
+        <a:schemeClr val="lt1"/>
+      </a:fontRef>
+    </dgm:style>
+  </dgm:styleLbl>
+  <dgm:styleLbl name="sibTrans1D1">
+    <dgm:scene3d>
+      <a:camera prst="orthographicFront"/>
+      <a:lightRig rig="threePt" dir="t"/>
+    </dgm:scene3d>
+    <dgm:sp3d/>
+    <dgm:txPr/>
+    <dgm:style>
+      <a:lnRef idx="1">
+        <a:scrgbClr r="0" g="0" b="0"/>
+      </a:lnRef>
+      <a:fillRef idx="0">
+        <a:scrgbClr r="0" g="0" b="0"/>
+      </a:fillRef>
+      <a:effectRef idx="0">
+        <a:scrgbClr r="0" g="0" b="0"/>
+      </a:effectRef>
+      <a:fontRef idx="minor"/>
+    </dgm:style>
+  </dgm:styleLbl>
+  <dgm:styleLbl name="callout">
+    <dgm:scene3d>
+      <a:camera prst="orthographicFront"/>
+      <a:lightRig rig="threePt" dir="t"/>
+    </dgm:scene3d>
+    <dgm:sp3d/>
+    <dgm:txPr/>
+    <dgm:style>
+      <a:lnRef idx="2">
+        <a:scrgbClr r="0" g="0" b="0"/>
+      </a:lnRef>
+      <a:fillRef idx="1">
+        <a:scrgbClr r="0" g="0" b="0"/>
+      </a:fillRef>
+      <a:effectRef idx="0">
+        <a:scrgbClr r="0" g="0" b="0"/>
+      </a:effectRef>
+      <a:fontRef idx="minor"/>
+    </dgm:style>
+  </dgm:styleLbl>
+  <dgm:styleLbl name="asst0">
+    <dgm:scene3d>
+      <a:camera prst="orthographicFront"/>
+      <a:lightRig rig="threePt" dir="t"/>
+    </dgm:scene3d>
+    <dgm:sp3d/>
+    <dgm:txPr/>
+    <dgm:style>
+      <a:lnRef idx="2">
+        <a:scrgbClr r="0" g="0" b="0"/>
+      </a:lnRef>
+      <a:fillRef idx="1">
+        <a:scrgbClr r="0" g="0" b="0"/>
+      </a:fillRef>
+      <a:effectRef idx="0">
+        <a:scrgbClr r="0" g="0" b="0"/>
+      </a:effectRef>
+      <a:fontRef idx="minor">
+        <a:schemeClr val="lt1"/>
+      </a:fontRef>
+    </dgm:style>
+  </dgm:styleLbl>
+  <dgm:styleLbl name="asst1">
+    <dgm:scene3d>
+      <a:camera prst="orthographicFront"/>
+      <a:lightRig rig="threePt" dir="t"/>
+    </dgm:scene3d>
+    <dgm:sp3d/>
+    <dgm:txPr/>
+    <dgm:style>
+      <a:lnRef idx="2">
+        <a:scrgbClr r="0" g="0" b="0"/>
+      </a:lnRef>
+      <a:fillRef idx="1">
+        <a:scrgbClr r="0" g="0" b="0"/>
+      </a:fillRef>
+      <a:effectRef idx="0">
+        <a:scrgbClr r="0" g="0" b="0"/>
+      </a:effectRef>
+      <a:fontRef idx="minor">
+        <a:schemeClr val="lt1"/>
+      </a:fontRef>
+    </dgm:style>
+  </dgm:styleLbl>
+  <dgm:styleLbl name="asst2">
+    <dgm:scene3d>
+      <a:camera prst="orthographicFront"/>
+      <a:lightRig rig="threePt" dir="t"/>
+    </dgm:scene3d>
+    <dgm:sp3d/>
+    <dgm:txPr/>
+    <dgm:style>
+      <a:lnRef idx="2">
+        <a:scrgbClr r="0" g="0" b="0"/>
+      </a:lnRef>
+      <a:fillRef idx="1">
+        <a:scrgbClr r="0" g="0" b="0"/>
+      </a:fillRef>
+      <a:effectRef idx="0">
+        <a:scrgbClr r="0" g="0" b="0"/>
+      </a:effectRef>
+      <a:fontRef idx="minor">
+        <a:schemeClr val="lt1"/>
+      </a:fontRef>
+    </dgm:style>
+  </dgm:styleLbl>
+  <dgm:styleLbl name="asst3">
+    <dgm:scene3d>
+      <a:camera prst="orthographicFront"/>
+      <a:lightRig rig="threePt" dir="t"/>
+    </dgm:scene3d>
+    <dgm:sp3d/>
+    <dgm:txPr/>
+    <dgm:style>
+      <a:lnRef idx="2">
+        <a:scrgbClr r="0" g="0" b="0"/>
+      </a:lnRef>
+      <a:fillRef idx="1">
+        <a:scrgbClr r="0" g="0" b="0"/>
+      </a:fillRef>
+      <a:effectRef idx="0">
+        <a:scrgbClr r="0" g="0" b="0"/>
+      </a:effectRef>
+      <a:fontRef idx="minor">
+        <a:schemeClr val="lt1"/>
+      </a:fontRef>
+    </dgm:style>
+  </dgm:styleLbl>
+  <dgm:styleLbl name="asst4">
+    <dgm:scene3d>
+      <a:camera prst="orthographicFront"/>
+      <a:lightRig rig="threePt" dir="t"/>
+    </dgm:scene3d>
+    <dgm:sp3d/>
+    <dgm:txPr/>
+    <dgm:style>
+      <a:lnRef idx="2">
+        <a:scrgbClr r="0" g="0" b="0"/>
+      </a:lnRef>
+      <a:fillRef idx="1">
+        <a:scrgbClr r="0" g="0" b="0"/>
+      </a:fillRef>
+      <a:effectRef idx="0">
+        <a:scrgbClr r="0" g="0" b="0"/>
+      </a:effectRef>
+      <a:fontRef idx="minor">
+        <a:schemeClr val="lt1"/>
+      </a:fontRef>
+    </dgm:style>
+  </dgm:styleLbl>
+  <dgm:styleLbl name="parChTrans2D1">
+    <dgm:scene3d>
+      <a:camera prst="orthographicFront"/>
+      <a:lightRig rig="threePt" dir="t"/>
+    </dgm:scene3d>
+    <dgm:sp3d/>
+    <dgm:txPr/>
+    <dgm:style>
+      <a:lnRef idx="2">
+        <a:scrgbClr r="0" g="0" b="0"/>
+      </a:lnRef>
+      <a:fillRef idx="1">
+        <a:scrgbClr r="0" g="0" b="0"/>
+      </a:fillRef>
+      <a:effectRef idx="0">
+        <a:scrgbClr r="0" g="0" b="0"/>
+      </a:effectRef>
+      <a:fontRef idx="minor">
+        <a:schemeClr val="lt1"/>
+      </a:fontRef>
+    </dgm:style>
+  </dgm:styleLbl>
+  <dgm:styleLbl name="parChTrans2D2">
+    <dgm:scene3d>
+      <a:camera prst="orthographicFront"/>
+      <a:lightRig rig="threePt" dir="t"/>
+    </dgm:scene3d>
+    <dgm:sp3d/>
+    <dgm:txPr/>
+    <dgm:style>
+      <a:lnRef idx="2">
+        <a:scrgbClr r="0" g="0" b="0"/>
+      </a:lnRef>
+      <a:fillRef idx="1">
+        <a:scrgbClr r="0" g="0" b="0"/>
+      </a:fillRef>
+      <a:effectRef idx="0">
+        <a:scrgbClr r="0" g="0" b="0"/>
+      </a:effectRef>
+      <a:fontRef idx="minor">
+        <a:schemeClr val="lt1"/>
+      </a:fontRef>
+    </dgm:style>
+  </dgm:styleLbl>
+  <dgm:styleLbl name="parChTrans2D3">
+    <dgm:scene3d>
+      <a:camera prst="orthographicFront"/>
+      <a:lightRig rig="threePt" dir="t"/>
+    </dgm:scene3d>
+    <dgm:sp3d/>
+    <dgm:txPr/>
+    <dgm:style>
+      <a:lnRef idx="2">
+        <a:scrgbClr r="0" g="0" b="0"/>
+      </a:lnRef>
+      <a:fillRef idx="1">
+        <a:scrgbClr r="0" g="0" b="0"/>
+      </a:fillRef>
+      <a:effectRef idx="0">
+        <a:scrgbClr r="0" g="0" b="0"/>
+      </a:effectRef>
+      <a:fontRef idx="minor">
+        <a:schemeClr val="lt1"/>
+      </a:fontRef>
+    </dgm:style>
+  </dgm:styleLbl>
+  <dgm:styleLbl name="parChTrans2D4">
+    <dgm:scene3d>
+      <a:camera prst="orthographicFront"/>
+      <a:lightRig rig="threePt" dir="t"/>
+    </dgm:scene3d>
+    <dgm:sp3d/>
+    <dgm:txPr/>
+    <dgm:style>
+      <a:lnRef idx="2">
+        <a:scrgbClr r="0" g="0" b="0"/>
+      </a:lnRef>
+      <a:fillRef idx="1">
+        <a:scrgbClr r="0" g="0" b="0"/>
+      </a:fillRef>
+      <a:effectRef idx="0">
+        <a:scrgbClr r="0" g="0" b="0"/>
+      </a:effectRef>
+      <a:fontRef idx="minor">
+        <a:schemeClr val="lt1"/>
+      </a:fontRef>
+    </dgm:style>
+  </dgm:styleLbl>
+  <dgm:styleLbl name="parChTrans1D1">
+    <dgm:scene3d>
+      <a:camera prst="orthographicFront"/>
+      <a:lightRig rig="threePt" dir="t"/>
+    </dgm:scene3d>
+    <dgm:sp3d/>
+    <dgm:txPr/>
+    <dgm:style>
+      <a:lnRef idx="2">
+        <a:scrgbClr r="0" g="0" b="0"/>
+      </a:lnRef>
+      <a:fillRef idx="0">
+        <a:scrgbClr r="0" g="0" b="0"/>
+      </a:fillRef>
+      <a:effectRef idx="0">
+        <a:scrgbClr r="0" g="0" b="0"/>
+      </a:effectRef>
+      <a:fontRef idx="minor"/>
+    </dgm:style>
+  </dgm:styleLbl>
+  <dgm:styleLbl name="parChTrans1D2">
+    <dgm:scene3d>
+      <a:camera prst="orthographicFront"/>
+      <a:lightRig rig="threePt" dir="t"/>
+    </dgm:scene3d>
+    <dgm:sp3d/>
+    <dgm:txPr/>
+    <dgm:style>
+      <a:lnRef idx="2">
+        <a:scrgbClr r="0" g="0" b="0"/>
+      </a:lnRef>
+      <a:fillRef idx="0">
+        <a:scrgbClr r="0" g="0" b="0"/>
+      </a:fillRef>
+      <a:effectRef idx="0">
+        <a:scrgbClr r="0" g="0" b="0"/>
+      </a:effectRef>
+      <a:fontRef idx="minor"/>
+    </dgm:style>
+  </dgm:styleLbl>
+  <dgm:styleLbl name="parChTrans1D3">
+    <dgm:scene3d>
+      <a:camera prst="orthographicFront"/>
+      <a:lightRig rig="threePt" dir="t"/>
+    </dgm:scene3d>
+    <dgm:sp3d/>
+    <dgm:txPr/>
+    <dgm:style>
+      <a:lnRef idx="2">
+        <a:scrgbClr r="0" g="0" b="0"/>
+      </a:lnRef>
+      <a:fillRef idx="0">
+        <a:scrgbClr r="0" g="0" b="0"/>
+      </a:fillRef>
+      <a:effectRef idx="0">
+        <a:scrgbClr r="0" g="0" b="0"/>
+      </a:effectRef>
+      <a:fontRef idx="minor"/>
+    </dgm:style>
+  </dgm:styleLbl>
+  <dgm:styleLbl name="parChTrans1D4">
+    <dgm:scene3d>
+      <a:camera prst="orthographicFront"/>
+      <a:lightRig rig="threePt" dir="t"/>
+    </dgm:scene3d>
+    <dgm:sp3d/>
+    <dgm:txPr/>
+    <dgm:style>
+      <a:lnRef idx="2">
+        <a:scrgbClr r="0" g="0" b="0"/>
+      </a:lnRef>
+      <a:fillRef idx="0">
+        <a:scrgbClr r="0" g="0" b="0"/>
+      </a:fillRef>
+      <a:effectRef idx="0">
+        <a:scrgbClr r="0" g="0" b="0"/>
+      </a:effectRef>
+      <a:fontRef idx="minor"/>
+    </dgm:style>
+  </dgm:styleLbl>
+  <dgm:styleLbl name="fgAcc1">
+    <dgm:scene3d>
+      <a:camera prst="orthographicFront"/>
+      <a:lightRig rig="threePt" dir="t"/>
+    </dgm:scene3d>
+    <dgm:sp3d/>
+    <dgm:txPr/>
+    <dgm:style>
+      <a:lnRef idx="2">
+        <a:scrgbClr r="0" g="0" b="0"/>
+      </a:lnRef>
+      <a:fillRef idx="1">
+        <a:scrgbClr r="0" g="0" b="0"/>
+      </a:fillRef>
+      <a:effectRef idx="0">
+        <a:scrgbClr r="0" g="0" b="0"/>
+      </a:effectRef>
+      <a:fontRef idx="minor"/>
+    </dgm:style>
+  </dgm:styleLbl>
+  <dgm:styleLbl name="conFgAcc1">
+    <dgm:scene3d>
+      <a:camera prst="orthographicFront"/>
+      <a:lightRig rig="threePt" dir="t"/>
+    </dgm:scene3d>
+    <dgm:sp3d/>
+    <dgm:txPr/>
+    <dgm:style>
+      <a:lnRef idx="2">
+        <a:scrgbClr r="0" g="0" b="0"/>
+      </a:lnRef>
+      <a:fillRef idx="1">
+        <a:scrgbClr r="0" g="0" b="0"/>
+      </a:fillRef>
+      <a:effectRef idx="0">
+        <a:scrgbClr r="0" g="0" b="0"/>
+      </a:effectRef>
+      <a:fontRef idx="minor"/>
+    </dgm:style>
+  </dgm:styleLbl>
+  <dgm:styleLbl name="alignAcc1">
+    <dgm:scene3d>
+      <a:camera prst="orthographicFront"/>
+      <a:lightRig rig="threePt" dir="t"/>
+    </dgm:scene3d>
+    <dgm:sp3d/>
+    <dgm:txPr/>
+    <dgm:style>
+      <a:lnRef idx="2">
+        <a:scrgbClr r="0" g="0" b="0"/>
+      </a:lnRef>
+      <a:fillRef idx="1">
+        <a:scrgbClr r="0" g="0" b="0"/>
+      </a:fillRef>
+      <a:effectRef idx="0">
+        <a:scrgbClr r="0" g="0" b="0"/>
+      </a:effectRef>
+      <a:fontRef idx="minor"/>
+    </dgm:style>
+  </dgm:styleLbl>
+  <dgm:styleLbl name="trAlignAcc1">
+    <dgm:scene3d>
+      <a:camera prst="orthographicFront"/>
+      <a:lightRig rig="threePt" dir="t"/>
+    </dgm:scene3d>
+    <dgm:sp3d/>
+    <dgm:txPr/>
+    <dgm:style>
+      <a:lnRef idx="1">
+        <a:scrgbClr r="0" g="0" b="0"/>
+      </a:lnRef>
+      <a:fillRef idx="1">
+        <a:scrgbClr r="0" g="0" b="0"/>
+      </a:fillRef>
+      <a:effectRef idx="0">
+        <a:scrgbClr r="0" g="0" b="0"/>
+      </a:effectRef>
+      <a:fontRef idx="minor"/>
+    </dgm:style>
+  </dgm:styleLbl>
+  <dgm:styleLbl name="bgAcc1">
+    <dgm:scene3d>
+      <a:camera prst="orthographicFront"/>
+      <a:lightRig rig="threePt" dir="t"/>
+    </dgm:scene3d>
+    <dgm:sp3d/>
+    <dgm:txPr/>
+    <dgm:style>
+      <a:lnRef idx="2">
+        <a:scrgbClr r="0" g="0" b="0"/>
+      </a:lnRef>
+      <a:fillRef idx="1">
+        <a:scrgbClr r="0" g="0" b="0"/>
+      </a:fillRef>
+      <a:effectRef idx="0">
+        <a:scrgbClr r="0" g="0" b="0"/>
+      </a:effectRef>
+      <a:fontRef idx="minor"/>
+    </dgm:style>
+  </dgm:styleLbl>
+  <dgm:styleLbl name="solidFgAcc1">
+    <dgm:scene3d>
+      <a:camera prst="orthographicFront"/>
+      <a:lightRig rig="threePt" dir="t"/>
+    </dgm:scene3d>
+    <dgm:sp3d/>
+    <dgm:txPr/>
+    <dgm:style>
+      <a:lnRef idx="2">
+        <a:scrgbClr r="0" g="0" b="0"/>
+      </a:lnRef>
+      <a:fillRef idx="1">
+        <a:scrgbClr r="0" g="0" b="0"/>
+      </a:fillRef>
+      <a:effectRef idx="0">
+        <a:scrgbClr r="0" g="0" b="0"/>
+      </a:effectRef>
+      <a:fontRef idx="minor"/>
+    </dgm:style>
+  </dgm:styleLbl>
+  <dgm:styleLbl name="solidAlignAcc1">
+    <dgm:scene3d>
+      <a:camera prst="orthographicFront"/>
+      <a:lightRig rig="threePt" dir="t"/>
+    </dgm:scene3d>
+    <dgm:sp3d/>
+    <dgm:txPr/>
+    <dgm:style>
+      <a:lnRef idx="2">
+        <a:scrgbClr r="0" g="0" b="0"/>
+      </a:lnRef>
+      <a:fillRef idx="1">
+        <a:scrgbClr r="0" g="0" b="0"/>
+      </a:fillRef>
+      <a:effectRef idx="0">
+        <a:scrgbClr r="0" g="0" b="0"/>
+      </a:effectRef>
+      <a:fontRef idx="minor"/>
+    </dgm:style>
+  </dgm:styleLbl>
+  <dgm:styleLbl name="solidBgAcc1">
+    <dgm:scene3d>
+      <a:camera prst="orthographicFront"/>
+      <a:lightRig rig="threePt" dir="t"/>
+    </dgm:scene3d>
+    <dgm:sp3d/>
+    <dgm:txPr/>
+    <dgm:style>
+      <a:lnRef idx="2">
+        <a:scrgbClr r="0" g="0" b="0"/>
+      </a:lnRef>
+      <a:fillRef idx="1">
+        <a:scrgbClr r="0" g="0" b="0"/>
+      </a:fillRef>
+      <a:effectRef idx="0">
+        <a:scrgbClr r="0" g="0" b="0"/>
+      </a:effectRef>
+      <a:fontRef idx="minor"/>
+    </dgm:style>
+  </dgm:styleLbl>
+  <dgm:styleLbl name="fgAccFollowNode1">
+    <dgm:scene3d>
+      <a:camera prst="orthographicFront"/>
+      <a:lightRig rig="threePt" dir="t"/>
+    </dgm:scene3d>
+    <dgm:sp3d/>
+    <dgm:txPr/>
+    <dgm:style>
+      <a:lnRef idx="2">
+        <a:scrgbClr r="0" g="0" b="0"/>
+      </a:lnRef>
+      <a:fillRef idx="1">
+        <a:scrgbClr r="0" g="0" b="0"/>
+      </a:fillRef>
+      <a:effectRef idx="0">
+        <a:scrgbClr r="0" g="0" b="0"/>
+      </a:effectRef>
+      <a:fontRef idx="minor"/>
+    </dgm:style>
+  </dgm:styleLbl>
+  <dgm:styleLbl name="alignAccFollowNode1">
+    <dgm:scene3d>
+      <a:camera prst="orthographicFront"/>
+      <a:lightRig rig="threePt" dir="t"/>
+    </dgm:scene3d>
+    <dgm:sp3d/>
+    <dgm:txPr/>
+    <dgm:style>
+      <a:lnRef idx="2">
+        <a:scrgbClr r="0" g="0" b="0"/>
+      </a:lnRef>
+      <a:fillRef idx="1">
+        <a:scrgbClr r="0" g="0" b="0"/>
+      </a:fillRef>
+      <a:effectRef idx="0">
+        <a:scrgbClr r="0" g="0" b="0"/>
+      </a:effectRef>
+      <a:fontRef idx="minor"/>
+    </dgm:style>
+  </dgm:styleLbl>
+  <dgm:styleLbl name="bgAccFollowNode1">
+    <dgm:scene3d>
+      <a:camera prst="orthographicFront"/>
+      <a:lightRig rig="threePt" dir="t"/>
+    </dgm:scene3d>
+    <dgm:sp3d/>
+    <dgm:txPr/>
+    <dgm:style>
+      <a:lnRef idx="2">
+        <a:scrgbClr r="0" g="0" b="0"/>
+      </a:lnRef>
+      <a:fillRef idx="1">
+        <a:scrgbClr r="0" g="0" b="0"/>
+      </a:fillRef>
+      <a:effectRef idx="0">
+        <a:scrgbClr r="0" g="0" b="0"/>
+      </a:effectRef>
+      <a:fontRef idx="minor"/>
+    </dgm:style>
+  </dgm:styleLbl>
+  <dgm:styleLbl name="fgAcc0">
+    <dgm:scene3d>
+      <a:camera prst="orthographicFront"/>
+      <a:lightRig rig="threePt" dir="t"/>
+    </dgm:scene3d>
+    <dgm:sp3d/>
+    <dgm:txPr/>
+    <dgm:style>
+      <a:lnRef idx="2">
+        <a:scrgbClr r="0" g="0" b="0"/>
+      </a:lnRef>
+      <a:fillRef idx="1">
+        <a:scrgbClr r="0" g="0" b="0"/>
+      </a:fillRef>
+      <a:effectRef idx="0">
+        <a:scrgbClr r="0" g="0" b="0"/>
+      </a:effectRef>
+      <a:fontRef idx="minor"/>
+    </dgm:style>
+  </dgm:styleLbl>
+  <dgm:styleLbl name="fgAcc2">
+    <dgm:scene3d>
+      <a:camera prst="orthographicFront"/>
+      <a:lightRig rig="threePt" dir="t"/>
+    </dgm:scene3d>
+    <dgm:sp3d/>
+    <dgm:txPr/>
+    <dgm:style>
+      <a:lnRef idx="2">
+        <a:scrgbClr r="0" g="0" b="0"/>
+      </a:lnRef>
+      <a:fillRef idx="1">
+        <a:scrgbClr r="0" g="0" b="0"/>
+      </a:fillRef>
+      <a:effectRef idx="0">
+        <a:scrgbClr r="0" g="0" b="0"/>
+      </a:effectRef>
+      <a:fontRef idx="minor"/>
+    </dgm:style>
+  </dgm:styleLbl>
+  <dgm:styleLbl name="fgAcc3">
+    <dgm:scene3d>
+      <a:camera prst="orthographicFront"/>
+      <a:lightRig rig="threePt" dir="t"/>
+    </dgm:scene3d>
+    <dgm:sp3d/>
+    <dgm:txPr/>
+    <dgm:style>
+      <a:lnRef idx="2">
+        <a:scrgbClr r="0" g="0" b="0"/>
+      </a:lnRef>
+      <a:fillRef idx="1">
+        <a:scrgbClr r="0" g="0" b="0"/>
+      </a:fillRef>
+      <a:effectRef idx="0">
+        <a:scrgbClr r="0" g="0" b="0"/>
+      </a:effectRef>
+      <a:fontRef idx="minor"/>
+    </dgm:style>
+  </dgm:styleLbl>
+  <dgm:styleLbl name="fgAcc4">
+    <dgm:scene3d>
+      <a:camera prst="orthographicFront"/>
+      <a:lightRig rig="threePt" dir="t"/>
+    </dgm:scene3d>
+    <dgm:sp3d/>
+    <dgm:txPr/>
+    <dgm:style>
+      <a:lnRef idx="2">
+        <a:scrgbClr r="0" g="0" b="0"/>
+      </a:lnRef>
+      <a:fillRef idx="1">
+        <a:scrgbClr r="0" g="0" b="0"/>
+      </a:fillRef>
+      <a:effectRef idx="0">
+        <a:scrgbClr r="0" g="0" b="0"/>
+      </a:effectRef>
+      <a:fontRef idx="minor"/>
+    </dgm:style>
+  </dgm:styleLbl>
+  <dgm:styleLbl name="bgShp">
+    <dgm:scene3d>
+      <a:camera prst="orthographicFront"/>
+      <a:lightRig rig="threePt" dir="t"/>
+    </dgm:scene3d>
+    <dgm:sp3d/>
+    <dgm:txPr/>
+    <dgm:style>
+      <a:lnRef idx="0">
+        <a:scrgbClr r="0" g="0" b="0"/>
+      </a:lnRef>
+      <a:fillRef idx="1">
+        <a:scrgbClr r="0" g="0" b="0"/>
+      </a:fillRef>
+      <a:effectRef idx="0">
+        <a:scrgbClr r="0" g="0" b="0"/>
+      </a:effectRef>
+      <a:fontRef idx="minor"/>
+    </dgm:style>
+  </dgm:styleLbl>
+  <dgm:styleLbl name="dkBgShp">
+    <dgm:scene3d>
+      <a:camera prst="orthographicFront"/>
+      <a:lightRig rig="threePt" dir="t"/>
+    </dgm:scene3d>
+    <dgm:sp3d/>
+    <dgm:txPr/>
+    <dgm:style>
+      <a:lnRef idx="0">
+        <a:scrgbClr r="0" g="0" b="0"/>
+      </a:lnRef>
+      <a:fillRef idx="1">
+        <a:scrgbClr r="0" g="0" b="0"/>
+      </a:fillRef>
+      <a:effectRef idx="0">
+        <a:scrgbClr r="0" g="0" b="0"/>
+      </a:effectRef>
+      <a:fontRef idx="minor"/>
+    </dgm:style>
+  </dgm:styleLbl>
+  <dgm:styleLbl name="trBgShp">
+    <dgm:scene3d>
+      <a:camera prst="orthographicFront"/>
+      <a:lightRig rig="threePt" dir="t"/>
+    </dgm:scene3d>
+    <dgm:sp3d/>
+    <dgm:txPr/>
+    <dgm:style>
+      <a:lnRef idx="0">
+        <a:scrgbClr r="0" g="0" b="0"/>
+      </a:lnRef>
+      <a:fillRef idx="1">
+        <a:scrgbClr r="0" g="0" b="0"/>
+      </a:fillRef>
+      <a:effectRef idx="0">
+        <a:scrgbClr r="0" g="0" b="0"/>
+      </a:effectRef>
+      <a:fontRef idx="minor"/>
+    </dgm:style>
+  </dgm:styleLbl>
+  <dgm:styleLbl name="fgShp">
+    <dgm:scene3d>
+      <a:camera prst="orthographicFront"/>
+      <a:lightRig rig="threePt" dir="t"/>
+    </dgm:scene3d>
+    <dgm:sp3d/>
+    <dgm:txPr/>
+    <dgm:style>
+      <a:lnRef idx="2">
+        <a:scrgbClr r="0" g="0" b="0"/>
+      </a:lnRef>
+      <a:fillRef idx="1">
+        <a:scrgbClr r="0" g="0" b="0"/>
+      </a:fillRef>
+      <a:effectRef idx="0">
+        <a:scrgbClr r="0" g="0" b="0"/>
+      </a:effectRef>
+      <a:fontRef idx="minor"/>
+    </dgm:style>
+  </dgm:styleLbl>
+  <dgm:styleLbl name="revTx">
+    <dgm:scene3d>
+      <a:camera prst="orthographicFront"/>
+      <a:lightRig rig="threePt" dir="t"/>
+    </dgm:scene3d>
+    <dgm:sp3d/>
+    <dgm:txPr/>
+    <dgm:style>
+      <a:lnRef idx="0">
+        <a:scrgbClr r="0" g="0" b="0"/>
+      </a:lnRef>
+      <a:fillRef idx="0">
+        <a:scrgbClr r="0" g="0" b="0"/>
+      </a:fillRef>
+      <a:effectRef idx="0">
+        <a:scrgbClr r="0" g="0" b="0"/>
+      </a:effectRef>
+      <a:fontRef idx="minor"/>
+    </dgm:style>
+  </dgm:styleLbl>
+</dgm:styleDef>
+</file>
+
 <file path=ppt/notesMasters/notesMaster1.xml><?xml version="1.0" encoding="utf-8"?>
 <p:notesMaster xmlns:a="http://schemas.openxmlformats.org/drawingml/2006/main" xmlns:r="http://schemas.openxmlformats.org/officeDocument/2006/relationships" xmlns:p="http://schemas.openxmlformats.org/presentationml/2006/main">
   <p:cSld>
@@ -224,7 +4857,7 @@
           <a:p>
             <a:fld id="{39B146F0-9122-4808-B0F9-3E08B8294872}" type="datetimeFigureOut">
               <a:rPr lang="en-US" smtClean="0"/>
-              <a:t>1/20/2017</a:t>
+              <a:t>7/21/2017</a:t>
             </a:fld>
             <a:endParaRPr lang="en-US"/>
           </a:p>
@@ -656,10 +5289,7 @@
           <a:bodyPr/>
           <a:lstStyle/>
           <a:p>
-            <a:r>
-              <a:rPr lang="en-US" dirty="0"/>
-              <a:t>Here is the function design recipe.  </a:t>
-            </a:r>
+            <a:endParaRPr lang="en-US"/>
           </a:p>
         </p:txBody>
       </p:sp>
@@ -678,9 +5308,8 @@
           <a:bodyPr/>
           <a:lstStyle/>
           <a:p>
-            <a:fld id="{6048B3DE-E9CD-4720-84B6-E24D30E64DE7}" type="slidenum">
+            <a:fld id="{9680CC5F-B70A-4D86-BBBF-E132BC41B131}" type="slidenum">
               <a:rPr lang="en-US" smtClean="0"/>
-              <a:pPr/>
               <a:t>11</a:t>
             </a:fld>
             <a:endParaRPr lang="en-US"/>
@@ -690,7 +5319,7 @@
     </p:spTree>
     <p:extLst>
       <p:ext uri="{BB962C8B-B14F-4D97-AF65-F5344CB8AC3E}">
-        <p14:creationId xmlns:p14="http://schemas.microsoft.com/office/powerpoint/2010/main" val="4027325373"/>
+        <p14:creationId xmlns:p14="http://schemas.microsoft.com/office/powerpoint/2010/main" val="4063843264"/>
       </p:ext>
     </p:extLst>
   </p:cSld>
@@ -744,7 +5373,10 @@
           <a:bodyPr/>
           <a:lstStyle/>
           <a:p>
-            <a:endParaRPr lang="en-US"/>
+            <a:r>
+              <a:rPr lang="en-US" dirty="0"/>
+              <a:t>Here is the function design recipe.  </a:t>
+            </a:r>
           </a:p>
         </p:txBody>
       </p:sp>
@@ -763,8 +5395,9 @@
           <a:bodyPr/>
           <a:lstStyle/>
           <a:p>
-            <a:fld id="{9680CC5F-B70A-4D86-BBBF-E132BC41B131}" type="slidenum">
+            <a:fld id="{6048B3DE-E9CD-4720-84B6-E24D30E64DE7}" type="slidenum">
               <a:rPr lang="en-US" smtClean="0"/>
+              <a:pPr/>
               <a:t>12</a:t>
             </a:fld>
             <a:endParaRPr lang="en-US"/>
@@ -774,7 +5407,7 @@
     </p:spTree>
     <p:extLst>
       <p:ext uri="{BB962C8B-B14F-4D97-AF65-F5344CB8AC3E}">
-        <p14:creationId xmlns:p14="http://schemas.microsoft.com/office/powerpoint/2010/main" val="4063843264"/>
+        <p14:creationId xmlns:p14="http://schemas.microsoft.com/office/powerpoint/2010/main" val="4027325373"/>
       </p:ext>
     </p:extLst>
   </p:cSld>
@@ -1894,7 +6527,7 @@
                   </a:prstClr>
                 </a:solidFill>
               </a:rPr>
-              <a:t>1/20/2017</a:t>
+              <a:t>7/21/2017</a:t>
             </a:fld>
             <a:endParaRPr lang="en-US">
               <a:solidFill>
@@ -2177,7 +6810,7 @@
                   </a:prstClr>
                 </a:solidFill>
               </a:rPr>
-              <a:t>1/20/2017</a:t>
+              <a:t>7/21/2017</a:t>
             </a:fld>
             <a:endParaRPr lang="en-US">
               <a:solidFill>
@@ -2376,7 +7009,7 @@
                   </a:prstClr>
                 </a:solidFill>
               </a:rPr>
-              <a:t>1/20/2017</a:t>
+              <a:t>7/21/2017</a:t>
             </a:fld>
             <a:endParaRPr lang="en-US">
               <a:solidFill>
@@ -2585,7 +7218,7 @@
                   </a:prstClr>
                 </a:solidFill>
               </a:rPr>
-              <a:t>1/20/2017</a:t>
+              <a:t>7/21/2017</a:t>
             </a:fld>
             <a:endParaRPr lang="en-US">
               <a:solidFill>
@@ -2790,7 +7423,7 @@
                   </a:prstClr>
                 </a:solidFill>
               </a:rPr>
-              <a:t>1/20/2017</a:t>
+              <a:t>7/21/2017</a:t>
             </a:fld>
             <a:endParaRPr lang="en-US" dirty="0">
               <a:solidFill>
@@ -2938,7 +7571,7 @@
                   </a:prstClr>
                 </a:solidFill>
               </a:rPr>
-              <a:t>1/20/2017</a:t>
+              <a:t>7/21/2017</a:t>
             </a:fld>
             <a:endParaRPr lang="en-US">
               <a:solidFill>
@@ -3214,7 +7847,7 @@
                   </a:prstClr>
                 </a:solidFill>
               </a:rPr>
-              <a:t>1/20/2017</a:t>
+              <a:t>7/21/2017</a:t>
             </a:fld>
             <a:endParaRPr lang="en-US">
               <a:solidFill>
@@ -3530,7 +8163,7 @@
                   </a:prstClr>
                 </a:solidFill>
               </a:rPr>
-              <a:t>1/20/2017</a:t>
+              <a:t>7/21/2017</a:t>
             </a:fld>
             <a:endParaRPr lang="en-US">
               <a:solidFill>
@@ -3980,7 +8613,7 @@
                   </a:prstClr>
                 </a:solidFill>
               </a:rPr>
-              <a:t>1/20/2017</a:t>
+              <a:t>7/21/2017</a:t>
             </a:fld>
             <a:endParaRPr lang="en-US">
               <a:solidFill>
@@ -4128,7 +8761,7 @@
                   </a:prstClr>
                 </a:solidFill>
               </a:rPr>
-              <a:t>1/20/2017</a:t>
+              <a:t>7/21/2017</a:t>
             </a:fld>
             <a:endParaRPr lang="en-US">
               <a:solidFill>
@@ -4254,7 +8887,7 @@
                   </a:prstClr>
                 </a:solidFill>
               </a:rPr>
-              <a:t>1/20/2017</a:t>
+              <a:t>7/21/2017</a:t>
             </a:fld>
             <a:endParaRPr lang="en-US">
               <a:solidFill>
@@ -4560,7 +9193,7 @@
                   </a:prstClr>
                 </a:solidFill>
               </a:rPr>
-              <a:t>1/20/2017</a:t>
+              <a:t>7/21/2017</a:t>
             </a:fld>
             <a:endParaRPr lang="en-US">
               <a:solidFill>
@@ -4802,7 +9435,7 @@
                   </a:prstClr>
                 </a:solidFill>
               </a:rPr>
-              <a:t>1/20/2017</a:t>
+              <a:t>7/21/2017</a:t>
             </a:fld>
             <a:endParaRPr lang="en-US">
               <a:solidFill>
@@ -5569,6 +10202,151 @@
       </p:grpSpPr>
       <p:sp>
         <p:nvSpPr>
+          <p:cNvPr id="2" name="Title 1"/>
+          <p:cNvSpPr>
+            <a:spLocks noGrp="1"/>
+          </p:cNvSpPr>
+          <p:nvPr>
+            <p:ph type="title"/>
+          </p:nvPr>
+        </p:nvSpPr>
+        <p:spPr/>
+        <p:txBody>
+          <a:bodyPr/>
+          <a:lstStyle/>
+          <a:p>
+            <a:r>
+              <a:rPr lang="en-US" dirty="0"/>
+              <a:t>The Function Design Recipe</a:t>
+            </a:r>
+          </a:p>
+        </p:txBody>
+      </p:sp>
+      <p:sp>
+        <p:nvSpPr>
+          <p:cNvPr id="3" name="Content Placeholder 2"/>
+          <p:cNvSpPr>
+            <a:spLocks noGrp="1"/>
+          </p:cNvSpPr>
+          <p:nvPr>
+            <p:ph idx="1"/>
+          </p:nvPr>
+        </p:nvSpPr>
+        <p:spPr/>
+        <p:txBody>
+          <a:bodyPr>
+            <a:normAutofit/>
+          </a:bodyPr>
+          <a:lstStyle/>
+          <a:p>
+            <a:r>
+              <a:rPr lang="en-US" dirty="0"/>
+              <a:t>This recipe tells you the </a:t>
+            </a:r>
+            <a:r>
+              <a:rPr lang="en-US" i="1" dirty="0">
+                <a:solidFill>
+                  <a:srgbClr val="FF0000"/>
+                </a:solidFill>
+              </a:rPr>
+              <a:t>order</a:t>
+            </a:r>
+            <a:r>
+              <a:rPr lang="en-US" dirty="0"/>
+              <a:t> in which to attack a programming problem.</a:t>
+            </a:r>
+          </a:p>
+          <a:p>
+            <a:r>
+              <a:rPr lang="en-US" dirty="0"/>
+              <a:t>You need to do these steps </a:t>
+            </a:r>
+            <a:r>
+              <a:rPr lang="en-US" i="1" u="sng" dirty="0">
+                <a:solidFill>
+                  <a:srgbClr val="FF0000"/>
+                </a:solidFill>
+              </a:rPr>
+              <a:t>in order</a:t>
+            </a:r>
+            <a:r>
+              <a:rPr lang="en-US" dirty="0"/>
+              <a:t>:</a:t>
+            </a:r>
+          </a:p>
+          <a:p>
+            <a:r>
+              <a:rPr lang="en-US" dirty="0"/>
+              <a:t>If you haven’t specified your data, you won’t know what your data looks like or what it means.</a:t>
+            </a:r>
+          </a:p>
+          <a:p>
+            <a:r>
+              <a:rPr lang="en-US" dirty="0"/>
+              <a:t>You can’t write a function that does its job unless you know what its job is.</a:t>
+            </a:r>
+          </a:p>
+          <a:p>
+            <a:endParaRPr lang="en-US" dirty="0"/>
+          </a:p>
+        </p:txBody>
+      </p:sp>
+      <p:sp>
+        <p:nvSpPr>
+          <p:cNvPr id="4" name="Slide Number Placeholder 3"/>
+          <p:cNvSpPr>
+            <a:spLocks noGrp="1"/>
+          </p:cNvSpPr>
+          <p:nvPr>
+            <p:ph type="sldNum" sz="quarter" idx="12"/>
+          </p:nvPr>
+        </p:nvSpPr>
+        <p:spPr/>
+        <p:txBody>
+          <a:bodyPr/>
+          <a:lstStyle/>
+          <a:p>
+            <a:fld id="{AB376464-0CAE-48CA-94A1-62F8E9374B4C}" type="slidenum">
+              <a:rPr lang="en-US" smtClean="0"/>
+              <a:pPr/>
+              <a:t>11</a:t>
+            </a:fld>
+            <a:endParaRPr lang="en-US"/>
+          </a:p>
+        </p:txBody>
+      </p:sp>
+    </p:spTree>
+    <p:extLst>
+      <p:ext uri="{BB962C8B-B14F-4D97-AF65-F5344CB8AC3E}">
+        <p14:creationId xmlns:p14="http://schemas.microsoft.com/office/powerpoint/2010/main" val="300274765"/>
+      </p:ext>
+    </p:extLst>
+  </p:cSld>
+  <p:clrMapOvr>
+    <a:masterClrMapping/>
+  </p:clrMapOvr>
+</p:sld>
+</file>
+
+<file path=ppt/slides/slide12.xml><?xml version="1.0" encoding="utf-8"?>
+<p:sld xmlns:a="http://schemas.openxmlformats.org/drawingml/2006/main" xmlns:r="http://schemas.openxmlformats.org/officeDocument/2006/relationships" xmlns:p="http://schemas.openxmlformats.org/presentationml/2006/main">
+  <p:cSld>
+    <p:spTree>
+      <p:nvGrpSpPr>
+        <p:cNvPr id="1" name=""/>
+        <p:cNvGrpSpPr/>
+        <p:nvPr/>
+      </p:nvGrpSpPr>
+      <p:grpSpPr>
+        <a:xfrm>
+          <a:off x="0" y="0"/>
+          <a:ext cx="0" cy="0"/>
+          <a:chOff x="0" y="0"/>
+          <a:chExt cx="0" cy="0"/>
+        </a:xfrm>
+      </p:grpSpPr>
+      <p:sp>
+        <p:nvSpPr>
           <p:cNvPr id="3" name="Slide Number Placeholder 2"/>
           <p:cNvSpPr>
             <a:spLocks noGrp="1"/>
@@ -5591,7 +10369,7 @@
                 </a:solidFill>
               </a:rPr>
               <a:pPr/>
-              <a:t>11</a:t>
+              <a:t>12</a:t>
             </a:fld>
             <a:endParaRPr lang="en-US" dirty="0">
               <a:solidFill>
@@ -5952,151 +10730,6 @@
       <p:bldP spid="5" grpId="0" build="allAtOnce" animBg="1"/>
     </p:bldLst>
   </p:timing>
-</p:sld>
-</file>
-
-<file path=ppt/slides/slide12.xml><?xml version="1.0" encoding="utf-8"?>
-<p:sld xmlns:a="http://schemas.openxmlformats.org/drawingml/2006/main" xmlns:r="http://schemas.openxmlformats.org/officeDocument/2006/relationships" xmlns:p="http://schemas.openxmlformats.org/presentationml/2006/main">
-  <p:cSld>
-    <p:spTree>
-      <p:nvGrpSpPr>
-        <p:cNvPr id="1" name=""/>
-        <p:cNvGrpSpPr/>
-        <p:nvPr/>
-      </p:nvGrpSpPr>
-      <p:grpSpPr>
-        <a:xfrm>
-          <a:off x="0" y="0"/>
-          <a:ext cx="0" cy="0"/>
-          <a:chOff x="0" y="0"/>
-          <a:chExt cx="0" cy="0"/>
-        </a:xfrm>
-      </p:grpSpPr>
-      <p:sp>
-        <p:nvSpPr>
-          <p:cNvPr id="2" name="Title 1"/>
-          <p:cNvSpPr>
-            <a:spLocks noGrp="1"/>
-          </p:cNvSpPr>
-          <p:nvPr>
-            <p:ph type="title"/>
-          </p:nvPr>
-        </p:nvSpPr>
-        <p:spPr/>
-        <p:txBody>
-          <a:bodyPr/>
-          <a:lstStyle/>
-          <a:p>
-            <a:r>
-              <a:rPr lang="en-US" dirty="0"/>
-              <a:t>The Function Design Recipe</a:t>
-            </a:r>
-          </a:p>
-        </p:txBody>
-      </p:sp>
-      <p:sp>
-        <p:nvSpPr>
-          <p:cNvPr id="3" name="Content Placeholder 2"/>
-          <p:cNvSpPr>
-            <a:spLocks noGrp="1"/>
-          </p:cNvSpPr>
-          <p:nvPr>
-            <p:ph idx="1"/>
-          </p:nvPr>
-        </p:nvSpPr>
-        <p:spPr/>
-        <p:txBody>
-          <a:bodyPr>
-            <a:normAutofit/>
-          </a:bodyPr>
-          <a:lstStyle/>
-          <a:p>
-            <a:r>
-              <a:rPr lang="en-US" dirty="0"/>
-              <a:t>The function design recipe tells you the </a:t>
-            </a:r>
-            <a:r>
-              <a:rPr lang="en-US" i="1" dirty="0">
-                <a:solidFill>
-                  <a:srgbClr val="FF0000"/>
-                </a:solidFill>
-              </a:rPr>
-              <a:t>order</a:t>
-            </a:r>
-            <a:r>
-              <a:rPr lang="en-US" dirty="0"/>
-              <a:t> in which to attack a programming problem.</a:t>
-            </a:r>
-          </a:p>
-          <a:p>
-            <a:r>
-              <a:rPr lang="en-US" dirty="0"/>
-              <a:t>You need to do these steps </a:t>
-            </a:r>
-            <a:r>
-              <a:rPr lang="en-US" i="1" u="sng" dirty="0">
-                <a:solidFill>
-                  <a:srgbClr val="FF0000"/>
-                </a:solidFill>
-              </a:rPr>
-              <a:t>in order</a:t>
-            </a:r>
-            <a:r>
-              <a:rPr lang="en-US" dirty="0"/>
-              <a:t>:</a:t>
-            </a:r>
-          </a:p>
-          <a:p>
-            <a:r>
-              <a:rPr lang="en-US" dirty="0"/>
-              <a:t>If you haven’t specified your data, you won’t know what your data looks like or what it means.</a:t>
-            </a:r>
-          </a:p>
-          <a:p>
-            <a:r>
-              <a:rPr lang="en-US" dirty="0"/>
-              <a:t>You can’t write a function that does its job unless you know what its job is.</a:t>
-            </a:r>
-          </a:p>
-          <a:p>
-            <a:endParaRPr lang="en-US" dirty="0"/>
-          </a:p>
-        </p:txBody>
-      </p:sp>
-      <p:sp>
-        <p:nvSpPr>
-          <p:cNvPr id="4" name="Slide Number Placeholder 3"/>
-          <p:cNvSpPr>
-            <a:spLocks noGrp="1"/>
-          </p:cNvSpPr>
-          <p:nvPr>
-            <p:ph type="sldNum" sz="quarter" idx="12"/>
-          </p:nvPr>
-        </p:nvSpPr>
-        <p:spPr/>
-        <p:txBody>
-          <a:bodyPr/>
-          <a:lstStyle/>
-          <a:p>
-            <a:fld id="{AB376464-0CAE-48CA-94A1-62F8E9374B4C}" type="slidenum">
-              <a:rPr lang="en-US" smtClean="0"/>
-              <a:pPr/>
-              <a:t>12</a:t>
-            </a:fld>
-            <a:endParaRPr lang="en-US"/>
-          </a:p>
-        </p:txBody>
-      </p:sp>
-    </p:spTree>
-    <p:extLst>
-      <p:ext uri="{BB962C8B-B14F-4D97-AF65-F5344CB8AC3E}">
-        <p14:creationId xmlns:p14="http://schemas.microsoft.com/office/powerpoint/2010/main" val="300274765"/>
-      </p:ext>
-    </p:extLst>
-  </p:cSld>
-  <p:clrMapOvr>
-    <a:masterClrMapping/>
-  </p:clrMapOvr>
 </p:sld>
 </file>
 
@@ -6562,12 +11195,47 @@
         </p:nvSpPr>
         <p:spPr/>
         <p:txBody>
-          <a:bodyPr/>
+          <a:bodyPr>
+            <a:normAutofit fontScale="92500"/>
+          </a:bodyPr>
           <a:lstStyle/>
           <a:p>
             <a:r>
               <a:rPr lang="en-US" dirty="0"/>
-              <a:t>As we go through the course, we will learn about more and more complicated kinds of data design and design strategies.  The map on the next slide, which we will show at the beginning of every module, will help you see where you are in the course content.</a:t>
+              <a:t>The course is divided into 3 main units:</a:t>
+            </a:r>
+          </a:p>
+          <a:p>
+            <a:pPr lvl="1"/>
+            <a:r>
+              <a:rPr lang="en-US" dirty="0"/>
+              <a:t>Basic Principles</a:t>
+            </a:r>
+          </a:p>
+          <a:p>
+            <a:pPr lvl="1"/>
+            <a:r>
+              <a:rPr lang="en-US" dirty="0"/>
+              <a:t>Tools and Techniques</a:t>
+            </a:r>
+          </a:p>
+          <a:p>
+            <a:pPr lvl="1"/>
+            <a:r>
+              <a:rPr lang="en-US" dirty="0"/>
+              <a:t>Object-Oriented Programming</a:t>
+            </a:r>
+          </a:p>
+          <a:p>
+            <a:r>
+              <a:rPr lang="en-US" dirty="0"/>
+              <a:t>The first unit is taught in Racket; the second in a mixture of Racket and Java; and the third in Java.</a:t>
+            </a:r>
+          </a:p>
+          <a:p>
+            <a:r>
+              <a:rPr lang="en-US" dirty="0"/>
+              <a:t>The map on the next slide, which we will show at the beginning of every module, will help you see where you are in the course content.</a:t>
             </a:r>
           </a:p>
           <a:p>
@@ -6643,1515 +11311,37 @@
       </p:grpSpPr>
       <p:sp>
         <p:nvSpPr>
-          <p:cNvPr id="7" name="Rounded Rectangle 6"/>
-          <p:cNvSpPr/>
-          <p:nvPr/>
+          <p:cNvPr id="2" name="Title 1"/>
+          <p:cNvSpPr>
+            <a:spLocks noGrp="1"/>
+          </p:cNvSpPr>
+          <p:nvPr>
+            <p:ph type="title"/>
+          </p:nvPr>
         </p:nvSpPr>
         <p:spPr>
-          <a:xfrm>
-            <a:off x="6400800" y="1757787"/>
-            <a:ext cx="1828800" cy="533400"/>
-          </a:xfrm>
-          <a:prstGeom prst="roundRect">
-            <a:avLst/>
-          </a:prstGeom>
-        </p:spPr>
-        <p:style>
-          <a:lnRef idx="0">
-            <a:schemeClr val="accent1"/>
-          </a:lnRef>
-          <a:fillRef idx="3">
-            <a:schemeClr val="accent1"/>
-          </a:fillRef>
-          <a:effectRef idx="3">
-            <a:schemeClr val="accent1"/>
-          </a:effectRef>
-          <a:fontRef idx="minor">
-            <a:schemeClr val="lt1"/>
-          </a:fontRef>
-        </p:style>
-        <p:txBody>
-          <a:bodyPr rtlCol="0" anchor="ctr"/>
-          <a:lstStyle/>
-          <a:p>
-            <a:pPr algn="ctr"/>
-            <a:r>
-              <a:rPr lang="en-US" dirty="0"/>
-              <a:t>Generalization</a:t>
-            </a:r>
-          </a:p>
-        </p:txBody>
-      </p:sp>
-      <p:sp>
-        <p:nvSpPr>
-          <p:cNvPr id="14" name="Rounded Rectangle 13"/>
-          <p:cNvSpPr/>
-          <p:nvPr/>
-        </p:nvSpPr>
-        <p:spPr>
-          <a:xfrm>
-            <a:off x="6400800" y="2564470"/>
-            <a:ext cx="1828800" cy="533400"/>
-          </a:xfrm>
-          <a:prstGeom prst="roundRect">
-            <a:avLst/>
-          </a:prstGeom>
-          <a:solidFill>
-            <a:schemeClr val="accent1">
-              <a:lumMod val="20000"/>
-              <a:lumOff val="80000"/>
-            </a:schemeClr>
-          </a:solidFill>
-        </p:spPr>
-        <p:style>
-          <a:lnRef idx="1">
-            <a:schemeClr val="accent1"/>
-          </a:lnRef>
-          <a:fillRef idx="2">
-            <a:schemeClr val="accent1"/>
-          </a:fillRef>
-          <a:effectRef idx="1">
-            <a:schemeClr val="accent1"/>
-          </a:effectRef>
-          <a:fontRef idx="minor">
-            <a:schemeClr val="dk1"/>
-          </a:fontRef>
-        </p:style>
-        <p:txBody>
-          <a:bodyPr rtlCol="0" anchor="ctr"/>
-          <a:lstStyle/>
-          <a:p>
-            <a:pPr algn="ctr"/>
-            <a:r>
-              <a:rPr lang="en-US" dirty="0"/>
-              <a:t>Over Constants</a:t>
-            </a:r>
-          </a:p>
-        </p:txBody>
-      </p:sp>
-      <p:sp>
-        <p:nvSpPr>
-          <p:cNvPr id="29" name="Rounded Rectangle 28"/>
-          <p:cNvSpPr/>
-          <p:nvPr/>
-        </p:nvSpPr>
-        <p:spPr>
-          <a:xfrm>
-            <a:off x="6400800" y="3371153"/>
-            <a:ext cx="1828800" cy="533400"/>
-          </a:xfrm>
-          <a:prstGeom prst="roundRect">
-            <a:avLst/>
-          </a:prstGeom>
-          <a:solidFill>
-            <a:schemeClr val="accent1">
-              <a:lumMod val="20000"/>
-              <a:lumOff val="80000"/>
-            </a:schemeClr>
-          </a:solidFill>
-        </p:spPr>
-        <p:style>
-          <a:lnRef idx="1">
-            <a:schemeClr val="accent1"/>
-          </a:lnRef>
-          <a:fillRef idx="2">
-            <a:schemeClr val="accent1"/>
-          </a:fillRef>
-          <a:effectRef idx="1">
-            <a:schemeClr val="accent1"/>
-          </a:effectRef>
-          <a:fontRef idx="minor">
-            <a:schemeClr val="dk1"/>
-          </a:fontRef>
-        </p:style>
-        <p:txBody>
-          <a:bodyPr rtlCol="0" anchor="ctr"/>
-          <a:lstStyle/>
-          <a:p>
-            <a:pPr algn="ctr"/>
-            <a:r>
-              <a:rPr lang="en-US" dirty="0"/>
-              <a:t>Over Expressions</a:t>
-            </a:r>
-          </a:p>
-        </p:txBody>
-      </p:sp>
-      <p:sp>
-        <p:nvSpPr>
-          <p:cNvPr id="34" name="Rounded Rectangle 33"/>
-          <p:cNvSpPr/>
-          <p:nvPr/>
-        </p:nvSpPr>
-        <p:spPr>
-          <a:xfrm>
-            <a:off x="6400800" y="4177836"/>
-            <a:ext cx="1828800" cy="533400"/>
-          </a:xfrm>
-          <a:prstGeom prst="roundRect">
-            <a:avLst/>
-          </a:prstGeom>
-          <a:solidFill>
-            <a:schemeClr val="accent1">
-              <a:lumMod val="20000"/>
-              <a:lumOff val="80000"/>
-            </a:schemeClr>
-          </a:solidFill>
-        </p:spPr>
-        <p:style>
-          <a:lnRef idx="1">
-            <a:schemeClr val="accent1"/>
-          </a:lnRef>
-          <a:fillRef idx="2">
-            <a:schemeClr val="accent1"/>
-          </a:fillRef>
-          <a:effectRef idx="1">
-            <a:schemeClr val="accent1"/>
-          </a:effectRef>
-          <a:fontRef idx="minor">
-            <a:schemeClr val="dk1"/>
-          </a:fontRef>
-        </p:style>
-        <p:txBody>
-          <a:bodyPr rtlCol="0" anchor="ctr"/>
-          <a:lstStyle/>
-          <a:p>
-            <a:pPr algn="ctr"/>
-            <a:r>
-              <a:rPr lang="en-US" dirty="0"/>
-              <a:t>Over Contexts</a:t>
-            </a:r>
-          </a:p>
-        </p:txBody>
-      </p:sp>
-      <p:sp>
-        <p:nvSpPr>
-          <p:cNvPr id="39" name="Rounded Rectangle 38"/>
-          <p:cNvSpPr/>
-          <p:nvPr/>
-        </p:nvSpPr>
-        <p:spPr>
-          <a:xfrm>
-            <a:off x="6400800" y="4984519"/>
-            <a:ext cx="1828800" cy="533400"/>
-          </a:xfrm>
-          <a:prstGeom prst="roundRect">
-            <a:avLst/>
-          </a:prstGeom>
-          <a:solidFill>
-            <a:schemeClr val="accent1">
-              <a:lumMod val="20000"/>
-              <a:lumOff val="80000"/>
-            </a:schemeClr>
-          </a:solidFill>
-        </p:spPr>
-        <p:style>
-          <a:lnRef idx="1">
-            <a:schemeClr val="accent1"/>
-          </a:lnRef>
-          <a:fillRef idx="2">
-            <a:schemeClr val="accent1"/>
-          </a:fillRef>
-          <a:effectRef idx="1">
-            <a:schemeClr val="accent1"/>
-          </a:effectRef>
-          <a:fontRef idx="minor">
-            <a:schemeClr val="dk1"/>
-          </a:fontRef>
-        </p:style>
-        <p:txBody>
-          <a:bodyPr rtlCol="0" anchor="ctr"/>
-          <a:lstStyle/>
-          <a:p>
-            <a:pPr algn="ctr"/>
-            <a:r>
-              <a:rPr lang="en-US" dirty="0"/>
-              <a:t>Over Data Representations</a:t>
-            </a:r>
-          </a:p>
-        </p:txBody>
-      </p:sp>
-      <p:sp>
-        <p:nvSpPr>
-          <p:cNvPr id="44" name="Rounded Rectangle 43"/>
-          <p:cNvSpPr/>
-          <p:nvPr/>
-        </p:nvSpPr>
-        <p:spPr>
-          <a:xfrm>
-            <a:off x="6400800" y="5791200"/>
-            <a:ext cx="1828800" cy="533400"/>
-          </a:xfrm>
-          <a:prstGeom prst="roundRect">
-            <a:avLst/>
-          </a:prstGeom>
-          <a:solidFill>
-            <a:schemeClr val="accent1">
-              <a:lumMod val="20000"/>
-              <a:lumOff val="80000"/>
-            </a:schemeClr>
-          </a:solidFill>
-        </p:spPr>
-        <p:style>
-          <a:lnRef idx="1">
-            <a:schemeClr val="accent1"/>
-          </a:lnRef>
-          <a:fillRef idx="2">
-            <a:schemeClr val="accent1"/>
-          </a:fillRef>
-          <a:effectRef idx="1">
-            <a:schemeClr val="accent1"/>
-          </a:effectRef>
-          <a:fontRef idx="minor">
-            <a:schemeClr val="dk1"/>
-          </a:fontRef>
-        </p:style>
-        <p:txBody>
-          <a:bodyPr rtlCol="0" anchor="ctr"/>
-          <a:lstStyle/>
-          <a:p>
-            <a:pPr algn="ctr"/>
-            <a:r>
-              <a:rPr lang="en-US" dirty="0"/>
-              <a:t>Over Method Implementations</a:t>
-            </a:r>
-          </a:p>
-        </p:txBody>
-      </p:sp>
-      <p:grpSp>
-        <p:nvGrpSpPr>
-          <p:cNvPr id="78" name="Group 77"/>
-          <p:cNvGrpSpPr/>
-          <p:nvPr/>
-        </p:nvGrpSpPr>
-        <p:grpSpPr>
-          <a:xfrm>
-            <a:off x="914400" y="951104"/>
-            <a:ext cx="1828800" cy="5373496"/>
-            <a:chOff x="476250" y="951104"/>
-            <a:chExt cx="1828800" cy="5373496"/>
-          </a:xfrm>
-        </p:grpSpPr>
-        <p:sp>
-          <p:nvSpPr>
-            <p:cNvPr id="22" name="Rounded Rectangle 21"/>
-            <p:cNvSpPr/>
-            <p:nvPr/>
-          </p:nvSpPr>
-          <p:spPr>
-            <a:xfrm>
-              <a:off x="476250" y="2564470"/>
-              <a:ext cx="1828800" cy="533400"/>
-            </a:xfrm>
-            <a:prstGeom prst="roundRect">
-              <a:avLst/>
-            </a:prstGeom>
-            <a:solidFill>
-              <a:schemeClr val="accent1">
-                <a:lumMod val="20000"/>
-                <a:lumOff val="80000"/>
-              </a:schemeClr>
-            </a:solidFill>
-          </p:spPr>
-          <p:style>
-            <a:lnRef idx="1">
-              <a:schemeClr val="accent1"/>
-            </a:lnRef>
-            <a:fillRef idx="2">
-              <a:schemeClr val="accent1"/>
-            </a:fillRef>
-            <a:effectRef idx="1">
-              <a:schemeClr val="accent1"/>
-            </a:effectRef>
-            <a:fontRef idx="minor">
-              <a:schemeClr val="dk1"/>
-            </a:fontRef>
-          </p:style>
-          <p:txBody>
-            <a:bodyPr rtlCol="0" anchor="ctr"/>
-            <a:lstStyle/>
-            <a:p>
-              <a:pPr algn="ctr"/>
-              <a:r>
-                <a:rPr lang="en-US" dirty="0"/>
-                <a:t>Mixed Data</a:t>
-              </a:r>
-            </a:p>
-          </p:txBody>
-        </p:sp>
-        <p:sp>
-          <p:nvSpPr>
-            <p:cNvPr id="5" name="Rounded Rectangle 4"/>
-            <p:cNvSpPr/>
-            <p:nvPr/>
-          </p:nvSpPr>
-          <p:spPr>
-            <a:xfrm>
-              <a:off x="476250" y="951104"/>
-              <a:ext cx="1828800" cy="533400"/>
-            </a:xfrm>
-            <a:prstGeom prst="roundRect">
-              <a:avLst/>
-            </a:prstGeom>
-          </p:spPr>
-          <p:style>
-            <a:lnRef idx="0">
-              <a:schemeClr val="accent1"/>
-            </a:lnRef>
-            <a:fillRef idx="3">
-              <a:schemeClr val="accent1"/>
-            </a:fillRef>
-            <a:effectRef idx="3">
-              <a:schemeClr val="accent1"/>
-            </a:effectRef>
-            <a:fontRef idx="minor">
-              <a:schemeClr val="lt1"/>
-            </a:fontRef>
-          </p:style>
-          <p:txBody>
-            <a:bodyPr rtlCol="0" anchor="ctr"/>
-            <a:lstStyle/>
-            <a:p>
-              <a:pPr algn="ctr"/>
-              <a:r>
-                <a:rPr lang="en-US" dirty="0"/>
-                <a:t>Data Representations</a:t>
-              </a:r>
-            </a:p>
-          </p:txBody>
-        </p:sp>
-        <p:sp>
-          <p:nvSpPr>
-            <p:cNvPr id="12" name="Rounded Rectangle 11"/>
-            <p:cNvSpPr/>
-            <p:nvPr/>
-          </p:nvSpPr>
-          <p:spPr>
-            <a:xfrm>
-              <a:off x="476250" y="1757787"/>
-              <a:ext cx="1828800" cy="533400"/>
-            </a:xfrm>
-            <a:prstGeom prst="roundRect">
-              <a:avLst/>
-            </a:prstGeom>
-            <a:solidFill>
-              <a:schemeClr val="accent1">
-                <a:lumMod val="20000"/>
-                <a:lumOff val="80000"/>
-              </a:schemeClr>
-            </a:solidFill>
-          </p:spPr>
-          <p:style>
-            <a:lnRef idx="1">
-              <a:schemeClr val="accent1"/>
-            </a:lnRef>
-            <a:fillRef idx="2">
-              <a:schemeClr val="accent1"/>
-            </a:fillRef>
-            <a:effectRef idx="1">
-              <a:schemeClr val="accent1"/>
-            </a:effectRef>
-            <a:fontRef idx="minor">
-              <a:schemeClr val="dk1"/>
-            </a:fontRef>
-          </p:style>
-          <p:txBody>
-            <a:bodyPr rtlCol="0" anchor="ctr"/>
-            <a:lstStyle/>
-            <a:p>
-              <a:pPr algn="ctr"/>
-              <a:r>
-                <a:rPr lang="en-US" dirty="0"/>
-                <a:t>Basics</a:t>
-              </a:r>
-            </a:p>
-          </p:txBody>
-        </p:sp>
-        <p:sp>
-          <p:nvSpPr>
-            <p:cNvPr id="27" name="Rounded Rectangle 26"/>
-            <p:cNvSpPr/>
-            <p:nvPr/>
-          </p:nvSpPr>
-          <p:spPr>
-            <a:xfrm>
-              <a:off x="476250" y="3371153"/>
-              <a:ext cx="1828800" cy="533400"/>
-            </a:xfrm>
-            <a:prstGeom prst="roundRect">
-              <a:avLst/>
-            </a:prstGeom>
-            <a:solidFill>
-              <a:schemeClr val="accent1">
-                <a:lumMod val="20000"/>
-                <a:lumOff val="80000"/>
-              </a:schemeClr>
-            </a:solidFill>
-          </p:spPr>
-          <p:style>
-            <a:lnRef idx="1">
-              <a:schemeClr val="accent1"/>
-            </a:lnRef>
-            <a:fillRef idx="2">
-              <a:schemeClr val="accent1"/>
-            </a:fillRef>
-            <a:effectRef idx="1">
-              <a:schemeClr val="accent1"/>
-            </a:effectRef>
-            <a:fontRef idx="minor">
-              <a:schemeClr val="dk1"/>
-            </a:fontRef>
-          </p:style>
-          <p:txBody>
-            <a:bodyPr rtlCol="0" anchor="ctr"/>
-            <a:lstStyle/>
-            <a:p>
-              <a:pPr algn="ctr"/>
-              <a:r>
-                <a:rPr lang="en-US" dirty="0"/>
-                <a:t>Recursive Data</a:t>
-              </a:r>
-            </a:p>
-          </p:txBody>
-        </p:sp>
-        <p:sp>
-          <p:nvSpPr>
-            <p:cNvPr id="37" name="Rounded Rectangle 36"/>
-            <p:cNvSpPr/>
-            <p:nvPr/>
-          </p:nvSpPr>
-          <p:spPr>
-            <a:xfrm>
-              <a:off x="476250" y="4177836"/>
-              <a:ext cx="1828800" cy="533400"/>
-            </a:xfrm>
-            <a:prstGeom prst="roundRect">
-              <a:avLst/>
-            </a:prstGeom>
-            <a:solidFill>
-              <a:schemeClr val="accent1">
-                <a:lumMod val="20000"/>
-                <a:lumOff val="80000"/>
-              </a:schemeClr>
-            </a:solidFill>
-          </p:spPr>
-          <p:style>
-            <a:lnRef idx="1">
-              <a:schemeClr val="accent1"/>
-            </a:lnRef>
-            <a:fillRef idx="2">
-              <a:schemeClr val="accent1"/>
-            </a:fillRef>
-            <a:effectRef idx="1">
-              <a:schemeClr val="accent1"/>
-            </a:effectRef>
-            <a:fontRef idx="minor">
-              <a:schemeClr val="dk1"/>
-            </a:fontRef>
-          </p:style>
-          <p:txBody>
-            <a:bodyPr rtlCol="0" anchor="ctr"/>
-            <a:lstStyle/>
-            <a:p>
-              <a:pPr algn="ctr"/>
-              <a:r>
-                <a:rPr lang="en-US" dirty="0"/>
-                <a:t>Functional Data</a:t>
-              </a:r>
-            </a:p>
-          </p:txBody>
-        </p:sp>
-        <p:sp>
-          <p:nvSpPr>
-            <p:cNvPr id="42" name="Rounded Rectangle 41"/>
-            <p:cNvSpPr/>
-            <p:nvPr/>
-          </p:nvSpPr>
-          <p:spPr>
-            <a:xfrm>
-              <a:off x="476250" y="4984519"/>
-              <a:ext cx="1828800" cy="533400"/>
-            </a:xfrm>
-            <a:prstGeom prst="roundRect">
-              <a:avLst/>
-            </a:prstGeom>
-            <a:solidFill>
-              <a:schemeClr val="accent1">
-                <a:lumMod val="20000"/>
-                <a:lumOff val="80000"/>
-              </a:schemeClr>
-            </a:solidFill>
-          </p:spPr>
-          <p:style>
-            <a:lnRef idx="1">
-              <a:schemeClr val="accent1"/>
-            </a:lnRef>
-            <a:fillRef idx="2">
-              <a:schemeClr val="accent1"/>
-            </a:fillRef>
-            <a:effectRef idx="1">
-              <a:schemeClr val="accent1"/>
-            </a:effectRef>
-            <a:fontRef idx="minor">
-              <a:schemeClr val="dk1"/>
-            </a:fontRef>
-          </p:style>
-          <p:txBody>
-            <a:bodyPr rtlCol="0" anchor="ctr"/>
-            <a:lstStyle/>
-            <a:p>
-              <a:pPr algn="ctr"/>
-              <a:r>
-                <a:rPr lang="en-US" dirty="0"/>
-                <a:t>Objects &amp; Classes</a:t>
-              </a:r>
-            </a:p>
-          </p:txBody>
-        </p:sp>
-        <p:sp>
-          <p:nvSpPr>
-            <p:cNvPr id="47" name="Rounded Rectangle 46"/>
-            <p:cNvSpPr/>
-            <p:nvPr/>
-          </p:nvSpPr>
-          <p:spPr>
-            <a:xfrm>
-              <a:off x="476250" y="5791200"/>
-              <a:ext cx="1828800" cy="533400"/>
-            </a:xfrm>
-            <a:prstGeom prst="roundRect">
-              <a:avLst/>
-            </a:prstGeom>
-            <a:solidFill>
-              <a:schemeClr val="accent1">
-                <a:lumMod val="20000"/>
-                <a:lumOff val="80000"/>
-              </a:schemeClr>
-            </a:solidFill>
-          </p:spPr>
-          <p:style>
-            <a:lnRef idx="1">
-              <a:schemeClr val="accent1"/>
-            </a:lnRef>
-            <a:fillRef idx="2">
-              <a:schemeClr val="accent1"/>
-            </a:fillRef>
-            <a:effectRef idx="1">
-              <a:schemeClr val="accent1"/>
-            </a:effectRef>
-            <a:fontRef idx="minor">
-              <a:schemeClr val="dk1"/>
-            </a:fontRef>
-          </p:style>
-          <p:txBody>
-            <a:bodyPr rtlCol="0" anchor="ctr"/>
-            <a:lstStyle/>
-            <a:p>
-              <a:pPr algn="ctr"/>
-              <a:r>
-                <a:rPr lang="en-US" dirty="0" err="1"/>
-                <a:t>Stateful</a:t>
-              </a:r>
-              <a:r>
-                <a:rPr lang="en-US" dirty="0"/>
-                <a:t> Objects</a:t>
-              </a:r>
-            </a:p>
-          </p:txBody>
-        </p:sp>
-        <p:cxnSp>
-          <p:nvCxnSpPr>
-            <p:cNvPr id="58" name="Straight Arrow Connector 57"/>
-            <p:cNvCxnSpPr>
-              <a:stCxn id="12" idx="2"/>
-              <a:endCxn id="22" idx="0"/>
-            </p:cNvCxnSpPr>
-            <p:nvPr/>
-          </p:nvCxnSpPr>
-          <p:spPr>
-            <a:xfrm>
-              <a:off x="1390650" y="2291187"/>
-              <a:ext cx="0" cy="273283"/>
-            </a:xfrm>
-            <a:prstGeom prst="straightConnector1">
-              <a:avLst/>
-            </a:prstGeom>
-            <a:ln>
-              <a:tailEnd type="triangle"/>
-            </a:ln>
-          </p:spPr>
-          <p:style>
-            <a:lnRef idx="1">
-              <a:schemeClr val="accent1"/>
-            </a:lnRef>
-            <a:fillRef idx="0">
-              <a:schemeClr val="accent1"/>
-            </a:fillRef>
-            <a:effectRef idx="0">
-              <a:schemeClr val="accent1"/>
-            </a:effectRef>
-            <a:fontRef idx="minor">
-              <a:schemeClr val="tx1"/>
-            </a:fontRef>
-          </p:style>
-        </p:cxnSp>
-        <p:cxnSp>
-          <p:nvCxnSpPr>
-            <p:cNvPr id="66" name="Straight Arrow Connector 65"/>
-            <p:cNvCxnSpPr>
-              <a:stCxn id="22" idx="2"/>
-              <a:endCxn id="27" idx="0"/>
-            </p:cNvCxnSpPr>
-            <p:nvPr/>
-          </p:nvCxnSpPr>
-          <p:spPr>
-            <a:xfrm>
-              <a:off x="1390650" y="3097870"/>
-              <a:ext cx="0" cy="273283"/>
-            </a:xfrm>
-            <a:prstGeom prst="straightConnector1">
-              <a:avLst/>
-            </a:prstGeom>
-            <a:ln>
-              <a:tailEnd type="triangle"/>
-            </a:ln>
-          </p:spPr>
-          <p:style>
-            <a:lnRef idx="1">
-              <a:schemeClr val="accent1"/>
-            </a:lnRef>
-            <a:fillRef idx="0">
-              <a:schemeClr val="accent1"/>
-            </a:fillRef>
-            <a:effectRef idx="0">
-              <a:schemeClr val="accent1"/>
-            </a:effectRef>
-            <a:fontRef idx="minor">
-              <a:schemeClr val="tx1"/>
-            </a:fontRef>
-          </p:style>
-        </p:cxnSp>
-      </p:grpSp>
-      <p:grpSp>
-        <p:nvGrpSpPr>
-          <p:cNvPr id="80" name="Group 79"/>
-          <p:cNvGrpSpPr/>
-          <p:nvPr/>
-        </p:nvGrpSpPr>
-        <p:grpSpPr>
-          <a:xfrm>
-            <a:off x="3657600" y="951104"/>
-            <a:ext cx="1828800" cy="5373496"/>
-            <a:chOff x="2598691" y="951104"/>
-            <a:chExt cx="1828800" cy="5373496"/>
-          </a:xfrm>
-        </p:grpSpPr>
-        <p:sp>
-          <p:nvSpPr>
-            <p:cNvPr id="6" name="Rounded Rectangle 5"/>
-            <p:cNvSpPr/>
-            <p:nvPr/>
-          </p:nvSpPr>
-          <p:spPr>
-            <a:xfrm>
-              <a:off x="2598691" y="951104"/>
-              <a:ext cx="1828800" cy="533400"/>
-            </a:xfrm>
-            <a:prstGeom prst="roundRect">
-              <a:avLst/>
-            </a:prstGeom>
-          </p:spPr>
-          <p:style>
-            <a:lnRef idx="0">
-              <a:schemeClr val="accent1"/>
-            </a:lnRef>
-            <a:fillRef idx="3">
-              <a:schemeClr val="accent1"/>
-            </a:fillRef>
-            <a:effectRef idx="3">
-              <a:schemeClr val="accent1"/>
-            </a:effectRef>
-            <a:fontRef idx="minor">
-              <a:schemeClr val="lt1"/>
-            </a:fontRef>
-          </p:style>
-          <p:txBody>
-            <a:bodyPr rtlCol="0" anchor="ctr"/>
-            <a:lstStyle/>
-            <a:p>
-              <a:pPr algn="ctr"/>
-              <a:r>
-                <a:rPr lang="en-US" dirty="0"/>
-                <a:t>Design Strategies</a:t>
-              </a:r>
-            </a:p>
-          </p:txBody>
-        </p:sp>
-        <p:sp>
-          <p:nvSpPr>
-            <p:cNvPr id="13" name="Rounded Rectangle 12"/>
-            <p:cNvSpPr/>
-            <p:nvPr/>
-          </p:nvSpPr>
-          <p:spPr>
-            <a:xfrm>
-              <a:off x="2598691" y="1757787"/>
-              <a:ext cx="1828800" cy="533400"/>
-            </a:xfrm>
-            <a:prstGeom prst="roundRect">
-              <a:avLst/>
-            </a:prstGeom>
-            <a:solidFill>
-              <a:schemeClr val="accent1">
-                <a:lumMod val="20000"/>
-                <a:lumOff val="80000"/>
-              </a:schemeClr>
-            </a:solidFill>
-          </p:spPr>
-          <p:style>
-            <a:lnRef idx="1">
-              <a:schemeClr val="accent1"/>
-            </a:lnRef>
-            <a:fillRef idx="2">
-              <a:schemeClr val="accent1"/>
-            </a:fillRef>
-            <a:effectRef idx="1">
-              <a:schemeClr val="accent1"/>
-            </a:effectRef>
-            <a:fontRef idx="minor">
-              <a:schemeClr val="dk1"/>
-            </a:fontRef>
-          </p:style>
-          <p:txBody>
-            <a:bodyPr rtlCol="0" anchor="ctr"/>
-            <a:lstStyle/>
-            <a:p>
-              <a:pPr algn="ctr"/>
-              <a:r>
-                <a:rPr lang="en-US" dirty="0"/>
-                <a:t>Combine simpler functions</a:t>
-              </a:r>
-            </a:p>
-          </p:txBody>
-        </p:sp>
-        <p:sp>
-          <p:nvSpPr>
-            <p:cNvPr id="23" name="Rounded Rectangle 22"/>
-            <p:cNvSpPr/>
-            <p:nvPr/>
-          </p:nvSpPr>
-          <p:spPr>
-            <a:xfrm>
-              <a:off x="2598691" y="2766140"/>
-              <a:ext cx="1828800" cy="533400"/>
-            </a:xfrm>
-            <a:prstGeom prst="roundRect">
-              <a:avLst/>
-            </a:prstGeom>
-            <a:solidFill>
-              <a:schemeClr val="accent1">
-                <a:lumMod val="20000"/>
-                <a:lumOff val="80000"/>
-              </a:schemeClr>
-            </a:solidFill>
-          </p:spPr>
-          <p:style>
-            <a:lnRef idx="1">
-              <a:schemeClr val="accent1"/>
-            </a:lnRef>
-            <a:fillRef idx="2">
-              <a:schemeClr val="accent1"/>
-            </a:fillRef>
-            <a:effectRef idx="1">
-              <a:schemeClr val="accent1"/>
-            </a:effectRef>
-            <a:fontRef idx="minor">
-              <a:schemeClr val="dk1"/>
-            </a:fontRef>
-          </p:style>
-          <p:txBody>
-            <a:bodyPr rtlCol="0" anchor="ctr"/>
-            <a:lstStyle/>
-            <a:p>
-              <a:pPr algn="ctr"/>
-              <a:r>
-                <a:rPr lang="en-US" dirty="0"/>
-                <a:t>Use a template</a:t>
-              </a:r>
-            </a:p>
-          </p:txBody>
-        </p:sp>
-        <p:sp>
-          <p:nvSpPr>
-            <p:cNvPr id="28" name="Rounded Rectangle 27"/>
-            <p:cNvSpPr/>
-            <p:nvPr/>
-          </p:nvSpPr>
-          <p:spPr>
-            <a:xfrm>
-              <a:off x="2598691" y="3774493"/>
-              <a:ext cx="1828800" cy="533400"/>
-            </a:xfrm>
-            <a:prstGeom prst="roundRect">
-              <a:avLst/>
-            </a:prstGeom>
-            <a:solidFill>
-              <a:schemeClr val="accent1">
-                <a:lumMod val="20000"/>
-                <a:lumOff val="80000"/>
-              </a:schemeClr>
-            </a:solidFill>
-          </p:spPr>
-          <p:style>
-            <a:lnRef idx="1">
-              <a:schemeClr val="accent1"/>
-            </a:lnRef>
-            <a:fillRef idx="2">
-              <a:schemeClr val="accent1"/>
-            </a:fillRef>
-            <a:effectRef idx="1">
-              <a:schemeClr val="accent1"/>
-            </a:effectRef>
-            <a:fontRef idx="minor">
-              <a:schemeClr val="dk1"/>
-            </a:fontRef>
-          </p:style>
-          <p:txBody>
-            <a:bodyPr rtlCol="0" anchor="ctr"/>
-            <a:lstStyle/>
-            <a:p>
-              <a:pPr algn="ctr"/>
-              <a:r>
-                <a:rPr lang="en-US" dirty="0"/>
-                <a:t>Divide into Cases</a:t>
-              </a:r>
-            </a:p>
-          </p:txBody>
-        </p:sp>
-        <p:sp>
-          <p:nvSpPr>
-            <p:cNvPr id="38" name="Rounded Rectangle 37"/>
-            <p:cNvSpPr/>
-            <p:nvPr/>
-          </p:nvSpPr>
-          <p:spPr>
-            <a:xfrm>
-              <a:off x="2598691" y="4782846"/>
-              <a:ext cx="1828800" cy="533400"/>
-            </a:xfrm>
-            <a:prstGeom prst="roundRect">
-              <a:avLst/>
-            </a:prstGeom>
-            <a:solidFill>
-              <a:schemeClr val="accent1">
-                <a:lumMod val="20000"/>
-                <a:lumOff val="80000"/>
-              </a:schemeClr>
-            </a:solidFill>
-          </p:spPr>
-          <p:style>
-            <a:lnRef idx="1">
-              <a:schemeClr val="accent1"/>
-            </a:lnRef>
-            <a:fillRef idx="2">
-              <a:schemeClr val="accent1"/>
-            </a:fillRef>
-            <a:effectRef idx="1">
-              <a:schemeClr val="accent1"/>
-            </a:effectRef>
-            <a:fontRef idx="minor">
-              <a:schemeClr val="dk1"/>
-            </a:fontRef>
-          </p:style>
-          <p:txBody>
-            <a:bodyPr rtlCol="0" anchor="ctr"/>
-            <a:lstStyle/>
-            <a:p>
-              <a:pPr algn="ctr"/>
-              <a:r>
-                <a:rPr lang="en-US" dirty="0"/>
-                <a:t>Call a more general function</a:t>
-              </a:r>
-            </a:p>
-          </p:txBody>
-        </p:sp>
-        <p:sp>
-          <p:nvSpPr>
-            <p:cNvPr id="48" name="Rounded Rectangle 47"/>
-            <p:cNvSpPr/>
-            <p:nvPr/>
-          </p:nvSpPr>
-          <p:spPr>
-            <a:xfrm>
-              <a:off x="2598691" y="5791200"/>
-              <a:ext cx="1828800" cy="533400"/>
-            </a:xfrm>
-            <a:prstGeom prst="roundRect">
-              <a:avLst/>
-            </a:prstGeom>
-            <a:solidFill>
-              <a:schemeClr val="accent1">
-                <a:lumMod val="20000"/>
-                <a:lumOff val="80000"/>
-              </a:schemeClr>
-            </a:solidFill>
-          </p:spPr>
-          <p:style>
-            <a:lnRef idx="1">
-              <a:schemeClr val="accent1"/>
-            </a:lnRef>
-            <a:fillRef idx="2">
-              <a:schemeClr val="accent1"/>
-            </a:fillRef>
-            <a:effectRef idx="1">
-              <a:schemeClr val="accent1"/>
-            </a:effectRef>
-            <a:fontRef idx="minor">
-              <a:schemeClr val="dk1"/>
-            </a:fontRef>
-          </p:style>
-          <p:txBody>
-            <a:bodyPr rtlCol="0" anchor="ctr"/>
-            <a:lstStyle/>
-            <a:p>
-              <a:pPr algn="ctr"/>
-              <a:r>
-                <a:rPr lang="en-US" dirty="0"/>
-                <a:t>Communicate via State</a:t>
-              </a:r>
-            </a:p>
-          </p:txBody>
-        </p:sp>
-        <p:cxnSp>
-          <p:nvCxnSpPr>
-            <p:cNvPr id="70" name="Straight Arrow Connector 69"/>
-            <p:cNvCxnSpPr>
-              <a:stCxn id="13" idx="2"/>
-              <a:endCxn id="23" idx="0"/>
-            </p:cNvCxnSpPr>
-            <p:nvPr/>
-          </p:nvCxnSpPr>
-          <p:spPr>
-            <a:xfrm>
-              <a:off x="3513091" y="2291187"/>
-              <a:ext cx="0" cy="474953"/>
-            </a:xfrm>
-            <a:prstGeom prst="straightConnector1">
-              <a:avLst/>
-            </a:prstGeom>
-            <a:ln>
-              <a:tailEnd type="triangle"/>
-            </a:ln>
-          </p:spPr>
-          <p:style>
-            <a:lnRef idx="1">
-              <a:schemeClr val="accent1"/>
-            </a:lnRef>
-            <a:fillRef idx="0">
-              <a:schemeClr val="accent1"/>
-            </a:fillRef>
-            <a:effectRef idx="0">
-              <a:schemeClr val="accent1"/>
-            </a:effectRef>
-            <a:fontRef idx="minor">
-              <a:schemeClr val="tx1"/>
-            </a:fontRef>
-          </p:style>
-        </p:cxnSp>
-        <p:cxnSp>
-          <p:nvCxnSpPr>
-            <p:cNvPr id="72" name="Straight Arrow Connector 71"/>
-            <p:cNvCxnSpPr>
-              <a:stCxn id="23" idx="2"/>
-              <a:endCxn id="28" idx="0"/>
-            </p:cNvCxnSpPr>
-            <p:nvPr/>
-          </p:nvCxnSpPr>
-          <p:spPr>
-            <a:xfrm>
-              <a:off x="3513091" y="3299540"/>
-              <a:ext cx="0" cy="474953"/>
-            </a:xfrm>
-            <a:prstGeom prst="straightConnector1">
-              <a:avLst/>
-            </a:prstGeom>
-            <a:ln>
-              <a:tailEnd type="triangle"/>
-            </a:ln>
-          </p:spPr>
-          <p:style>
-            <a:lnRef idx="1">
-              <a:schemeClr val="accent1"/>
-            </a:lnRef>
-            <a:fillRef idx="0">
-              <a:schemeClr val="accent1"/>
-            </a:fillRef>
-            <a:effectRef idx="0">
-              <a:schemeClr val="accent1"/>
-            </a:effectRef>
-            <a:fontRef idx="minor">
-              <a:schemeClr val="tx1"/>
-            </a:fontRef>
-          </p:style>
-        </p:cxnSp>
-        <p:cxnSp>
-          <p:nvCxnSpPr>
-            <p:cNvPr id="74" name="Straight Arrow Connector 73"/>
-            <p:cNvCxnSpPr>
-              <a:stCxn id="28" idx="2"/>
-              <a:endCxn id="38" idx="0"/>
-            </p:cNvCxnSpPr>
-            <p:nvPr/>
-          </p:nvCxnSpPr>
-          <p:spPr>
-            <a:xfrm>
-              <a:off x="3513091" y="4307893"/>
-              <a:ext cx="0" cy="474953"/>
-            </a:xfrm>
-            <a:prstGeom prst="straightConnector1">
-              <a:avLst/>
-            </a:prstGeom>
-            <a:ln>
-              <a:tailEnd type="triangle"/>
-            </a:ln>
-          </p:spPr>
-          <p:style>
-            <a:lnRef idx="1">
-              <a:schemeClr val="accent1"/>
-            </a:lnRef>
-            <a:fillRef idx="0">
-              <a:schemeClr val="accent1"/>
-            </a:fillRef>
-            <a:effectRef idx="0">
-              <a:schemeClr val="accent1"/>
-            </a:effectRef>
-            <a:fontRef idx="minor">
-              <a:schemeClr val="tx1"/>
-            </a:fontRef>
-          </p:style>
-        </p:cxnSp>
-        <p:cxnSp>
-          <p:nvCxnSpPr>
-            <p:cNvPr id="77" name="Straight Arrow Connector 76"/>
-            <p:cNvCxnSpPr>
-              <a:stCxn id="38" idx="2"/>
-              <a:endCxn id="48" idx="0"/>
-            </p:cNvCxnSpPr>
-            <p:nvPr/>
-          </p:nvCxnSpPr>
-          <p:spPr>
-            <a:xfrm>
-              <a:off x="3513091" y="5316246"/>
-              <a:ext cx="0" cy="474954"/>
-            </a:xfrm>
-            <a:prstGeom prst="straightConnector1">
-              <a:avLst/>
-            </a:prstGeom>
-            <a:ln>
-              <a:tailEnd type="triangle"/>
-            </a:ln>
-          </p:spPr>
-          <p:style>
-            <a:lnRef idx="1">
-              <a:schemeClr val="accent1"/>
-            </a:lnRef>
-            <a:fillRef idx="0">
-              <a:schemeClr val="accent1"/>
-            </a:fillRef>
-            <a:effectRef idx="0">
-              <a:schemeClr val="accent1"/>
-            </a:effectRef>
-            <a:fontRef idx="minor">
-              <a:schemeClr val="tx1"/>
-            </a:fontRef>
-          </p:style>
-        </p:cxnSp>
-      </p:grpSp>
-      <p:cxnSp>
-        <p:nvCxnSpPr>
-          <p:cNvPr id="88" name="Straight Arrow Connector 87"/>
-          <p:cNvCxnSpPr>
-            <a:stCxn id="7" idx="2"/>
-            <a:endCxn id="14" idx="0"/>
-          </p:cNvCxnSpPr>
-          <p:nvPr/>
-        </p:nvCxnSpPr>
-        <p:spPr>
-          <a:xfrm>
-            <a:off x="7315200" y="2291187"/>
-            <a:ext cx="0" cy="273283"/>
-          </a:xfrm>
-          <a:prstGeom prst="straightConnector1">
-            <a:avLst/>
-          </a:prstGeom>
-          <a:ln>
-            <a:tailEnd type="triangle"/>
-          </a:ln>
-        </p:spPr>
-        <p:style>
-          <a:lnRef idx="1">
-            <a:schemeClr val="accent1"/>
-          </a:lnRef>
-          <a:fillRef idx="0">
-            <a:schemeClr val="accent1"/>
-          </a:fillRef>
-          <a:effectRef idx="0">
-            <a:schemeClr val="accent1"/>
-          </a:effectRef>
-          <a:fontRef idx="minor">
-            <a:schemeClr val="tx1"/>
-          </a:fontRef>
-        </p:style>
-      </p:cxnSp>
-      <p:cxnSp>
-        <p:nvCxnSpPr>
-          <p:cNvPr id="92" name="Straight Arrow Connector 91"/>
-          <p:cNvCxnSpPr>
-            <a:stCxn id="14" idx="2"/>
-            <a:endCxn id="29" idx="0"/>
-          </p:cNvCxnSpPr>
-          <p:nvPr/>
-        </p:nvCxnSpPr>
-        <p:spPr>
-          <a:xfrm>
-            <a:off x="7315200" y="3097870"/>
-            <a:ext cx="0" cy="273283"/>
-          </a:xfrm>
-          <a:prstGeom prst="straightConnector1">
-            <a:avLst/>
-          </a:prstGeom>
-          <a:ln>
-            <a:tailEnd type="triangle"/>
-          </a:ln>
-        </p:spPr>
-        <p:style>
-          <a:lnRef idx="1">
-            <a:schemeClr val="accent1"/>
-          </a:lnRef>
-          <a:fillRef idx="0">
-            <a:schemeClr val="accent1"/>
-          </a:fillRef>
-          <a:effectRef idx="0">
-            <a:schemeClr val="accent1"/>
-          </a:effectRef>
-          <a:fontRef idx="minor">
-            <a:schemeClr val="tx1"/>
-          </a:fontRef>
-        </p:style>
-      </p:cxnSp>
-      <p:cxnSp>
-        <p:nvCxnSpPr>
-          <p:cNvPr id="98" name="Straight Arrow Connector 97"/>
-          <p:cNvCxnSpPr>
-            <a:stCxn id="29" idx="2"/>
-            <a:endCxn id="34" idx="0"/>
-          </p:cNvCxnSpPr>
-          <p:nvPr/>
-        </p:nvCxnSpPr>
-        <p:spPr>
-          <a:xfrm>
-            <a:off x="7315200" y="3904553"/>
-            <a:ext cx="0" cy="273283"/>
-          </a:xfrm>
-          <a:prstGeom prst="straightConnector1">
-            <a:avLst/>
-          </a:prstGeom>
-          <a:ln>
-            <a:tailEnd type="triangle"/>
-          </a:ln>
-        </p:spPr>
-        <p:style>
-          <a:lnRef idx="1">
-            <a:schemeClr val="accent1"/>
-          </a:lnRef>
-          <a:fillRef idx="0">
-            <a:schemeClr val="accent1"/>
-          </a:fillRef>
-          <a:effectRef idx="0">
-            <a:schemeClr val="accent1"/>
-          </a:effectRef>
-          <a:fontRef idx="minor">
-            <a:schemeClr val="tx1"/>
-          </a:fontRef>
-        </p:style>
-      </p:cxnSp>
-      <p:cxnSp>
-        <p:nvCxnSpPr>
-          <p:cNvPr id="100" name="Straight Arrow Connector 99"/>
-          <p:cNvCxnSpPr>
-            <a:stCxn id="34" idx="2"/>
-            <a:endCxn id="39" idx="0"/>
-          </p:cNvCxnSpPr>
-          <p:nvPr/>
-        </p:nvCxnSpPr>
-        <p:spPr>
-          <a:xfrm>
-            <a:off x="7315200" y="4711236"/>
-            <a:ext cx="0" cy="273283"/>
-          </a:xfrm>
-          <a:prstGeom prst="straightConnector1">
-            <a:avLst/>
-          </a:prstGeom>
-          <a:ln>
-            <a:tailEnd type="triangle"/>
-          </a:ln>
-        </p:spPr>
-        <p:style>
-          <a:lnRef idx="1">
-            <a:schemeClr val="accent1"/>
-          </a:lnRef>
-          <a:fillRef idx="0">
-            <a:schemeClr val="accent1"/>
-          </a:fillRef>
-          <a:effectRef idx="0">
-            <a:schemeClr val="accent1"/>
-          </a:effectRef>
-          <a:fontRef idx="minor">
-            <a:schemeClr val="tx1"/>
-          </a:fontRef>
-        </p:style>
-      </p:cxnSp>
-      <p:cxnSp>
-        <p:nvCxnSpPr>
-          <p:cNvPr id="102" name="Straight Arrow Connector 101"/>
-          <p:cNvCxnSpPr>
-            <a:stCxn id="39" idx="2"/>
-            <a:endCxn id="44" idx="0"/>
-          </p:cNvCxnSpPr>
-          <p:nvPr/>
-        </p:nvCxnSpPr>
-        <p:spPr>
-          <a:xfrm>
-            <a:off x="7315200" y="5517919"/>
-            <a:ext cx="0" cy="273281"/>
-          </a:xfrm>
-          <a:prstGeom prst="straightConnector1">
-            <a:avLst/>
-          </a:prstGeom>
-          <a:ln>
-            <a:tailEnd type="triangle"/>
-          </a:ln>
-        </p:spPr>
-        <p:style>
-          <a:lnRef idx="1">
-            <a:schemeClr val="accent1"/>
-          </a:lnRef>
-          <a:fillRef idx="0">
-            <a:schemeClr val="accent1"/>
-          </a:fillRef>
-          <a:effectRef idx="0">
-            <a:schemeClr val="accent1"/>
-          </a:effectRef>
-          <a:fontRef idx="minor">
-            <a:schemeClr val="tx1"/>
-          </a:fontRef>
-        </p:style>
-      </p:cxnSp>
-      <p:sp>
-        <p:nvSpPr>
-          <p:cNvPr id="103" name="Rounded Rectangle 102"/>
-          <p:cNvSpPr/>
-          <p:nvPr/>
-        </p:nvSpPr>
-        <p:spPr>
-          <a:xfrm>
-            <a:off x="5791200" y="417704"/>
-            <a:ext cx="3048000" cy="1066800"/>
-          </a:xfrm>
-          <a:prstGeom prst="roundRect">
-            <a:avLst/>
-          </a:prstGeom>
-          <a:noFill/>
           <a:ln w="28575">
             <a:solidFill>
-              <a:schemeClr val="accent2"/>
+              <a:schemeClr val="accent1"/>
             </a:solidFill>
           </a:ln>
         </p:spPr>
-        <p:style>
-          <a:lnRef idx="2">
-            <a:schemeClr val="accent1"/>
-          </a:lnRef>
-          <a:fillRef idx="1">
-            <a:schemeClr val="lt1"/>
-          </a:fillRef>
-          <a:effectRef idx="0">
-            <a:schemeClr val="accent1"/>
-          </a:effectRef>
-          <a:fontRef idx="minor">
-            <a:schemeClr val="dk1"/>
-          </a:fontRef>
-        </p:style>
-        <p:txBody>
-          <a:bodyPr rot="0" spcFirstLastPara="0" vertOverflow="overflow" horzOverflow="overflow" vert="horz" wrap="square" lIns="91440" tIns="45720" rIns="91440" bIns="45720" numCol="1" spcCol="0" rtlCol="0" fromWordArt="0" anchor="ctr" anchorCtr="0" forceAA="0" compatLnSpc="1">
-            <a:prstTxWarp prst="textNoShape">
-              <a:avLst/>
-            </a:prstTxWarp>
-            <a:noAutofit/>
+        <p:txBody>
+          <a:bodyPr vert="horz" lIns="91440" tIns="45720" rIns="91440" bIns="45720" rtlCol="0" anchor="ctr">
+            <a:normAutofit/>
           </a:bodyPr>
           <a:lstStyle/>
           <a:p>
-            <a:pPr algn="ctr"/>
             <a:r>
-              <a:rPr lang="en-US" sz="4400" dirty="0"/>
+              <a:rPr lang="en-US" dirty="0"/>
               <a:t>Course Map</a:t>
             </a:r>
-            <a:endParaRPr lang="en-US" sz="4400" dirty="0">
-              <a:solidFill>
-                <a:schemeClr val="tx1"/>
-              </a:solidFill>
-            </a:endParaRPr>
-          </a:p>
-        </p:txBody>
-      </p:sp>
-      <p:cxnSp>
-        <p:nvCxnSpPr>
-          <p:cNvPr id="107" name="Straight Arrow Connector 106"/>
-          <p:cNvCxnSpPr>
-            <a:stCxn id="27" idx="2"/>
-            <a:endCxn id="37" idx="0"/>
-          </p:cNvCxnSpPr>
-          <p:nvPr/>
-        </p:nvCxnSpPr>
-        <p:spPr>
-          <a:xfrm>
-            <a:off x="1828800" y="3904553"/>
-            <a:ext cx="0" cy="273283"/>
-          </a:xfrm>
-          <a:prstGeom prst="straightConnector1">
-            <a:avLst/>
-          </a:prstGeom>
-          <a:ln>
-            <a:tailEnd type="triangle"/>
-          </a:ln>
-        </p:spPr>
-        <p:style>
-          <a:lnRef idx="1">
-            <a:schemeClr val="accent1"/>
-          </a:lnRef>
-          <a:fillRef idx="0">
-            <a:schemeClr val="accent1"/>
-          </a:fillRef>
-          <a:effectRef idx="0">
-            <a:schemeClr val="accent1"/>
-          </a:effectRef>
-          <a:fontRef idx="minor">
-            <a:schemeClr val="tx1"/>
-          </a:fontRef>
-        </p:style>
-      </p:cxnSp>
-      <p:cxnSp>
-        <p:nvCxnSpPr>
-          <p:cNvPr id="109" name="Straight Arrow Connector 108"/>
-          <p:cNvCxnSpPr>
-            <a:stCxn id="37" idx="2"/>
-            <a:endCxn id="42" idx="0"/>
-          </p:cNvCxnSpPr>
-          <p:nvPr/>
-        </p:nvCxnSpPr>
-        <p:spPr>
-          <a:xfrm>
-            <a:off x="1828800" y="4711236"/>
-            <a:ext cx="0" cy="273283"/>
-          </a:xfrm>
-          <a:prstGeom prst="straightConnector1">
-            <a:avLst/>
-          </a:prstGeom>
-          <a:ln>
-            <a:tailEnd type="triangle"/>
-          </a:ln>
-        </p:spPr>
-        <p:style>
-          <a:lnRef idx="1">
-            <a:schemeClr val="accent1"/>
-          </a:lnRef>
-          <a:fillRef idx="0">
-            <a:schemeClr val="accent1"/>
-          </a:fillRef>
-          <a:effectRef idx="0">
-            <a:schemeClr val="accent1"/>
-          </a:effectRef>
-          <a:fontRef idx="minor">
-            <a:schemeClr val="tx1"/>
-          </a:fontRef>
-        </p:style>
-      </p:cxnSp>
-      <p:cxnSp>
-        <p:nvCxnSpPr>
-          <p:cNvPr id="111" name="Straight Arrow Connector 110"/>
-          <p:cNvCxnSpPr>
-            <a:stCxn id="42" idx="2"/>
-            <a:endCxn id="47" idx="0"/>
-          </p:cNvCxnSpPr>
-          <p:nvPr/>
-        </p:nvCxnSpPr>
-        <p:spPr>
-          <a:xfrm>
-            <a:off x="1828800" y="5517919"/>
-            <a:ext cx="0" cy="273281"/>
-          </a:xfrm>
-          <a:prstGeom prst="straightConnector1">
-            <a:avLst/>
-          </a:prstGeom>
-          <a:ln>
-            <a:tailEnd type="triangle"/>
-          </a:ln>
-        </p:spPr>
-        <p:style>
-          <a:lnRef idx="1">
-            <a:schemeClr val="accent1"/>
-          </a:lnRef>
-          <a:fillRef idx="0">
-            <a:schemeClr val="accent1"/>
-          </a:fillRef>
-          <a:effectRef idx="0">
-            <a:schemeClr val="accent1"/>
-          </a:effectRef>
-          <a:fontRef idx="minor">
-            <a:schemeClr val="tx1"/>
-          </a:fontRef>
-        </p:style>
-      </p:cxnSp>
-      <p:cxnSp>
-        <p:nvCxnSpPr>
-          <p:cNvPr id="113" name="Elbow Connector 112"/>
-          <p:cNvCxnSpPr>
-            <a:stCxn id="38" idx="3"/>
-            <a:endCxn id="7" idx="1"/>
-          </p:cNvCxnSpPr>
-          <p:nvPr/>
-        </p:nvCxnSpPr>
-        <p:spPr>
-          <a:xfrm flipV="1">
-            <a:off x="5486400" y="2024487"/>
-            <a:ext cx="914400" cy="3025059"/>
-          </a:xfrm>
-          <a:prstGeom prst="bentConnector3">
-            <a:avLst>
-              <a:gd name="adj1" fmla="val 50000"/>
-            </a:avLst>
-          </a:prstGeom>
-          <a:ln w="38100">
-            <a:tailEnd type="triangle"/>
-          </a:ln>
-        </p:spPr>
-        <p:style>
-          <a:lnRef idx="1">
-            <a:schemeClr val="accent1"/>
-          </a:lnRef>
-          <a:fillRef idx="0">
-            <a:schemeClr val="accent1"/>
-          </a:fillRef>
-          <a:effectRef idx="0">
-            <a:schemeClr val="accent1"/>
-          </a:effectRef>
-          <a:fontRef idx="minor">
-            <a:schemeClr val="tx1"/>
-          </a:fontRef>
-        </p:style>
-      </p:cxnSp>
-      <p:sp>
-        <p:nvSpPr>
-          <p:cNvPr id="2" name="Slide Number Placeholder 1"/>
+          </a:p>
+        </p:txBody>
+      </p:sp>
+      <p:sp>
+        <p:nvSpPr>
+          <p:cNvPr id="3" name="Slide Number Placeholder 2"/>
           <p:cNvSpPr>
             <a:spLocks noGrp="1"/>
           </p:cNvSpPr>
@@ -8172,10 +11362,26 @@
           </a:p>
         </p:txBody>
       </p:sp>
+      <p:graphicFrame>
+        <p:nvGraphicFramePr>
+          <p:cNvPr id="4" name="Diagram 3"/>
+          <p:cNvGraphicFramePr/>
+          <p:nvPr/>
+        </p:nvGraphicFramePr>
+        <p:xfrm>
+          <a:off x="1524000" y="1727994"/>
+          <a:ext cx="6096000" cy="4318000"/>
+        </p:xfrm>
+        <a:graphic>
+          <a:graphicData uri="http://schemas.openxmlformats.org/drawingml/2006/diagram">
+            <dgm:relIds xmlns:dgm="http://schemas.openxmlformats.org/drawingml/2006/diagram" xmlns:r="http://schemas.openxmlformats.org/officeDocument/2006/relationships" r:dm="rId2" r:lo="rId3" r:qs="rId4" r:cs="rId5"/>
+          </a:graphicData>
+        </a:graphic>
+      </p:graphicFrame>
     </p:spTree>
     <p:extLst>
       <p:ext uri="{BB962C8B-B14F-4D97-AF65-F5344CB8AC3E}">
-        <p14:creationId xmlns:p14="http://schemas.microsoft.com/office/powerpoint/2010/main" val="822679658"/>
+        <p14:creationId xmlns:p14="http://schemas.microsoft.com/office/powerpoint/2010/main" val="1773485918"/>
       </p:ext>
     </p:extLst>
   </p:cSld>
@@ -9462,7 +12668,7 @@
             <p:ph idx="4294967295"/>
             <p:extLst>
               <p:ext uri="{D42A27DB-BD31-4B8C-83A1-F6EECF244321}">
-                <p14:modId xmlns:p14="http://schemas.microsoft.com/office/powerpoint/2010/main" val="299133916"/>
+                <p14:modId xmlns:p14="http://schemas.microsoft.com/office/powerpoint/2010/main" val="394101118"/>
               </p:ext>
             </p:extLst>
           </p:nvPr>
@@ -9609,7 +12815,7 @@
                       </a:r>
                       <a:r>
                         <a:rPr lang="en-US" sz="2400" baseline="0" dirty="0"/>
-                        <a:t> and methods that produce and consume values. </a:t>
+                        <a:t> and methods that communicate by passing arguments and returning values </a:t>
                       </a:r>
                       <a:endParaRPr lang="en-US" sz="2400" dirty="0"/>
                     </a:p>
@@ -9630,7 +12836,7 @@
                     <a:p>
                       <a:r>
                         <a:rPr lang="en-US" sz="2400" dirty="0"/>
-                        <a:t>6. Use global state only to share information</a:t>
+                        <a:t>6. Use global side-effects only to share information</a:t>
                       </a:r>
                       <a:r>
                         <a:rPr lang="en-US" sz="2400" baseline="0" dirty="0"/>

--- a/Slides/Lesson 0.1 Goals of this Course.pptx
+++ b/Slides/Lesson 0.1 Goals of this Course.pptx
@@ -4857,7 +4857,7 @@
           <a:p>
             <a:fld id="{39B146F0-9122-4808-B0F9-3E08B8294872}" type="datetimeFigureOut">
               <a:rPr lang="en-US" smtClean="0"/>
-              <a:t>7/21/2017</a:t>
+              <a:t>8/11/2017</a:t>
             </a:fld>
             <a:endParaRPr lang="en-US"/>
           </a:p>
@@ -6527,7 +6527,7 @@
                   </a:prstClr>
                 </a:solidFill>
               </a:rPr>
-              <a:t>7/21/2017</a:t>
+              <a:t>8/11/2017</a:t>
             </a:fld>
             <a:endParaRPr lang="en-US">
               <a:solidFill>
@@ -6810,7 +6810,7 @@
                   </a:prstClr>
                 </a:solidFill>
               </a:rPr>
-              <a:t>7/21/2017</a:t>
+              <a:t>8/11/2017</a:t>
             </a:fld>
             <a:endParaRPr lang="en-US">
               <a:solidFill>
@@ -7009,7 +7009,7 @@
                   </a:prstClr>
                 </a:solidFill>
               </a:rPr>
-              <a:t>7/21/2017</a:t>
+              <a:t>8/11/2017</a:t>
             </a:fld>
             <a:endParaRPr lang="en-US">
               <a:solidFill>
@@ -7218,7 +7218,7 @@
                   </a:prstClr>
                 </a:solidFill>
               </a:rPr>
-              <a:t>7/21/2017</a:t>
+              <a:t>8/11/2017</a:t>
             </a:fld>
             <a:endParaRPr lang="en-US">
               <a:solidFill>
@@ -7423,7 +7423,7 @@
                   </a:prstClr>
                 </a:solidFill>
               </a:rPr>
-              <a:t>7/21/2017</a:t>
+              <a:t>8/11/2017</a:t>
             </a:fld>
             <a:endParaRPr lang="en-US" dirty="0">
               <a:solidFill>
@@ -7571,7 +7571,7 @@
                   </a:prstClr>
                 </a:solidFill>
               </a:rPr>
-              <a:t>7/21/2017</a:t>
+              <a:t>8/11/2017</a:t>
             </a:fld>
             <a:endParaRPr lang="en-US">
               <a:solidFill>
@@ -7847,7 +7847,7 @@
                   </a:prstClr>
                 </a:solidFill>
               </a:rPr>
-              <a:t>7/21/2017</a:t>
+              <a:t>8/11/2017</a:t>
             </a:fld>
             <a:endParaRPr lang="en-US">
               <a:solidFill>
@@ -8163,7 +8163,7 @@
                   </a:prstClr>
                 </a:solidFill>
               </a:rPr>
-              <a:t>7/21/2017</a:t>
+              <a:t>8/11/2017</a:t>
             </a:fld>
             <a:endParaRPr lang="en-US">
               <a:solidFill>
@@ -8613,7 +8613,7 @@
                   </a:prstClr>
                 </a:solidFill>
               </a:rPr>
-              <a:t>7/21/2017</a:t>
+              <a:t>8/11/2017</a:t>
             </a:fld>
             <a:endParaRPr lang="en-US">
               <a:solidFill>
@@ -8761,7 +8761,7 @@
                   </a:prstClr>
                 </a:solidFill>
               </a:rPr>
-              <a:t>7/21/2017</a:t>
+              <a:t>8/11/2017</a:t>
             </a:fld>
             <a:endParaRPr lang="en-US">
               <a:solidFill>
@@ -8887,7 +8887,7 @@
                   </a:prstClr>
                 </a:solidFill>
               </a:rPr>
-              <a:t>7/21/2017</a:t>
+              <a:t>8/11/2017</a:t>
             </a:fld>
             <a:endParaRPr lang="en-US">
               <a:solidFill>
@@ -9193,7 +9193,7 @@
                   </a:prstClr>
                 </a:solidFill>
               </a:rPr>
-              <a:t>7/21/2017</a:t>
+              <a:t>8/11/2017</a:t>
             </a:fld>
             <a:endParaRPr lang="en-US">
               <a:solidFill>
@@ -9435,7 +9435,7 @@
                   </a:prstClr>
                 </a:solidFill>
               </a:rPr>
-              <a:t>7/21/2017</a:t>
+              <a:t>8/11/2017</a:t>
             </a:fld>
             <a:endParaRPr lang="en-US">
               <a:solidFill>
@@ -11585,7 +11585,15 @@
             <a:pPr lvl="1"/>
             <a:r>
               <a:rPr lang="en-US" dirty="0"/>
-              <a:t>list the 6 principles for writing beautiful programs</a:t>
+              <a:t>list </a:t>
+            </a:r>
+            <a:r>
+              <a:rPr lang="en-US"/>
+              <a:t>the 7 </a:t>
+            </a:r>
+            <a:r>
+              <a:rPr lang="en-US" dirty="0"/>
+              <a:t>principles for writing beautiful programs</a:t>
             </a:r>
           </a:p>
           <a:p>
